--- a/calculus/limits/limit.pptx
+++ b/calculus/limits/limit.pptx
@@ -5,7 +5,7 @@
     <p:sldMasterId id="2147483648" r:id="rId1"/>
   </p:sldMasterIdLst>
   <p:notesMasterIdLst>
-    <p:notesMasterId r:id="rId15"/>
+    <p:notesMasterId r:id="rId17"/>
   </p:notesMasterIdLst>
   <p:sldIdLst>
     <p:sldId id="256" r:id="rId2"/>
@@ -14,13 +14,15 @@
     <p:sldId id="258" r:id="rId5"/>
     <p:sldId id="263" r:id="rId6"/>
     <p:sldId id="264" r:id="rId7"/>
-    <p:sldId id="265" r:id="rId8"/>
-    <p:sldId id="266" r:id="rId9"/>
-    <p:sldId id="267" r:id="rId10"/>
-    <p:sldId id="268" r:id="rId11"/>
-    <p:sldId id="269" r:id="rId12"/>
-    <p:sldId id="270" r:id="rId13"/>
-    <p:sldId id="271" r:id="rId14"/>
+    <p:sldId id="273" r:id="rId8"/>
+    <p:sldId id="265" r:id="rId9"/>
+    <p:sldId id="266" r:id="rId10"/>
+    <p:sldId id="267" r:id="rId11"/>
+    <p:sldId id="268" r:id="rId12"/>
+    <p:sldId id="269" r:id="rId13"/>
+    <p:sldId id="270" r:id="rId14"/>
+    <p:sldId id="271" r:id="rId15"/>
+    <p:sldId id="272" r:id="rId16"/>
   </p:sldIdLst>
   <p:sldSz cx="9144000" cy="5143500" type="screen16x9"/>
   <p:notesSz cx="6858000" cy="9144000"/>
@@ -220,7 +222,7 @@
           <a:p>
             <a:fld id="{34A3F295-49B6-4EFD-88EF-3C824D9BE83A}" type="datetimeFigureOut">
               <a:rPr lang="en-US" smtClean="0"/>
-              <a:t>12/14/2019</a:t>
+              <a:t>04-Apr-21</a:t>
             </a:fld>
             <a:endParaRPr lang="en-US"/>
           </a:p>
@@ -552,7 +554,7 @@
           <a:p>
             <a:fld id="{FC39007C-5C98-4E91-9835-A1EE8670ED97}" type="slidenum">
               <a:rPr lang="en-US" smtClean="0"/>
-              <a:t>13</a:t>
+              <a:t>14</a:t>
             </a:fld>
             <a:endParaRPr lang="en-US"/>
           </a:p>
@@ -751,7 +753,7 @@
             <a:fld id="{1D8BD707-D9CF-40AE-B4C6-C98DA3205C09}" type="datetimeFigureOut">
               <a:rPr lang="en-US" smtClean="0"/>
               <a:pPr/>
-              <a:t>12/14/2019</a:t>
+              <a:t>04-Apr-21</a:t>
             </a:fld>
             <a:endParaRPr lang="en-US"/>
           </a:p>
@@ -916,7 +918,7 @@
             <a:fld id="{1D8BD707-D9CF-40AE-B4C6-C98DA3205C09}" type="datetimeFigureOut">
               <a:rPr lang="en-US" smtClean="0"/>
               <a:pPr/>
-              <a:t>12/14/2019</a:t>
+              <a:t>04-Apr-21</a:t>
             </a:fld>
             <a:endParaRPr lang="en-US"/>
           </a:p>
@@ -1091,7 +1093,7 @@
             <a:fld id="{1D8BD707-D9CF-40AE-B4C6-C98DA3205C09}" type="datetimeFigureOut">
               <a:rPr lang="en-US" smtClean="0"/>
               <a:pPr/>
-              <a:t>12/14/2019</a:t>
+              <a:t>04-Apr-21</a:t>
             </a:fld>
             <a:endParaRPr lang="en-US"/>
           </a:p>
@@ -1256,7 +1258,7 @@
             <a:fld id="{1D8BD707-D9CF-40AE-B4C6-C98DA3205C09}" type="datetimeFigureOut">
               <a:rPr lang="en-US" smtClean="0"/>
               <a:pPr/>
-              <a:t>12/14/2019</a:t>
+              <a:t>04-Apr-21</a:t>
             </a:fld>
             <a:endParaRPr lang="en-US"/>
           </a:p>
@@ -1498,7 +1500,7 @@
             <a:fld id="{1D8BD707-D9CF-40AE-B4C6-C98DA3205C09}" type="datetimeFigureOut">
               <a:rPr lang="en-US" smtClean="0"/>
               <a:pPr/>
-              <a:t>12/14/2019</a:t>
+              <a:t>04-Apr-21</a:t>
             </a:fld>
             <a:endParaRPr lang="en-US"/>
           </a:p>
@@ -1780,7 +1782,7 @@
             <a:fld id="{1D8BD707-D9CF-40AE-B4C6-C98DA3205C09}" type="datetimeFigureOut">
               <a:rPr lang="en-US" smtClean="0"/>
               <a:pPr/>
-              <a:t>12/14/2019</a:t>
+              <a:t>04-Apr-21</a:t>
             </a:fld>
             <a:endParaRPr lang="en-US"/>
           </a:p>
@@ -2196,7 +2198,7 @@
             <a:fld id="{1D8BD707-D9CF-40AE-B4C6-C98DA3205C09}" type="datetimeFigureOut">
               <a:rPr lang="en-US" smtClean="0"/>
               <a:pPr/>
-              <a:t>12/14/2019</a:t>
+              <a:t>04-Apr-21</a:t>
             </a:fld>
             <a:endParaRPr lang="en-US"/>
           </a:p>
@@ -2310,7 +2312,7 @@
             <a:fld id="{1D8BD707-D9CF-40AE-B4C6-C98DA3205C09}" type="datetimeFigureOut">
               <a:rPr lang="en-US" smtClean="0"/>
               <a:pPr/>
-              <a:t>12/14/2019</a:t>
+              <a:t>04-Apr-21</a:t>
             </a:fld>
             <a:endParaRPr lang="en-US"/>
           </a:p>
@@ -2402,7 +2404,7 @@
             <a:fld id="{1D8BD707-D9CF-40AE-B4C6-C98DA3205C09}" type="datetimeFigureOut">
               <a:rPr lang="en-US" smtClean="0"/>
               <a:pPr/>
-              <a:t>12/14/2019</a:t>
+              <a:t>04-Apr-21</a:t>
             </a:fld>
             <a:endParaRPr lang="en-US"/>
           </a:p>
@@ -2674,7 +2676,7 @@
             <a:fld id="{1D8BD707-D9CF-40AE-B4C6-C98DA3205C09}" type="datetimeFigureOut">
               <a:rPr lang="en-US" smtClean="0"/>
               <a:pPr/>
-              <a:t>12/14/2019</a:t>
+              <a:t>04-Apr-21</a:t>
             </a:fld>
             <a:endParaRPr lang="en-US"/>
           </a:p>
@@ -2923,7 +2925,7 @@
             <a:fld id="{1D8BD707-D9CF-40AE-B4C6-C98DA3205C09}" type="datetimeFigureOut">
               <a:rPr lang="en-US" smtClean="0"/>
               <a:pPr/>
-              <a:t>12/14/2019</a:t>
+              <a:t>04-Apr-21</a:t>
             </a:fld>
             <a:endParaRPr lang="en-US"/>
           </a:p>
@@ -3131,7 +3133,7 @@
             <a:fld id="{1D8BD707-D9CF-40AE-B4C6-C98DA3205C09}" type="datetimeFigureOut">
               <a:rPr lang="en-US" smtClean="0"/>
               <a:pPr/>
-              <a:t>12/14/2019</a:t>
+              <a:t>04-Apr-21</a:t>
             </a:fld>
             <a:endParaRPr lang="en-US"/>
           </a:p>
@@ -4095,6 +4097,994 @@
               <p:cNvPr id="2" name="TextBox 1">
                 <a:extLst>
                   <a:ext uri="{FF2B5EF4-FFF2-40B4-BE49-F238E27FC236}">
+                    <a16:creationId xmlns:a16="http://schemas.microsoft.com/office/drawing/2014/main" id="{CE2E5516-A1FE-478A-832F-F77A07B6896A}"/>
+                  </a:ext>
+                </a:extLst>
+              </p:cNvPr>
+              <p:cNvSpPr txBox="1"/>
+              <p:nvPr/>
+            </p:nvSpPr>
+            <p:spPr>
+              <a:xfrm>
+                <a:off x="0" y="819150"/>
+                <a:ext cx="9144000" cy="631455"/>
+              </a:xfrm>
+              <a:prstGeom prst="rect">
+                <a:avLst/>
+              </a:prstGeom>
+              <a:noFill/>
+            </p:spPr>
+            <p:txBody>
+              <a:bodyPr wrap="square" lIns="0" tIns="0" rIns="0" bIns="0" rtlCol="0">
+                <a:spAutoFit/>
+              </a:bodyPr>
+              <a:lstStyle/>
+              <a:p>
+                <a:pPr>
+                  <a:lnSpc>
+                    <a:spcPct val="150000"/>
+                  </a:lnSpc>
+                </a:pPr>
+                <a14:m>
+                  <m:oMathPara xmlns:m="http://schemas.openxmlformats.org/officeDocument/2006/math">
+                    <m:oMathParaPr>
+                      <m:jc m:val="centerGroup"/>
+                    </m:oMathParaPr>
+                    <m:oMath xmlns:m="http://schemas.openxmlformats.org/officeDocument/2006/math">
+                      <m:d>
+                        <m:dPr>
+                          <m:begChr m:val="|"/>
+                          <m:ctrlPr>
+                            <a:rPr lang="en-US" sz="2800" b="0" i="1" smtClean="0">
+                              <a:latin typeface="Cambria Math" panose="02040503050406030204" pitchFamily="18" charset="0"/>
+                            </a:rPr>
+                          </m:ctrlPr>
+                        </m:dPr>
+                        <m:e>
+                          <m:d>
+                            <m:dPr>
+                              <m:ctrlPr>
+                                <a:rPr lang="en-US" sz="2800" i="1" smtClean="0">
+                                  <a:latin typeface="Cambria Math" panose="02040503050406030204" pitchFamily="18" charset="0"/>
+                                </a:rPr>
+                              </m:ctrlPr>
+                            </m:dPr>
+                            <m:e>
+                              <m:r>
+                                <a:rPr lang="en-US" sz="2800" i="1" smtClean="0">
+                                  <a:latin typeface="Cambria Math" panose="02040503050406030204" pitchFamily="18" charset="0"/>
+                                </a:rPr>
+                                <m:t>𝑓</m:t>
+                              </m:r>
+                              <m:d>
+                                <m:dPr>
+                                  <m:ctrlPr>
+                                    <a:rPr lang="en-US" sz="2800" i="1">
+                                      <a:latin typeface="Cambria Math" panose="02040503050406030204" pitchFamily="18" charset="0"/>
+                                    </a:rPr>
+                                  </m:ctrlPr>
+                                </m:dPr>
+                                <m:e>
+                                  <m:r>
+                                    <a:rPr lang="en-US" sz="2800" i="1">
+                                      <a:latin typeface="Cambria Math" panose="02040503050406030204" pitchFamily="18" charset="0"/>
+                                    </a:rPr>
+                                    <m:t>𝑥</m:t>
+                                  </m:r>
+                                </m:e>
+                              </m:d>
+                              <m:r>
+                                <a:rPr lang="en-US" sz="2800" b="0" i="1" smtClean="0">
+                                  <a:latin typeface="Cambria Math" panose="02040503050406030204" pitchFamily="18" charset="0"/>
+                                </a:rPr>
+                                <m:t>−</m:t>
+                              </m:r>
+                              <m:r>
+                                <a:rPr lang="en-US" sz="2800" i="1">
+                                  <a:latin typeface="Cambria Math" panose="02040503050406030204" pitchFamily="18" charset="0"/>
+                                </a:rPr>
+                                <m:t>𝐿</m:t>
+                              </m:r>
+                            </m:e>
+                          </m:d>
+                          <m:r>
+                            <a:rPr lang="en-US" sz="2800" b="0" i="1" smtClean="0">
+                              <a:latin typeface="Cambria Math" panose="02040503050406030204" pitchFamily="18" charset="0"/>
+                            </a:rPr>
+                            <m:t>+(</m:t>
+                          </m:r>
+                          <m:r>
+                            <a:rPr lang="en-US" sz="2800" i="1">
+                              <a:latin typeface="Cambria Math" panose="02040503050406030204" pitchFamily="18" charset="0"/>
+                            </a:rPr>
+                            <m:t>𝑔</m:t>
+                          </m:r>
+                          <m:d>
+                            <m:dPr>
+                              <m:ctrlPr>
+                                <a:rPr lang="en-US" sz="2800" i="1">
+                                  <a:latin typeface="Cambria Math" panose="02040503050406030204" pitchFamily="18" charset="0"/>
+                                </a:rPr>
+                              </m:ctrlPr>
+                            </m:dPr>
+                            <m:e>
+                              <m:r>
+                                <a:rPr lang="en-US" sz="2800" i="1">
+                                  <a:latin typeface="Cambria Math" panose="02040503050406030204" pitchFamily="18" charset="0"/>
+                                </a:rPr>
+                                <m:t>𝑥</m:t>
+                              </m:r>
+                            </m:e>
+                          </m:d>
+                          <m:r>
+                            <a:rPr lang="en-US" sz="2800" i="1">
+                              <a:latin typeface="Cambria Math" panose="02040503050406030204" pitchFamily="18" charset="0"/>
+                            </a:rPr>
+                            <m:t>−</m:t>
+                          </m:r>
+                          <m:r>
+                            <a:rPr lang="en-US" sz="2800" i="1">
+                              <a:latin typeface="Cambria Math" panose="02040503050406030204" pitchFamily="18" charset="0"/>
+                            </a:rPr>
+                            <m:t>𝑀</m:t>
+                          </m:r>
+                        </m:e>
+                      </m:d>
+                      <m:r>
+                        <a:rPr lang="en-US" sz="2800" b="0" i="1" smtClean="0">
+                          <a:latin typeface="Cambria Math" panose="02040503050406030204" pitchFamily="18" charset="0"/>
+                        </a:rPr>
+                        <m:t>|</m:t>
+                      </m:r>
+                      <m:r>
+                        <a:rPr lang="en-US" sz="2800" i="1">
+                          <a:latin typeface="Cambria Math" panose="02040503050406030204" pitchFamily="18" charset="0"/>
+                          <a:ea typeface="Cambria Math" panose="02040503050406030204" pitchFamily="18" charset="0"/>
+                        </a:rPr>
+                        <m:t>≤</m:t>
+                      </m:r>
+                      <m:d>
+                        <m:dPr>
+                          <m:begChr m:val="|"/>
+                          <m:endChr m:val="|"/>
+                          <m:ctrlPr>
+                            <a:rPr lang="en-US" sz="2800" i="1">
+                              <a:latin typeface="Cambria Math" panose="02040503050406030204" pitchFamily="18" charset="0"/>
+                            </a:rPr>
+                          </m:ctrlPr>
+                        </m:dPr>
+                        <m:e>
+                          <m:r>
+                            <a:rPr lang="en-US" sz="2800" i="1">
+                              <a:latin typeface="Cambria Math" panose="02040503050406030204" pitchFamily="18" charset="0"/>
+                            </a:rPr>
+                            <m:t>𝑓</m:t>
+                          </m:r>
+                          <m:d>
+                            <m:dPr>
+                              <m:ctrlPr>
+                                <a:rPr lang="en-US" sz="2800" i="1">
+                                  <a:latin typeface="Cambria Math" panose="02040503050406030204" pitchFamily="18" charset="0"/>
+                                </a:rPr>
+                              </m:ctrlPr>
+                            </m:dPr>
+                            <m:e>
+                              <m:r>
+                                <a:rPr lang="en-US" sz="2800" i="1">
+                                  <a:latin typeface="Cambria Math" panose="02040503050406030204" pitchFamily="18" charset="0"/>
+                                </a:rPr>
+                                <m:t>𝑥</m:t>
+                              </m:r>
+                            </m:e>
+                          </m:d>
+                          <m:r>
+                            <a:rPr lang="en-US" sz="2800" i="1">
+                              <a:latin typeface="Cambria Math" panose="02040503050406030204" pitchFamily="18" charset="0"/>
+                            </a:rPr>
+                            <m:t>−</m:t>
+                          </m:r>
+                          <m:r>
+                            <a:rPr lang="en-US" sz="2800" i="1">
+                              <a:latin typeface="Cambria Math" panose="02040503050406030204" pitchFamily="18" charset="0"/>
+                            </a:rPr>
+                            <m:t>𝐿</m:t>
+                          </m:r>
+                        </m:e>
+                      </m:d>
+                      <m:r>
+                        <a:rPr lang="en-US" sz="2800" b="0" i="1" smtClean="0">
+                          <a:latin typeface="Cambria Math" panose="02040503050406030204" pitchFamily="18" charset="0"/>
+                        </a:rPr>
+                        <m:t>+</m:t>
+                      </m:r>
+                      <m:d>
+                        <m:dPr>
+                          <m:begChr m:val="|"/>
+                          <m:endChr m:val="|"/>
+                          <m:ctrlPr>
+                            <a:rPr lang="en-US" sz="2800" i="1">
+                              <a:latin typeface="Cambria Math" panose="02040503050406030204" pitchFamily="18" charset="0"/>
+                            </a:rPr>
+                          </m:ctrlPr>
+                        </m:dPr>
+                        <m:e>
+                          <m:r>
+                            <a:rPr lang="en-US" sz="2800" i="1">
+                              <a:latin typeface="Cambria Math" panose="02040503050406030204" pitchFamily="18" charset="0"/>
+                            </a:rPr>
+                            <m:t>𝑔</m:t>
+                          </m:r>
+                          <m:d>
+                            <m:dPr>
+                              <m:ctrlPr>
+                                <a:rPr lang="en-US" sz="2800" i="1">
+                                  <a:latin typeface="Cambria Math" panose="02040503050406030204" pitchFamily="18" charset="0"/>
+                                </a:rPr>
+                              </m:ctrlPr>
+                            </m:dPr>
+                            <m:e>
+                              <m:r>
+                                <a:rPr lang="en-US" sz="2800" i="1">
+                                  <a:latin typeface="Cambria Math" panose="02040503050406030204" pitchFamily="18" charset="0"/>
+                                </a:rPr>
+                                <m:t>𝑥</m:t>
+                              </m:r>
+                            </m:e>
+                          </m:d>
+                          <m:r>
+                            <a:rPr lang="en-US" sz="2800" i="1">
+                              <a:latin typeface="Cambria Math" panose="02040503050406030204" pitchFamily="18" charset="0"/>
+                            </a:rPr>
+                            <m:t>−</m:t>
+                          </m:r>
+                          <m:r>
+                            <a:rPr lang="en-US" sz="2800" i="1">
+                              <a:latin typeface="Cambria Math" panose="02040503050406030204" pitchFamily="18" charset="0"/>
+                            </a:rPr>
+                            <m:t>𝑀</m:t>
+                          </m:r>
+                        </m:e>
+                      </m:d>
+                    </m:oMath>
+                  </m:oMathPara>
+                </a14:m>
+                <a:endParaRPr lang="en-US" sz="2800" baseline="-25000" dirty="0"/>
+              </a:p>
+            </p:txBody>
+          </p:sp>
+        </mc:Choice>
+        <mc:Fallback xmlns="">
+          <p:sp>
+            <p:nvSpPr>
+              <p:cNvPr id="2" name="TextBox 1">
+                <a:extLst>
+                  <a:ext uri="{FF2B5EF4-FFF2-40B4-BE49-F238E27FC236}">
+                    <a16:creationId xmlns:a16="http://schemas.microsoft.com/office/drawing/2014/main" id="{CE2E5516-A1FE-478A-832F-F77A07B6896A}"/>
+                  </a:ext>
+                </a:extLst>
+              </p:cNvPr>
+              <p:cNvSpPr txBox="1">
+                <a:spLocks noRot="1" noChangeAspect="1" noMove="1" noResize="1" noEditPoints="1" noAdjustHandles="1" noChangeArrowheads="1" noChangeShapeType="1" noTextEdit="1"/>
+              </p:cNvSpPr>
+              <p:nvPr/>
+            </p:nvSpPr>
+            <p:spPr>
+              <a:xfrm>
+                <a:off x="0" y="819150"/>
+                <a:ext cx="9144000" cy="631455"/>
+              </a:xfrm>
+              <a:prstGeom prst="rect">
+                <a:avLst/>
+              </a:prstGeom>
+              <a:blipFill>
+                <a:blip r:embed="rId2"/>
+                <a:stretch>
+                  <a:fillRect/>
+                </a:stretch>
+              </a:blipFill>
+            </p:spPr>
+            <p:txBody>
+              <a:bodyPr/>
+              <a:lstStyle/>
+              <a:p>
+                <a:r>
+                  <a:rPr lang="en-US">
+                    <a:noFill/>
+                  </a:rPr>
+                  <a:t> </a:t>
+                </a:r>
+              </a:p>
+            </p:txBody>
+          </p:sp>
+        </mc:Fallback>
+      </mc:AlternateContent>
+      <mc:AlternateContent xmlns:mc="http://schemas.openxmlformats.org/markup-compatibility/2006" xmlns:a14="http://schemas.microsoft.com/office/drawing/2010/main">
+        <mc:Choice Requires="a14">
+          <p:sp>
+            <p:nvSpPr>
+              <p:cNvPr id="3" name="TextBox 2">
+                <a:extLst>
+                  <a:ext uri="{FF2B5EF4-FFF2-40B4-BE49-F238E27FC236}">
+                    <a16:creationId xmlns:a16="http://schemas.microsoft.com/office/drawing/2014/main" id="{3880D1C4-F3C4-46B2-BCFD-EA64C001DA4C}"/>
+                  </a:ext>
+                </a:extLst>
+              </p:cNvPr>
+              <p:cNvSpPr txBox="1"/>
+              <p:nvPr/>
+            </p:nvSpPr>
+            <p:spPr>
+              <a:xfrm>
+                <a:off x="152400" y="1488948"/>
+                <a:ext cx="5704254" cy="1102738"/>
+              </a:xfrm>
+              <a:prstGeom prst="rect">
+                <a:avLst/>
+              </a:prstGeom>
+              <a:noFill/>
+            </p:spPr>
+            <p:txBody>
+              <a:bodyPr wrap="none" lIns="0" tIns="0" rIns="0" bIns="0" rtlCol="0">
+                <a:spAutoFit/>
+              </a:bodyPr>
+              <a:lstStyle/>
+              <a:p>
+                <a:pPr>
+                  <a:lnSpc>
+                    <a:spcPct val="150000"/>
+                  </a:lnSpc>
+                </a:pPr>
+                <a14:m>
+                  <m:oMathPara xmlns:m="http://schemas.openxmlformats.org/officeDocument/2006/math">
+                    <m:oMathParaPr>
+                      <m:jc m:val="centerGroup"/>
+                    </m:oMathParaPr>
+                    <m:oMath xmlns:m="http://schemas.openxmlformats.org/officeDocument/2006/math">
+                      <m:r>
+                        <a:rPr lang="en-US" sz="2800" b="0" i="1" smtClean="0">
+                          <a:latin typeface="Cambria Math" panose="02040503050406030204" pitchFamily="18" charset="0"/>
+                          <a:ea typeface="Cambria Math" panose="02040503050406030204" pitchFamily="18" charset="0"/>
+                        </a:rPr>
+                        <m:t>∴</m:t>
+                      </m:r>
+                      <m:d>
+                        <m:dPr>
+                          <m:begChr m:val="|"/>
+                          <m:ctrlPr>
+                            <a:rPr lang="en-US" sz="2800" i="1">
+                              <a:latin typeface="Cambria Math" panose="02040503050406030204" pitchFamily="18" charset="0"/>
+                            </a:rPr>
+                          </m:ctrlPr>
+                        </m:dPr>
+                        <m:e>
+                          <m:d>
+                            <m:dPr>
+                              <m:ctrlPr>
+                                <a:rPr lang="en-US" sz="2800" i="1">
+                                  <a:latin typeface="Cambria Math" panose="02040503050406030204" pitchFamily="18" charset="0"/>
+                                </a:rPr>
+                              </m:ctrlPr>
+                            </m:dPr>
+                            <m:e>
+                              <m:r>
+                                <a:rPr lang="en-US" sz="2800" i="1">
+                                  <a:latin typeface="Cambria Math" panose="02040503050406030204" pitchFamily="18" charset="0"/>
+                                </a:rPr>
+                                <m:t>𝑓</m:t>
+                              </m:r>
+                              <m:d>
+                                <m:dPr>
+                                  <m:ctrlPr>
+                                    <a:rPr lang="en-US" sz="2800" i="1">
+                                      <a:latin typeface="Cambria Math" panose="02040503050406030204" pitchFamily="18" charset="0"/>
+                                    </a:rPr>
+                                  </m:ctrlPr>
+                                </m:dPr>
+                                <m:e>
+                                  <m:r>
+                                    <a:rPr lang="en-US" sz="2800" i="1">
+                                      <a:latin typeface="Cambria Math" panose="02040503050406030204" pitchFamily="18" charset="0"/>
+                                    </a:rPr>
+                                    <m:t>𝑥</m:t>
+                                  </m:r>
+                                </m:e>
+                              </m:d>
+                              <m:r>
+                                <a:rPr lang="en-US" sz="2800" i="1">
+                                  <a:latin typeface="Cambria Math" panose="02040503050406030204" pitchFamily="18" charset="0"/>
+                                </a:rPr>
+                                <m:t>−</m:t>
+                              </m:r>
+                              <m:r>
+                                <a:rPr lang="en-US" sz="2800" i="1">
+                                  <a:latin typeface="Cambria Math" panose="02040503050406030204" pitchFamily="18" charset="0"/>
+                                </a:rPr>
+                                <m:t>𝐿</m:t>
+                              </m:r>
+                            </m:e>
+                          </m:d>
+                          <m:r>
+                            <a:rPr lang="en-US" sz="2800" i="1">
+                              <a:latin typeface="Cambria Math" panose="02040503050406030204" pitchFamily="18" charset="0"/>
+                            </a:rPr>
+                            <m:t>+(</m:t>
+                          </m:r>
+                          <m:r>
+                            <a:rPr lang="en-US" sz="2800" i="1">
+                              <a:latin typeface="Cambria Math" panose="02040503050406030204" pitchFamily="18" charset="0"/>
+                            </a:rPr>
+                            <m:t>𝑔</m:t>
+                          </m:r>
+                          <m:d>
+                            <m:dPr>
+                              <m:ctrlPr>
+                                <a:rPr lang="en-US" sz="2800" i="1">
+                                  <a:latin typeface="Cambria Math" panose="02040503050406030204" pitchFamily="18" charset="0"/>
+                                </a:rPr>
+                              </m:ctrlPr>
+                            </m:dPr>
+                            <m:e>
+                              <m:r>
+                                <a:rPr lang="en-US" sz="2800" i="1">
+                                  <a:latin typeface="Cambria Math" panose="02040503050406030204" pitchFamily="18" charset="0"/>
+                                </a:rPr>
+                                <m:t>𝑥</m:t>
+                              </m:r>
+                            </m:e>
+                          </m:d>
+                          <m:r>
+                            <a:rPr lang="en-US" sz="2800" i="1">
+                              <a:latin typeface="Cambria Math" panose="02040503050406030204" pitchFamily="18" charset="0"/>
+                            </a:rPr>
+                            <m:t>−</m:t>
+                          </m:r>
+                          <m:r>
+                            <a:rPr lang="en-US" sz="2800" i="1">
+                              <a:latin typeface="Cambria Math" panose="02040503050406030204" pitchFamily="18" charset="0"/>
+                            </a:rPr>
+                            <m:t>𝑀</m:t>
+                          </m:r>
+                        </m:e>
+                      </m:d>
+                      <m:r>
+                        <a:rPr lang="en-US" sz="2800" i="1">
+                          <a:latin typeface="Cambria Math" panose="02040503050406030204" pitchFamily="18" charset="0"/>
+                        </a:rPr>
+                        <m:t>|&lt;</m:t>
+                      </m:r>
+                      <m:f>
+                        <m:fPr>
+                          <m:ctrlPr>
+                            <a:rPr lang="en-US" sz="2800" i="1">
+                              <a:latin typeface="Cambria Math" panose="02040503050406030204" pitchFamily="18" charset="0"/>
+                            </a:rPr>
+                          </m:ctrlPr>
+                        </m:fPr>
+                        <m:num>
+                          <m:r>
+                            <a:rPr lang="en-US" sz="2800" i="1">
+                              <a:latin typeface="Cambria Math" panose="02040503050406030204" pitchFamily="18" charset="0"/>
+                              <a:ea typeface="Cambria Math" panose="02040503050406030204" pitchFamily="18" charset="0"/>
+                            </a:rPr>
+                            <m:t>𝜀</m:t>
+                          </m:r>
+                        </m:num>
+                        <m:den>
+                          <m:r>
+                            <a:rPr lang="en-US" sz="2800" i="1">
+                              <a:latin typeface="Cambria Math" panose="02040503050406030204" pitchFamily="18" charset="0"/>
+                            </a:rPr>
+                            <m:t>2</m:t>
+                          </m:r>
+                        </m:den>
+                      </m:f>
+                      <m:r>
+                        <a:rPr lang="en-US" sz="2800" b="0" i="1" smtClean="0">
+                          <a:latin typeface="Cambria Math" panose="02040503050406030204" pitchFamily="18" charset="0"/>
+                        </a:rPr>
+                        <m:t>+</m:t>
+                      </m:r>
+                      <m:f>
+                        <m:fPr>
+                          <m:ctrlPr>
+                            <a:rPr lang="en-US" sz="2800" i="1">
+                              <a:latin typeface="Cambria Math" panose="02040503050406030204" pitchFamily="18" charset="0"/>
+                            </a:rPr>
+                          </m:ctrlPr>
+                        </m:fPr>
+                        <m:num>
+                          <m:r>
+                            <a:rPr lang="en-US" sz="2800" i="1">
+                              <a:latin typeface="Cambria Math" panose="02040503050406030204" pitchFamily="18" charset="0"/>
+                              <a:ea typeface="Cambria Math" panose="02040503050406030204" pitchFamily="18" charset="0"/>
+                            </a:rPr>
+                            <m:t>𝜀</m:t>
+                          </m:r>
+                        </m:num>
+                        <m:den>
+                          <m:r>
+                            <a:rPr lang="en-US" sz="2800" i="1">
+                              <a:latin typeface="Cambria Math" panose="02040503050406030204" pitchFamily="18" charset="0"/>
+                            </a:rPr>
+                            <m:t>2</m:t>
+                          </m:r>
+                        </m:den>
+                      </m:f>
+                    </m:oMath>
+                  </m:oMathPara>
+                </a14:m>
+                <a:endParaRPr lang="en-US" sz="2800" baseline="-25000" dirty="0"/>
+              </a:p>
+            </p:txBody>
+          </p:sp>
+        </mc:Choice>
+        <mc:Fallback xmlns="">
+          <p:sp>
+            <p:nvSpPr>
+              <p:cNvPr id="3" name="TextBox 2">
+                <a:extLst>
+                  <a:ext uri="{FF2B5EF4-FFF2-40B4-BE49-F238E27FC236}">
+                    <a16:creationId xmlns:a16="http://schemas.microsoft.com/office/drawing/2014/main" id="{3880D1C4-F3C4-46B2-BCFD-EA64C001DA4C}"/>
+                  </a:ext>
+                </a:extLst>
+              </p:cNvPr>
+              <p:cNvSpPr txBox="1">
+                <a:spLocks noRot="1" noChangeAspect="1" noMove="1" noResize="1" noEditPoints="1" noAdjustHandles="1" noChangeArrowheads="1" noChangeShapeType="1" noTextEdit="1"/>
+              </p:cNvSpPr>
+              <p:nvPr/>
+            </p:nvSpPr>
+            <p:spPr>
+              <a:xfrm>
+                <a:off x="152400" y="1488948"/>
+                <a:ext cx="5704254" cy="1102738"/>
+              </a:xfrm>
+              <a:prstGeom prst="rect">
+                <a:avLst/>
+              </a:prstGeom>
+              <a:blipFill>
+                <a:blip r:embed="rId3"/>
+                <a:stretch>
+                  <a:fillRect/>
+                </a:stretch>
+              </a:blipFill>
+            </p:spPr>
+            <p:txBody>
+              <a:bodyPr/>
+              <a:lstStyle/>
+              <a:p>
+                <a:r>
+                  <a:rPr lang="en-US">
+                    <a:noFill/>
+                  </a:rPr>
+                  <a:t> </a:t>
+                </a:r>
+              </a:p>
+            </p:txBody>
+          </p:sp>
+        </mc:Fallback>
+      </mc:AlternateContent>
+      <mc:AlternateContent xmlns:mc="http://schemas.openxmlformats.org/markup-compatibility/2006" xmlns:a14="http://schemas.microsoft.com/office/drawing/2010/main">
+        <mc:Choice Requires="a14">
+          <p:sp>
+            <p:nvSpPr>
+              <p:cNvPr id="4" name="TextBox 3">
+                <a:extLst>
+                  <a:ext uri="{FF2B5EF4-FFF2-40B4-BE49-F238E27FC236}">
+                    <a16:creationId xmlns:a16="http://schemas.microsoft.com/office/drawing/2014/main" id="{BED2F3AE-FEE6-4DF5-95F5-0410850435E2}"/>
+                  </a:ext>
+                </a:extLst>
+              </p:cNvPr>
+              <p:cNvSpPr txBox="1"/>
+              <p:nvPr/>
+            </p:nvSpPr>
+            <p:spPr>
+              <a:xfrm>
+                <a:off x="152400" y="2724150"/>
+                <a:ext cx="259686" cy="631455"/>
+              </a:xfrm>
+              <a:prstGeom prst="rect">
+                <a:avLst/>
+              </a:prstGeom>
+              <a:noFill/>
+            </p:spPr>
+            <p:txBody>
+              <a:bodyPr wrap="none" lIns="0" tIns="0" rIns="0" bIns="0" rtlCol="0">
+                <a:spAutoFit/>
+              </a:bodyPr>
+              <a:lstStyle/>
+              <a:p>
+                <a:pPr>
+                  <a:lnSpc>
+                    <a:spcPct val="150000"/>
+                  </a:lnSpc>
+                </a:pPr>
+                <a14:m>
+                  <m:oMathPara xmlns:m="http://schemas.openxmlformats.org/officeDocument/2006/math">
+                    <m:oMathParaPr>
+                      <m:jc m:val="centerGroup"/>
+                    </m:oMathParaPr>
+                    <m:oMath xmlns:m="http://schemas.openxmlformats.org/officeDocument/2006/math">
+                      <m:r>
+                        <a:rPr lang="en-US" sz="2800" b="0" i="1" smtClean="0">
+                          <a:latin typeface="Cambria Math" panose="02040503050406030204" pitchFamily="18" charset="0"/>
+                          <a:ea typeface="Cambria Math" panose="02040503050406030204" pitchFamily="18" charset="0"/>
+                        </a:rPr>
+                        <m:t>∴</m:t>
+                      </m:r>
+                    </m:oMath>
+                  </m:oMathPara>
+                </a14:m>
+                <a:endParaRPr lang="en-US" sz="2800" baseline="-25000" dirty="0"/>
+              </a:p>
+            </p:txBody>
+          </p:sp>
+        </mc:Choice>
+        <mc:Fallback xmlns="">
+          <p:sp>
+            <p:nvSpPr>
+              <p:cNvPr id="4" name="TextBox 3">
+                <a:extLst>
+                  <a:ext uri="{FF2B5EF4-FFF2-40B4-BE49-F238E27FC236}">
+                    <a16:creationId xmlns:a16="http://schemas.microsoft.com/office/drawing/2014/main" id="{BED2F3AE-FEE6-4DF5-95F5-0410850435E2}"/>
+                  </a:ext>
+                </a:extLst>
+              </p:cNvPr>
+              <p:cNvSpPr txBox="1">
+                <a:spLocks noRot="1" noChangeAspect="1" noMove="1" noResize="1" noEditPoints="1" noAdjustHandles="1" noChangeArrowheads="1" noChangeShapeType="1" noTextEdit="1"/>
+              </p:cNvSpPr>
+              <p:nvPr/>
+            </p:nvSpPr>
+            <p:spPr>
+              <a:xfrm>
+                <a:off x="152400" y="2724150"/>
+                <a:ext cx="259686" cy="631455"/>
+              </a:xfrm>
+              <a:prstGeom prst="rect">
+                <a:avLst/>
+              </a:prstGeom>
+              <a:blipFill>
+                <a:blip r:embed="rId4"/>
+                <a:stretch>
+                  <a:fillRect/>
+                </a:stretch>
+              </a:blipFill>
+            </p:spPr>
+            <p:txBody>
+              <a:bodyPr/>
+              <a:lstStyle/>
+              <a:p>
+                <a:r>
+                  <a:rPr lang="en-US">
+                    <a:noFill/>
+                  </a:rPr>
+                  <a:t> </a:t>
+                </a:r>
+              </a:p>
+            </p:txBody>
+          </p:sp>
+        </mc:Fallback>
+      </mc:AlternateContent>
+      <mc:AlternateContent xmlns:mc="http://schemas.openxmlformats.org/markup-compatibility/2006" xmlns:a14="http://schemas.microsoft.com/office/drawing/2010/main">
+        <mc:Choice Requires="a14">
+          <p:sp>
+            <p:nvSpPr>
+              <p:cNvPr id="5" name="TextBox 4">
+                <a:extLst>
+                  <a:ext uri="{FF2B5EF4-FFF2-40B4-BE49-F238E27FC236}">
+                    <a16:creationId xmlns:a16="http://schemas.microsoft.com/office/drawing/2014/main" id="{936135F0-9534-486F-962B-5A83233BF173}"/>
+                  </a:ext>
+                </a:extLst>
+              </p:cNvPr>
+              <p:cNvSpPr txBox="1"/>
+              <p:nvPr/>
+            </p:nvSpPr>
+            <p:spPr>
+              <a:xfrm>
+                <a:off x="1768187" y="2876550"/>
+                <a:ext cx="5607625" cy="1834477"/>
+              </a:xfrm>
+              <a:prstGeom prst="rect">
+                <a:avLst/>
+              </a:prstGeom>
+              <a:noFill/>
+            </p:spPr>
+            <p:txBody>
+              <a:bodyPr wrap="none" lIns="0" tIns="0" rIns="0" bIns="0" rtlCol="0">
+                <a:spAutoFit/>
+              </a:bodyPr>
+              <a:lstStyle/>
+              <a:p>
+                <a:pPr>
+                  <a:lnSpc>
+                    <a:spcPct val="200000"/>
+                  </a:lnSpc>
+                </a:pPr>
+                <a14:m>
+                  <m:oMathPara xmlns:m="http://schemas.openxmlformats.org/officeDocument/2006/math">
+                    <m:oMathParaPr>
+                      <m:jc m:val="centerGroup"/>
+                    </m:oMathParaPr>
+                    <m:oMath xmlns:m="http://schemas.openxmlformats.org/officeDocument/2006/math">
+                      <m:r>
+                        <a:rPr lang="en-US" sz="2800" b="0" i="1" smtClean="0">
+                          <a:latin typeface="Cambria Math" panose="02040503050406030204" pitchFamily="18" charset="0"/>
+                        </a:rPr>
+                        <m:t>𝑖𝑓</m:t>
+                      </m:r>
+                      <m:r>
+                        <a:rPr lang="en-US" sz="2800" b="0" i="1" smtClean="0">
+                          <a:latin typeface="Cambria Math" panose="02040503050406030204" pitchFamily="18" charset="0"/>
+                        </a:rPr>
+                        <m:t> 0&lt;</m:t>
+                      </m:r>
+                      <m:d>
+                        <m:dPr>
+                          <m:begChr m:val="|"/>
+                          <m:endChr m:val="|"/>
+                          <m:ctrlPr>
+                            <a:rPr lang="en-US" sz="2800" b="0" i="1" smtClean="0">
+                              <a:latin typeface="Cambria Math" panose="02040503050406030204" pitchFamily="18" charset="0"/>
+                            </a:rPr>
+                          </m:ctrlPr>
+                        </m:dPr>
+                        <m:e>
+                          <m:r>
+                            <a:rPr lang="en-US" sz="2800" b="0" i="1" smtClean="0">
+                              <a:latin typeface="Cambria Math" panose="02040503050406030204" pitchFamily="18" charset="0"/>
+                            </a:rPr>
+                            <m:t>𝑥</m:t>
+                          </m:r>
+                          <m:r>
+                            <a:rPr lang="en-US" sz="2800" b="0" i="1" smtClean="0">
+                              <a:latin typeface="Cambria Math" panose="02040503050406030204" pitchFamily="18" charset="0"/>
+                            </a:rPr>
+                            <m:t>−</m:t>
+                          </m:r>
+                          <m:r>
+                            <a:rPr lang="en-US" sz="2800" b="0" i="1" smtClean="0">
+                              <a:latin typeface="Cambria Math" panose="02040503050406030204" pitchFamily="18" charset="0"/>
+                            </a:rPr>
+                            <m:t>𝑎</m:t>
+                          </m:r>
+                        </m:e>
+                      </m:d>
+                      <m:r>
+                        <a:rPr lang="en-US" sz="2800" b="0" i="1" smtClean="0">
+                          <a:latin typeface="Cambria Math" panose="02040503050406030204" pitchFamily="18" charset="0"/>
+                        </a:rPr>
+                        <m:t>&lt;</m:t>
+                      </m:r>
+                      <m:r>
+                        <a:rPr lang="en-US" sz="2800" i="1">
+                          <a:latin typeface="Cambria Math" panose="02040503050406030204" pitchFamily="18" charset="0"/>
+                          <a:ea typeface="Cambria Math" panose="02040503050406030204" pitchFamily="18" charset="0"/>
+                        </a:rPr>
+                        <m:t>𝛿</m:t>
+                      </m:r>
+                    </m:oMath>
+                  </m:oMathPara>
+                </a14:m>
+                <a:endParaRPr lang="en-US" sz="2800" b="0" i="1" dirty="0">
+                  <a:latin typeface="Cambria Math" panose="02040503050406030204" pitchFamily="18" charset="0"/>
+                  <a:ea typeface="Cambria Math" panose="02040503050406030204" pitchFamily="18" charset="0"/>
+                </a:endParaRPr>
+              </a:p>
+              <a:p>
+                <a:pPr>
+                  <a:lnSpc>
+                    <a:spcPct val="200000"/>
+                  </a:lnSpc>
+                </a:pPr>
+                <a14:m>
+                  <m:oMathPara xmlns:m="http://schemas.openxmlformats.org/officeDocument/2006/math">
+                    <m:oMathParaPr>
+                      <m:jc m:val="centerGroup"/>
+                    </m:oMathParaPr>
+                    <m:oMath xmlns:m="http://schemas.openxmlformats.org/officeDocument/2006/math">
+                      <m:r>
+                        <a:rPr lang="en-US" sz="2800" b="0" i="1" smtClean="0">
+                          <a:latin typeface="Cambria Math" panose="02040503050406030204" pitchFamily="18" charset="0"/>
+                        </a:rPr>
+                        <m:t>𝑡h𝑒𝑛</m:t>
+                      </m:r>
+                      <m:r>
+                        <a:rPr lang="en-US" sz="2800" b="0" i="1" smtClean="0">
+                          <a:latin typeface="Cambria Math" panose="02040503050406030204" pitchFamily="18" charset="0"/>
+                        </a:rPr>
+                        <m:t> |</m:t>
+                      </m:r>
+                      <m:d>
+                        <m:dPr>
+                          <m:ctrlPr>
+                            <a:rPr lang="en-US" sz="2800" i="1">
+                              <a:latin typeface="Cambria Math" panose="02040503050406030204" pitchFamily="18" charset="0"/>
+                            </a:rPr>
+                          </m:ctrlPr>
+                        </m:dPr>
+                        <m:e>
+                          <m:r>
+                            <a:rPr lang="en-US" sz="2800" i="1">
+                              <a:latin typeface="Cambria Math" panose="02040503050406030204" pitchFamily="18" charset="0"/>
+                            </a:rPr>
+                            <m:t>𝑓</m:t>
+                          </m:r>
+                          <m:d>
+                            <m:dPr>
+                              <m:ctrlPr>
+                                <a:rPr lang="en-US" sz="2800" i="1">
+                                  <a:latin typeface="Cambria Math" panose="02040503050406030204" pitchFamily="18" charset="0"/>
+                                </a:rPr>
+                              </m:ctrlPr>
+                            </m:dPr>
+                            <m:e>
+                              <m:r>
+                                <a:rPr lang="en-US" sz="2800" i="1">
+                                  <a:latin typeface="Cambria Math" panose="02040503050406030204" pitchFamily="18" charset="0"/>
+                                </a:rPr>
+                                <m:t>𝑥</m:t>
+                              </m:r>
+                            </m:e>
+                          </m:d>
+                          <m:r>
+                            <a:rPr lang="en-US" sz="2800" i="1">
+                              <a:latin typeface="Cambria Math" panose="02040503050406030204" pitchFamily="18" charset="0"/>
+                            </a:rPr>
+                            <m:t>+</m:t>
+                          </m:r>
+                          <m:r>
+                            <a:rPr lang="en-US" sz="2800" i="1">
+                              <a:latin typeface="Cambria Math" panose="02040503050406030204" pitchFamily="18" charset="0"/>
+                            </a:rPr>
+                            <m:t>𝑔</m:t>
+                          </m:r>
+                          <m:d>
+                            <m:dPr>
+                              <m:ctrlPr>
+                                <a:rPr lang="en-US" sz="2800" i="1">
+                                  <a:latin typeface="Cambria Math" panose="02040503050406030204" pitchFamily="18" charset="0"/>
+                                </a:rPr>
+                              </m:ctrlPr>
+                            </m:dPr>
+                            <m:e>
+                              <m:r>
+                                <a:rPr lang="en-US" sz="2800" i="1">
+                                  <a:latin typeface="Cambria Math" panose="02040503050406030204" pitchFamily="18" charset="0"/>
+                                </a:rPr>
+                                <m:t>𝑥</m:t>
+                              </m:r>
+                            </m:e>
+                          </m:d>
+                        </m:e>
+                      </m:d>
+                      <m:r>
+                        <a:rPr lang="en-US" sz="2800" i="1">
+                          <a:latin typeface="Cambria Math" panose="02040503050406030204" pitchFamily="18" charset="0"/>
+                        </a:rPr>
+                        <m:t>−(</m:t>
+                      </m:r>
+                      <m:r>
+                        <a:rPr lang="en-US" sz="2800" i="1">
+                          <a:latin typeface="Cambria Math" panose="02040503050406030204" pitchFamily="18" charset="0"/>
+                        </a:rPr>
+                        <m:t>𝐿</m:t>
+                      </m:r>
+                      <m:r>
+                        <a:rPr lang="en-US" sz="2800" i="1">
+                          <a:latin typeface="Cambria Math" panose="02040503050406030204" pitchFamily="18" charset="0"/>
+                        </a:rPr>
+                        <m:t>+</m:t>
+                      </m:r>
+                      <m:r>
+                        <a:rPr lang="en-US" sz="2800" i="1">
+                          <a:latin typeface="Cambria Math" panose="02040503050406030204" pitchFamily="18" charset="0"/>
+                        </a:rPr>
+                        <m:t>𝑀</m:t>
+                      </m:r>
+                      <m:r>
+                        <a:rPr lang="en-US" sz="2800" i="1">
+                          <a:latin typeface="Cambria Math" panose="02040503050406030204" pitchFamily="18" charset="0"/>
+                        </a:rPr>
+                        <m:t>)|&lt;</m:t>
+                      </m:r>
+                      <m:r>
+                        <a:rPr lang="en-US" sz="2800" i="1">
+                          <a:latin typeface="Cambria Math" panose="02040503050406030204" pitchFamily="18" charset="0"/>
+                          <a:ea typeface="Cambria Math" panose="02040503050406030204" pitchFamily="18" charset="0"/>
+                        </a:rPr>
+                        <m:t>𝜀</m:t>
+                      </m:r>
+                    </m:oMath>
+                  </m:oMathPara>
+                </a14:m>
+                <a:endParaRPr lang="en-US" sz="2800" i="1" dirty="0">
+                  <a:latin typeface="Cambria Math" panose="02040503050406030204" pitchFamily="18" charset="0"/>
+                  <a:ea typeface="Cambria Math" panose="02040503050406030204" pitchFamily="18" charset="0"/>
+                </a:endParaRPr>
+              </a:p>
+            </p:txBody>
+          </p:sp>
+        </mc:Choice>
+        <mc:Fallback xmlns="">
+          <p:sp>
+            <p:nvSpPr>
+              <p:cNvPr id="5" name="TextBox 4">
+                <a:extLst>
+                  <a:ext uri="{FF2B5EF4-FFF2-40B4-BE49-F238E27FC236}">
+                    <a16:creationId xmlns:a16="http://schemas.microsoft.com/office/drawing/2014/main" id="{936135F0-9534-486F-962B-5A83233BF173}"/>
+                  </a:ext>
+                </a:extLst>
+              </p:cNvPr>
+              <p:cNvSpPr txBox="1">
+                <a:spLocks noRot="1" noChangeAspect="1" noMove="1" noResize="1" noEditPoints="1" noAdjustHandles="1" noChangeArrowheads="1" noChangeShapeType="1" noTextEdit="1"/>
+              </p:cNvSpPr>
+              <p:nvPr/>
+            </p:nvSpPr>
+            <p:spPr>
+              <a:xfrm>
+                <a:off x="1768187" y="2876550"/>
+                <a:ext cx="5607625" cy="1834477"/>
+              </a:xfrm>
+              <a:prstGeom prst="rect">
+                <a:avLst/>
+              </a:prstGeom>
+              <a:blipFill>
+                <a:blip r:embed="rId5"/>
+                <a:stretch>
+                  <a:fillRect/>
+                </a:stretch>
+              </a:blipFill>
+            </p:spPr>
+            <p:txBody>
+              <a:bodyPr/>
+              <a:lstStyle/>
+              <a:p>
+                <a:r>
+                  <a:rPr lang="en-US">
+                    <a:noFill/>
+                  </a:rPr>
+                  <a:t> </a:t>
+                </a:r>
+              </a:p>
+            </p:txBody>
+          </p:sp>
+        </mc:Fallback>
+      </mc:AlternateContent>
+    </p:spTree>
+    <p:extLst>
+      <p:ext uri="{BB962C8B-B14F-4D97-AF65-F5344CB8AC3E}">
+        <p14:creationId xmlns:p14="http://schemas.microsoft.com/office/powerpoint/2010/main" val="3333010632"/>
+      </p:ext>
+    </p:extLst>
+  </p:cSld>
+  <p:clrMapOvr>
+    <a:masterClrMapping/>
+  </p:clrMapOvr>
+</p:sld>
+</file>
+
+<file path=ppt/slides/slide11.xml><?xml version="1.0" encoding="utf-8"?>
+<p:sld xmlns:a="http://schemas.openxmlformats.org/drawingml/2006/main" xmlns:r="http://schemas.openxmlformats.org/officeDocument/2006/relationships" xmlns:p="http://schemas.openxmlformats.org/presentationml/2006/main">
+  <p:cSld>
+    <p:spTree>
+      <p:nvGrpSpPr>
+        <p:cNvPr id="1" name=""/>
+        <p:cNvGrpSpPr/>
+        <p:nvPr/>
+      </p:nvGrpSpPr>
+      <p:grpSpPr>
+        <a:xfrm>
+          <a:off x="0" y="0"/>
+          <a:ext cx="0" cy="0"/>
+          <a:chOff x="0" y="0"/>
+          <a:chExt cx="0" cy="0"/>
+        </a:xfrm>
+      </p:grpSpPr>
+      <mc:AlternateContent xmlns:mc="http://schemas.openxmlformats.org/markup-compatibility/2006" xmlns:a14="http://schemas.microsoft.com/office/drawing/2010/main">
+        <mc:Choice Requires="a14">
+          <p:sp>
+            <p:nvSpPr>
+              <p:cNvPr id="2" name="TextBox 1">
+                <a:extLst>
+                  <a:ext uri="{FF2B5EF4-FFF2-40B4-BE49-F238E27FC236}">
                     <a16:creationId xmlns:a16="http://schemas.microsoft.com/office/drawing/2014/main" id="{E9E9867B-4885-4423-B60F-F3C0FE04D201}"/>
                   </a:ext>
                 </a:extLst>
@@ -5438,7 +6428,7 @@
 </p:sld>
 </file>
 
-<file path=ppt/slides/slide11.xml><?xml version="1.0" encoding="utf-8"?>
+<file path=ppt/slides/slide12.xml><?xml version="1.0" encoding="utf-8"?>
 <p:sld xmlns:a="http://schemas.openxmlformats.org/drawingml/2006/main" xmlns:r="http://schemas.openxmlformats.org/officeDocument/2006/relationships" xmlns:p="http://schemas.openxmlformats.org/presentationml/2006/main">
   <p:cSld>
     <p:spTree>
@@ -7548,7 +8538,7 @@
 </p:sld>
 </file>
 
-<file path=ppt/slides/slide12.xml><?xml version="1.0" encoding="utf-8"?>
+<file path=ppt/slides/slide13.xml><?xml version="1.0" encoding="utf-8"?>
 <p:sld xmlns:a="http://schemas.openxmlformats.org/drawingml/2006/main" xmlns:r="http://schemas.openxmlformats.org/officeDocument/2006/relationships" xmlns:p="http://schemas.openxmlformats.org/presentationml/2006/main">
   <p:cSld>
     <p:spTree>
@@ -7565,8 +8555,8 @@
           <a:chExt cx="0" cy="0"/>
         </a:xfrm>
       </p:grpSpPr>
-      <mc:AlternateContent xmlns:mc="http://schemas.openxmlformats.org/markup-compatibility/2006">
-        <mc:Choice xmlns:a14="http://schemas.microsoft.com/office/drawing/2010/main" Requires="a14">
+      <mc:AlternateContent xmlns:mc="http://schemas.openxmlformats.org/markup-compatibility/2006" xmlns:a14="http://schemas.microsoft.com/office/drawing/2010/main">
+        <mc:Choice Requires="a14">
           <p:sp>
             <p:nvSpPr>
               <p:cNvPr id="2" name="TextBox 1">
@@ -7890,7 +8880,7 @@
             </p:txBody>
           </p:sp>
         </mc:Choice>
-        <mc:Fallback>
+        <mc:Fallback xmlns="">
           <p:sp>
             <p:nvSpPr>
               <p:cNvPr id="2" name="TextBox 1">
@@ -7935,8 +8925,8 @@
           </p:sp>
         </mc:Fallback>
       </mc:AlternateContent>
-      <mc:AlternateContent xmlns:mc="http://schemas.openxmlformats.org/markup-compatibility/2006">
-        <mc:Choice xmlns:a14="http://schemas.microsoft.com/office/drawing/2010/main" Requires="a14">
+      <mc:AlternateContent xmlns:mc="http://schemas.openxmlformats.org/markup-compatibility/2006" xmlns:a14="http://schemas.microsoft.com/office/drawing/2010/main">
+        <mc:Choice Requires="a14">
           <p:sp>
             <p:nvSpPr>
               <p:cNvPr id="3" name="TextBox 2">
@@ -7965,6 +8955,7 @@
               </a:bodyPr>
               <a:lstStyle/>
               <a:p>
+                <a:pPr/>
                 <a14:m>
                   <m:oMathPara xmlns:m="http://schemas.openxmlformats.org/officeDocument/2006/math">
                     <m:oMathParaPr>
@@ -8026,7 +9017,7 @@
             </p:txBody>
           </p:sp>
         </mc:Choice>
-        <mc:Fallback>
+        <mc:Fallback xmlns="">
           <p:sp>
             <p:nvSpPr>
               <p:cNvPr id="3" name="TextBox 2">
@@ -8071,8 +9062,8 @@
           </p:sp>
         </mc:Fallback>
       </mc:AlternateContent>
-      <mc:AlternateContent xmlns:mc="http://schemas.openxmlformats.org/markup-compatibility/2006">
-        <mc:Choice xmlns:a14="http://schemas.microsoft.com/office/drawing/2010/main" Requires="a14">
+      <mc:AlternateContent xmlns:mc="http://schemas.openxmlformats.org/markup-compatibility/2006" xmlns:a14="http://schemas.microsoft.com/office/drawing/2010/main">
+        <mc:Choice Requires="a14">
           <p:sp>
             <p:nvSpPr>
               <p:cNvPr id="4" name="TextBox 3">
@@ -8380,7 +9371,7 @@
             </p:txBody>
           </p:sp>
         </mc:Choice>
-        <mc:Fallback>
+        <mc:Fallback xmlns="">
           <p:sp>
             <p:nvSpPr>
               <p:cNvPr id="4" name="TextBox 3">
@@ -8425,8 +9416,8 @@
           </p:sp>
         </mc:Fallback>
       </mc:AlternateContent>
-      <mc:AlternateContent xmlns:mc="http://schemas.openxmlformats.org/markup-compatibility/2006">
-        <mc:Choice xmlns:a14="http://schemas.microsoft.com/office/drawing/2010/main" Requires="a14">
+      <mc:AlternateContent xmlns:mc="http://schemas.openxmlformats.org/markup-compatibility/2006" xmlns:a14="http://schemas.microsoft.com/office/drawing/2010/main">
+        <mc:Choice Requires="a14">
           <p:sp>
             <p:nvSpPr>
               <p:cNvPr id="7" name="TextBox 6">
@@ -8620,7 +9611,7 @@
             </p:txBody>
           </p:sp>
         </mc:Choice>
-        <mc:Fallback>
+        <mc:Fallback xmlns="">
           <p:sp>
             <p:nvSpPr>
               <p:cNvPr id="7" name="TextBox 6">
@@ -8665,8 +9656,8 @@
           </p:sp>
         </mc:Fallback>
       </mc:AlternateContent>
-      <mc:AlternateContent xmlns:mc="http://schemas.openxmlformats.org/markup-compatibility/2006">
-        <mc:Choice xmlns:a14="http://schemas.microsoft.com/office/drawing/2010/main" Requires="a14">
+      <mc:AlternateContent xmlns:mc="http://schemas.openxmlformats.org/markup-compatibility/2006" xmlns:a14="http://schemas.microsoft.com/office/drawing/2010/main">
+        <mc:Choice Requires="a14">
           <p:sp>
             <p:nvSpPr>
               <p:cNvPr id="8" name="TextBox 7">
@@ -8770,7 +9761,7 @@
             </p:txBody>
           </p:sp>
         </mc:Choice>
-        <mc:Fallback>
+        <mc:Fallback xmlns="">
           <p:sp>
             <p:nvSpPr>
               <p:cNvPr id="8" name="TextBox 7">
@@ -8828,7 +9819,7 @@
 </p:sld>
 </file>
 
-<file path=ppt/slides/slide13.xml><?xml version="1.0" encoding="utf-8"?>
+<file path=ppt/slides/slide14.xml><?xml version="1.0" encoding="utf-8"?>
 <p:sld xmlns:a="http://schemas.openxmlformats.org/drawingml/2006/main" xmlns:r="http://schemas.openxmlformats.org/officeDocument/2006/relationships" xmlns:p="http://schemas.openxmlformats.org/presentationml/2006/main">
   <p:cSld>
     <p:spTree>
@@ -8845,8 +9836,8 @@
           <a:chExt cx="0" cy="0"/>
         </a:xfrm>
       </p:grpSpPr>
-      <mc:AlternateContent xmlns:mc="http://schemas.openxmlformats.org/markup-compatibility/2006">
-        <mc:Choice xmlns:a14="http://schemas.microsoft.com/office/drawing/2010/main" Requires="a14">
+      <mc:AlternateContent xmlns:mc="http://schemas.openxmlformats.org/markup-compatibility/2006" xmlns:a14="http://schemas.microsoft.com/office/drawing/2010/main">
+        <mc:Choice Requires="a14">
           <p:sp>
             <p:nvSpPr>
               <p:cNvPr id="2" name="TextBox 1">
@@ -8982,13 +9973,7 @@
                                 <a:rPr lang="en-US" sz="3200" i="1">
                                   <a:latin typeface="Cambria Math" panose="02040503050406030204" pitchFamily="18" charset="0"/>
                                 </a:rPr>
-                                <m:t>−</m:t>
-                              </m:r>
-                              <m:r>
-                                <a:rPr lang="en-US" sz="3200" i="1">
-                                  <a:latin typeface="Cambria Math" panose="02040503050406030204" pitchFamily="18" charset="0"/>
-                                </a:rPr>
-                                <m:t>1</m:t>
+                                <m:t>−1</m:t>
                               </m:r>
                               <m:r>
                                 <a:rPr lang="en-US" sz="3200" i="1" baseline="30000">
@@ -9016,7 +10001,7 @@
             </p:txBody>
           </p:sp>
         </mc:Choice>
-        <mc:Fallback>
+        <mc:Fallback xmlns="">
           <p:sp>
             <p:nvSpPr>
               <p:cNvPr id="2" name="TextBox 1">
@@ -9061,8 +10046,8 @@
           </p:sp>
         </mc:Fallback>
       </mc:AlternateContent>
-      <mc:AlternateContent xmlns:mc="http://schemas.openxmlformats.org/markup-compatibility/2006">
-        <mc:Choice xmlns:a14="http://schemas.microsoft.com/office/drawing/2010/main" Requires="a14">
+      <mc:AlternateContent xmlns:mc="http://schemas.openxmlformats.org/markup-compatibility/2006" xmlns:a14="http://schemas.microsoft.com/office/drawing/2010/main">
+        <mc:Choice Requires="a14">
           <p:sp>
             <p:nvSpPr>
               <p:cNvPr id="3" name="TextBox 2">
@@ -9180,13 +10165,7 @@
                                 <a:rPr lang="en-US" sz="3200" i="1">
                                   <a:latin typeface="Cambria Math" panose="02040503050406030204" pitchFamily="18" charset="0"/>
                                 </a:rPr>
-                                <m:t>−</m:t>
-                              </m:r>
-                              <m:r>
-                                <a:rPr lang="en-US" sz="3200" i="1">
-                                  <a:latin typeface="Cambria Math" panose="02040503050406030204" pitchFamily="18" charset="0"/>
-                                </a:rPr>
-                                <m:t>1</m:t>
+                                <m:t>−1</m:t>
                               </m:r>
                               <m:r>
                                 <a:rPr lang="en-US" sz="3200" i="1" baseline="30000">
@@ -9243,7 +10222,7 @@
             </p:txBody>
           </p:sp>
         </mc:Choice>
-        <mc:Fallback>
+        <mc:Fallback xmlns="">
           <p:sp>
             <p:nvSpPr>
               <p:cNvPr id="3" name="TextBox 2">
@@ -9288,8 +10267,8 @@
           </p:sp>
         </mc:Fallback>
       </mc:AlternateContent>
-      <mc:AlternateContent xmlns:mc="http://schemas.openxmlformats.org/markup-compatibility/2006">
-        <mc:Choice xmlns:a14="http://schemas.microsoft.com/office/drawing/2010/main" Requires="a14">
+      <mc:AlternateContent xmlns:mc="http://schemas.openxmlformats.org/markup-compatibility/2006" xmlns:a14="http://schemas.microsoft.com/office/drawing/2010/main">
+        <mc:Choice Requires="a14">
           <p:sp>
             <p:nvSpPr>
               <p:cNvPr id="4" name="TextBox 3">
@@ -9425,13 +10404,7 @@
                                 <a:rPr lang="en-US" sz="3200" i="1">
                                   <a:latin typeface="Cambria Math" panose="02040503050406030204" pitchFamily="18" charset="0"/>
                                 </a:rPr>
-                                <m:t>−</m:t>
-                              </m:r>
-                              <m:r>
-                                <a:rPr lang="en-US" sz="3200" i="1">
-                                  <a:latin typeface="Cambria Math" panose="02040503050406030204" pitchFamily="18" charset="0"/>
-                                </a:rPr>
-                                <m:t>1</m:t>
+                                <m:t>−1</m:t>
                               </m:r>
                               <m:r>
                                 <a:rPr lang="en-US" sz="3200" i="1" baseline="30000">
@@ -9459,7 +10432,7 @@
             </p:txBody>
           </p:sp>
         </mc:Choice>
-        <mc:Fallback>
+        <mc:Fallback xmlns="">
           <p:sp>
             <p:nvSpPr>
               <p:cNvPr id="4" name="TextBox 3">
@@ -9504,8 +10477,8 @@
           </p:sp>
         </mc:Fallback>
       </mc:AlternateContent>
-      <mc:AlternateContent xmlns:mc="http://schemas.openxmlformats.org/markup-compatibility/2006">
-        <mc:Choice xmlns:a14="http://schemas.microsoft.com/office/drawing/2010/main" Requires="a14">
+      <mc:AlternateContent xmlns:mc="http://schemas.openxmlformats.org/markup-compatibility/2006" xmlns:a14="http://schemas.microsoft.com/office/drawing/2010/main">
+        <mc:Choice Requires="a14">
           <p:sp>
             <p:nvSpPr>
               <p:cNvPr id="6" name="TextBox 5">
@@ -9611,13 +10584,7 @@
                                 <a:rPr lang="en-US" sz="3200" i="1">
                                   <a:latin typeface="Cambria Math" panose="02040503050406030204" pitchFamily="18" charset="0"/>
                                 </a:rPr>
-                                <m:t>−</m:t>
-                              </m:r>
-                              <m:r>
-                                <a:rPr lang="en-US" sz="3200" i="1">
-                                  <a:latin typeface="Cambria Math" panose="02040503050406030204" pitchFamily="18" charset="0"/>
-                                </a:rPr>
-                                <m:t>1</m:t>
+                                <m:t>−1</m:t>
                               </m:r>
                               <m:r>
                                 <a:rPr lang="en-US" sz="3200" i="1" baseline="30000">
@@ -9666,7 +10633,7 @@
             </p:txBody>
           </p:sp>
         </mc:Choice>
-        <mc:Fallback>
+        <mc:Fallback xmlns="">
           <p:sp>
             <p:nvSpPr>
               <p:cNvPr id="6" name="TextBox 5">
@@ -9715,6 +10682,257 @@
     <p:extLst>
       <p:ext uri="{BB962C8B-B14F-4D97-AF65-F5344CB8AC3E}">
         <p14:creationId xmlns:p14="http://schemas.microsoft.com/office/powerpoint/2010/main" val="173267360"/>
+      </p:ext>
+    </p:extLst>
+  </p:cSld>
+  <p:clrMapOvr>
+    <a:masterClrMapping/>
+  </p:clrMapOvr>
+</p:sld>
+</file>
+
+<file path=ppt/slides/slide15.xml><?xml version="1.0" encoding="utf-8"?>
+<p:sld xmlns:a="http://schemas.openxmlformats.org/drawingml/2006/main" xmlns:r="http://schemas.openxmlformats.org/officeDocument/2006/relationships" xmlns:p="http://schemas.openxmlformats.org/presentationml/2006/main">
+  <p:cSld>
+    <p:spTree>
+      <p:nvGrpSpPr>
+        <p:cNvPr id="1" name=""/>
+        <p:cNvGrpSpPr/>
+        <p:nvPr/>
+      </p:nvGrpSpPr>
+      <p:grpSpPr>
+        <a:xfrm>
+          <a:off x="0" y="0"/>
+          <a:ext cx="0" cy="0"/>
+          <a:chOff x="0" y="0"/>
+          <a:chExt cx="0" cy="0"/>
+        </a:xfrm>
+      </p:grpSpPr>
+      <mc:AlternateContent xmlns:mc="http://schemas.openxmlformats.org/markup-compatibility/2006">
+        <mc:Choice xmlns:a14="http://schemas.microsoft.com/office/drawing/2010/main" Requires="a14">
+          <p:sp>
+            <p:nvSpPr>
+              <p:cNvPr id="2" name="TextBox 1">
+                <a:extLst>
+                  <a:ext uri="{FF2B5EF4-FFF2-40B4-BE49-F238E27FC236}">
+                    <a16:creationId xmlns:a16="http://schemas.microsoft.com/office/drawing/2014/main" id="{47E182B5-259A-4BC9-A160-01D5BB6C6065}"/>
+                  </a:ext>
+                </a:extLst>
+              </p:cNvPr>
+              <p:cNvSpPr txBox="1"/>
+              <p:nvPr/>
+            </p:nvSpPr>
+            <p:spPr>
+              <a:xfrm>
+                <a:off x="1735102" y="2109155"/>
+                <a:ext cx="5673796" cy="925190"/>
+              </a:xfrm>
+              <a:prstGeom prst="rect">
+                <a:avLst/>
+              </a:prstGeom>
+              <a:noFill/>
+            </p:spPr>
+            <p:txBody>
+              <a:bodyPr wrap="none" lIns="0" tIns="0" rIns="0" bIns="0" rtlCol="0">
+                <a:spAutoFit/>
+              </a:bodyPr>
+              <a:lstStyle/>
+              <a:p>
+                <a:pPr/>
+                <a14:m>
+                  <m:oMathPara xmlns:m="http://schemas.openxmlformats.org/officeDocument/2006/math">
+                    <m:oMathParaPr>
+                      <m:jc m:val="centerGroup"/>
+                    </m:oMathParaPr>
+                    <m:oMath xmlns:m="http://schemas.openxmlformats.org/officeDocument/2006/math">
+                      <m:r>
+                        <a:rPr lang="en-US" sz="3200" b="0" i="1" smtClean="0">
+                          <a:latin typeface="Cambria Math" panose="02040503050406030204" pitchFamily="18" charset="0"/>
+                        </a:rPr>
+                        <m:t>𝑓</m:t>
+                      </m:r>
+                      <m:r>
+                        <a:rPr lang="en-US" sz="3200" b="0" i="1" smtClean="0">
+                          <a:latin typeface="Cambria Math" panose="02040503050406030204" pitchFamily="18" charset="0"/>
+                        </a:rPr>
+                        <m:t>′(0)=</m:t>
+                      </m:r>
+                      <m:func>
+                        <m:funcPr>
+                          <m:ctrlPr>
+                            <a:rPr lang="en-US" sz="3200" i="1" smtClean="0">
+                              <a:latin typeface="Cambria Math" panose="02040503050406030204" pitchFamily="18" charset="0"/>
+                            </a:rPr>
+                          </m:ctrlPr>
+                        </m:funcPr>
+                        <m:fName>
+                          <m:limLow>
+                            <m:limLowPr>
+                              <m:ctrlPr>
+                                <a:rPr lang="en-US" sz="3200" i="1">
+                                  <a:latin typeface="Cambria Math" panose="02040503050406030204" pitchFamily="18" charset="0"/>
+                                </a:rPr>
+                              </m:ctrlPr>
+                            </m:limLowPr>
+                            <m:e>
+                              <m:r>
+                                <m:rPr>
+                                  <m:sty m:val="p"/>
+                                </m:rPr>
+                                <a:rPr lang="en-US" sz="3200">
+                                  <a:latin typeface="Cambria Math" panose="02040503050406030204" pitchFamily="18" charset="0"/>
+                                </a:rPr>
+                                <m:t>lim</m:t>
+                              </m:r>
+                            </m:e>
+                            <m:lim>
+                              <m:r>
+                                <a:rPr lang="en-US" sz="3200" i="1">
+                                  <a:latin typeface="Cambria Math" panose="02040503050406030204" pitchFamily="18" charset="0"/>
+                                </a:rPr>
+                                <m:t>h</m:t>
+                              </m:r>
+                              <m:r>
+                                <a:rPr lang="en-US" sz="3200" i="1">
+                                  <a:latin typeface="Cambria Math" panose="02040503050406030204" pitchFamily="18" charset="0"/>
+                                </a:rPr>
+                                <m:t>→0</m:t>
+                              </m:r>
+                            </m:lim>
+                          </m:limLow>
+                        </m:fName>
+                        <m:e>
+                          <m:f>
+                            <m:fPr>
+                              <m:ctrlPr>
+                                <a:rPr lang="en-US" sz="3200" i="1">
+                                  <a:latin typeface="Cambria Math" panose="02040503050406030204" pitchFamily="18" charset="0"/>
+                                </a:rPr>
+                              </m:ctrlPr>
+                            </m:fPr>
+                            <m:num>
+                              <m:r>
+                                <a:rPr lang="en-US" sz="3200" b="0" i="1" smtClean="0">
+                                  <a:latin typeface="Cambria Math" panose="02040503050406030204" pitchFamily="18" charset="0"/>
+                                </a:rPr>
+                                <m:t>2</m:t>
+                              </m:r>
+                              <m:r>
+                                <a:rPr lang="en-US" sz="3200" b="0" i="1" baseline="30000" smtClean="0">
+                                  <a:latin typeface="Cambria Math" panose="02040503050406030204" pitchFamily="18" charset="0"/>
+                                </a:rPr>
+                                <m:t>h</m:t>
+                              </m:r>
+                              <m:r>
+                                <a:rPr lang="en-US" sz="3200" i="1">
+                                  <a:latin typeface="Cambria Math" panose="02040503050406030204" pitchFamily="18" charset="0"/>
+                                </a:rPr>
+                                <m:t>−1</m:t>
+                              </m:r>
+                              <m:r>
+                                <a:rPr lang="en-US" sz="3200" i="1" baseline="30000">
+                                  <a:latin typeface="Cambria Math" panose="02040503050406030204" pitchFamily="18" charset="0"/>
+                                </a:rPr>
+                                <m:t>  </m:t>
+                              </m:r>
+                            </m:num>
+                            <m:den>
+                              <m:r>
+                                <a:rPr lang="en-US" sz="3200" i="1">
+                                  <a:latin typeface="Cambria Math" panose="02040503050406030204" pitchFamily="18" charset="0"/>
+                                </a:rPr>
+                                <m:t>h</m:t>
+                              </m:r>
+                            </m:den>
+                          </m:f>
+                        </m:e>
+                      </m:func>
+                      <m:r>
+                        <m:rPr>
+                          <m:nor/>
+                        </m:rPr>
+                        <a:rPr lang="en-US" sz="3200" b="0" i="0" smtClean="0">
+                          <a:latin typeface="Cambria Math" panose="02040503050406030204" pitchFamily="18" charset="0"/>
+                        </a:rPr>
+                        <m:t> </m:t>
+                      </m:r>
+                      <m:r>
+                        <m:rPr>
+                          <m:nor/>
+                        </m:rPr>
+                        <a:rPr lang="en-US" sz="3200"/>
+                        <m:t>≃</m:t>
+                      </m:r>
+                      <m:r>
+                        <m:rPr>
+                          <m:nor/>
+                        </m:rPr>
+                        <a:rPr lang="en-US" sz="3200" b="0" i="0" smtClean="0"/>
+                        <m:t> </m:t>
+                      </m:r>
+                      <m:r>
+                        <a:rPr lang="en-US" sz="3200" b="0" i="1" smtClean="0">
+                          <a:latin typeface="Cambria Math" panose="02040503050406030204" pitchFamily="18" charset="0"/>
+                        </a:rPr>
+                        <m:t>0.693147</m:t>
+                      </m:r>
+                    </m:oMath>
+                  </m:oMathPara>
+                </a14:m>
+                <a:endParaRPr lang="en-US" dirty="0"/>
+              </a:p>
+            </p:txBody>
+          </p:sp>
+        </mc:Choice>
+        <mc:Fallback>
+          <p:sp>
+            <p:nvSpPr>
+              <p:cNvPr id="2" name="TextBox 1">
+                <a:extLst>
+                  <a:ext uri="{FF2B5EF4-FFF2-40B4-BE49-F238E27FC236}">
+                    <a16:creationId xmlns:a16="http://schemas.microsoft.com/office/drawing/2014/main" id="{47E182B5-259A-4BC9-A160-01D5BB6C6065}"/>
+                  </a:ext>
+                </a:extLst>
+              </p:cNvPr>
+              <p:cNvSpPr txBox="1">
+                <a:spLocks noRot="1" noChangeAspect="1" noMove="1" noResize="1" noEditPoints="1" noAdjustHandles="1" noChangeArrowheads="1" noChangeShapeType="1" noTextEdit="1"/>
+              </p:cNvSpPr>
+              <p:nvPr/>
+            </p:nvSpPr>
+            <p:spPr>
+              <a:xfrm>
+                <a:off x="1735102" y="2109155"/>
+                <a:ext cx="5673796" cy="925190"/>
+              </a:xfrm>
+              <a:prstGeom prst="rect">
+                <a:avLst/>
+              </a:prstGeom>
+              <a:blipFill>
+                <a:blip r:embed="rId2"/>
+                <a:stretch>
+                  <a:fillRect/>
+                </a:stretch>
+              </a:blipFill>
+            </p:spPr>
+            <p:txBody>
+              <a:bodyPr/>
+              <a:lstStyle/>
+              <a:p>
+                <a:r>
+                  <a:rPr lang="en-US">
+                    <a:noFill/>
+                  </a:rPr>
+                  <a:t> </a:t>
+                </a:r>
+              </a:p>
+            </p:txBody>
+          </p:sp>
+        </mc:Fallback>
+      </mc:AlternateContent>
+    </p:spTree>
+    <p:extLst>
+      <p:ext uri="{BB962C8B-B14F-4D97-AF65-F5344CB8AC3E}">
+        <p14:creationId xmlns:p14="http://schemas.microsoft.com/office/powerpoint/2010/main" val="202181974"/>
       </p:ext>
     </p:extLst>
   </p:cSld>
@@ -13878,6 +15096,1082 @@
           <a:chExt cx="0" cy="0"/>
         </a:xfrm>
       </p:grpSpPr>
+      <mc:AlternateContent xmlns:mc="http://schemas.openxmlformats.org/markup-compatibility/2006">
+        <mc:Choice xmlns:a14="http://schemas.microsoft.com/office/drawing/2010/main" Requires="a14">
+          <p:sp>
+            <p:nvSpPr>
+              <p:cNvPr id="3" name="TextBox 2">
+                <a:extLst>
+                  <a:ext uri="{FF2B5EF4-FFF2-40B4-BE49-F238E27FC236}">
+                    <a16:creationId xmlns:a16="http://schemas.microsoft.com/office/drawing/2014/main" id="{2077A958-C10A-4E83-B35F-1D5C501D89B9}"/>
+                  </a:ext>
+                </a:extLst>
+              </p:cNvPr>
+              <p:cNvSpPr txBox="1"/>
+              <p:nvPr/>
+            </p:nvSpPr>
+            <p:spPr>
+              <a:xfrm>
+                <a:off x="17721" y="1307518"/>
+                <a:ext cx="9126279" cy="768608"/>
+              </a:xfrm>
+              <a:prstGeom prst="rect">
+                <a:avLst/>
+              </a:prstGeom>
+              <a:noFill/>
+            </p:spPr>
+            <p:txBody>
+              <a:bodyPr wrap="square" rtlCol="0">
+                <a:spAutoFit/>
+              </a:bodyPr>
+              <a:lstStyle/>
+              <a:p>
+                <a:pPr/>
+                <a14:m>
+                  <m:oMathPara xmlns:m="http://schemas.openxmlformats.org/officeDocument/2006/math">
+                    <m:oMathParaPr>
+                      <m:jc m:val="centerGroup"/>
+                    </m:oMathParaPr>
+                    <m:oMath xmlns:m="http://schemas.openxmlformats.org/officeDocument/2006/math">
+                      <m:limLow>
+                        <m:limLowPr>
+                          <m:ctrlPr>
+                            <a:rPr lang="pt-BR" sz="3200" i="1" smtClean="0">
+                              <a:latin typeface="Cambria Math" panose="02040503050406030204" pitchFamily="18" charset="0"/>
+                            </a:rPr>
+                          </m:ctrlPr>
+                        </m:limLowPr>
+                        <m:e>
+                          <m:r>
+                            <m:rPr>
+                              <m:sty m:val="p"/>
+                            </m:rPr>
+                            <a:rPr lang="pt-BR" sz="3200">
+                              <a:latin typeface="Cambria Math" panose="02040503050406030204" pitchFamily="18" charset="0"/>
+                            </a:rPr>
+                            <m:t>lim</m:t>
+                          </m:r>
+                        </m:e>
+                        <m:lim>
+                          <m:r>
+                            <a:rPr lang="en-US" sz="3200" b="0" i="1" smtClean="0">
+                              <a:latin typeface="Cambria Math" panose="02040503050406030204" pitchFamily="18" charset="0"/>
+                              <a:ea typeface="Cambria Math" panose="02040503050406030204" pitchFamily="18" charset="0"/>
+                            </a:rPr>
+                            <m:t>𝑥</m:t>
+                          </m:r>
+                          <m:r>
+                            <a:rPr lang="pt-BR" sz="3200" i="1">
+                              <a:latin typeface="Cambria Math" panose="02040503050406030204" pitchFamily="18" charset="0"/>
+                            </a:rPr>
+                            <m:t>→</m:t>
+                          </m:r>
+                          <m:r>
+                            <a:rPr lang="en-US" sz="3200" b="0" i="1" smtClean="0">
+                              <a:latin typeface="Cambria Math" panose="02040503050406030204" pitchFamily="18" charset="0"/>
+                            </a:rPr>
+                            <m:t>𝑎</m:t>
+                          </m:r>
+                        </m:lim>
+                      </m:limLow>
+                      <m:r>
+                        <a:rPr lang="en-US" sz="3200" b="0" i="1" smtClean="0">
+                          <a:solidFill>
+                            <a:srgbClr val="C00000"/>
+                          </a:solidFill>
+                          <a:latin typeface="Cambria Math" panose="02040503050406030204" pitchFamily="18" charset="0"/>
+                        </a:rPr>
+                        <m:t>𝑓</m:t>
+                      </m:r>
+                      <m:d>
+                        <m:dPr>
+                          <m:ctrlPr>
+                            <a:rPr lang="en-US" sz="3200" b="0" i="1" smtClean="0">
+                              <a:solidFill>
+                                <a:srgbClr val="C00000"/>
+                              </a:solidFill>
+                              <a:latin typeface="Cambria Math" panose="02040503050406030204" pitchFamily="18" charset="0"/>
+                            </a:rPr>
+                          </m:ctrlPr>
+                        </m:dPr>
+                        <m:e>
+                          <m:r>
+                            <a:rPr lang="en-US" sz="3200" b="0" i="1" smtClean="0">
+                              <a:solidFill>
+                                <a:srgbClr val="00B050"/>
+                              </a:solidFill>
+                              <a:latin typeface="Cambria Math" panose="02040503050406030204" pitchFamily="18" charset="0"/>
+                            </a:rPr>
+                            <m:t>𝑔</m:t>
+                          </m:r>
+                          <m:d>
+                            <m:dPr>
+                              <m:ctrlPr>
+                                <a:rPr lang="en-US" sz="3200" b="0" i="1" smtClean="0">
+                                  <a:solidFill>
+                                    <a:srgbClr val="00B050"/>
+                                  </a:solidFill>
+                                  <a:latin typeface="Cambria Math" panose="02040503050406030204" pitchFamily="18" charset="0"/>
+                                </a:rPr>
+                              </m:ctrlPr>
+                            </m:dPr>
+                            <m:e>
+                              <m:r>
+                                <a:rPr lang="en-US" sz="3200" b="0" i="1" smtClean="0">
+                                  <a:solidFill>
+                                    <a:srgbClr val="FF0000"/>
+                                  </a:solidFill>
+                                  <a:latin typeface="Cambria Math" panose="02040503050406030204" pitchFamily="18" charset="0"/>
+                                </a:rPr>
+                                <m:t>𝑥</m:t>
+                              </m:r>
+                            </m:e>
+                          </m:d>
+                        </m:e>
+                      </m:d>
+                      <m:r>
+                        <a:rPr lang="en-US" sz="3200" b="0" i="1" smtClean="0">
+                          <a:latin typeface="Cambria Math" panose="02040503050406030204" pitchFamily="18" charset="0"/>
+                        </a:rPr>
+                        <m:t>=</m:t>
+                      </m:r>
+                      <m:r>
+                        <a:rPr lang="en-US" sz="3200" b="0" i="1" smtClean="0">
+                          <a:solidFill>
+                            <a:srgbClr val="C00000"/>
+                          </a:solidFill>
+                          <a:latin typeface="Cambria Math" panose="02040503050406030204" pitchFamily="18" charset="0"/>
+                        </a:rPr>
+                        <m:t>𝑓</m:t>
+                      </m:r>
+                      <m:d>
+                        <m:dPr>
+                          <m:ctrlPr>
+                            <a:rPr lang="en-US" sz="3200" b="0" i="1" smtClean="0">
+                              <a:solidFill>
+                                <a:srgbClr val="C00000"/>
+                              </a:solidFill>
+                              <a:latin typeface="Cambria Math" panose="02040503050406030204" pitchFamily="18" charset="0"/>
+                            </a:rPr>
+                          </m:ctrlPr>
+                        </m:dPr>
+                        <m:e>
+                          <m:r>
+                            <a:rPr lang="en-US" sz="3200" b="0" i="1" smtClean="0">
+                              <a:solidFill>
+                                <a:schemeClr val="tx1"/>
+                              </a:solidFill>
+                              <a:latin typeface="Cambria Math" panose="02040503050406030204" pitchFamily="18" charset="0"/>
+                            </a:rPr>
+                            <m:t>𝑏</m:t>
+                          </m:r>
+                        </m:e>
+                      </m:d>
+                    </m:oMath>
+                  </m:oMathPara>
+                </a14:m>
+                <a:endParaRPr lang="en-US" sz="3200" baseline="30000" dirty="0">
+                  <a:solidFill>
+                    <a:schemeClr val="tx1"/>
+                  </a:solidFill>
+                </a:endParaRPr>
+              </a:p>
+            </p:txBody>
+          </p:sp>
+        </mc:Choice>
+        <mc:Fallback>
+          <p:sp>
+            <p:nvSpPr>
+              <p:cNvPr id="3" name="TextBox 2">
+                <a:extLst>
+                  <a:ext uri="{FF2B5EF4-FFF2-40B4-BE49-F238E27FC236}">
+                    <a16:creationId xmlns:a16="http://schemas.microsoft.com/office/drawing/2014/main" id="{2077A958-C10A-4E83-B35F-1D5C501D89B9}"/>
+                  </a:ext>
+                </a:extLst>
+              </p:cNvPr>
+              <p:cNvSpPr txBox="1">
+                <a:spLocks noRot="1" noChangeAspect="1" noMove="1" noResize="1" noEditPoints="1" noAdjustHandles="1" noChangeArrowheads="1" noChangeShapeType="1" noTextEdit="1"/>
+              </p:cNvSpPr>
+              <p:nvPr/>
+            </p:nvSpPr>
+            <p:spPr>
+              <a:xfrm>
+                <a:off x="17721" y="1307518"/>
+                <a:ext cx="9126279" cy="768608"/>
+              </a:xfrm>
+              <a:prstGeom prst="rect">
+                <a:avLst/>
+              </a:prstGeom>
+              <a:blipFill>
+                <a:blip r:embed="rId2"/>
+                <a:stretch>
+                  <a:fillRect/>
+                </a:stretch>
+              </a:blipFill>
+            </p:spPr>
+            <p:txBody>
+              <a:bodyPr/>
+              <a:lstStyle/>
+              <a:p>
+                <a:r>
+                  <a:rPr lang="en-US">
+                    <a:noFill/>
+                  </a:rPr>
+                  <a:t> </a:t>
+                </a:r>
+              </a:p>
+            </p:txBody>
+          </p:sp>
+        </mc:Fallback>
+      </mc:AlternateContent>
+      <mc:AlternateContent xmlns:mc="http://schemas.openxmlformats.org/markup-compatibility/2006">
+        <mc:Choice xmlns:a14="http://schemas.microsoft.com/office/drawing/2010/main" Requires="a14">
+          <p:sp>
+            <p:nvSpPr>
+              <p:cNvPr id="4" name="TextBox 3">
+                <a:extLst>
+                  <a:ext uri="{FF2B5EF4-FFF2-40B4-BE49-F238E27FC236}">
+                    <a16:creationId xmlns:a16="http://schemas.microsoft.com/office/drawing/2014/main" id="{291E0543-47E8-4E3B-A54C-15FBE4BA1E0C}"/>
+                  </a:ext>
+                </a:extLst>
+              </p:cNvPr>
+              <p:cNvSpPr txBox="1"/>
+              <p:nvPr/>
+            </p:nvSpPr>
+            <p:spPr>
+              <a:xfrm>
+                <a:off x="17721" y="2589914"/>
+                <a:ext cx="9126279" cy="1094467"/>
+              </a:xfrm>
+              <a:prstGeom prst="rect">
+                <a:avLst/>
+              </a:prstGeom>
+              <a:noFill/>
+            </p:spPr>
+            <p:txBody>
+              <a:bodyPr wrap="square" rtlCol="0">
+                <a:spAutoFit/>
+              </a:bodyPr>
+              <a:lstStyle/>
+              <a:p>
+                <a:pPr/>
+                <a14:m>
+                  <m:oMathPara xmlns:m="http://schemas.openxmlformats.org/officeDocument/2006/math">
+                    <m:oMathParaPr>
+                      <m:jc m:val="centerGroup"/>
+                    </m:oMathParaPr>
+                    <m:oMath xmlns:m="http://schemas.openxmlformats.org/officeDocument/2006/math">
+                      <m:rad>
+                        <m:radPr>
+                          <m:ctrlPr>
+                            <a:rPr lang="en-US" sz="3200" i="1">
+                              <a:latin typeface="Cambria Math" panose="02040503050406030204" pitchFamily="18" charset="0"/>
+                            </a:rPr>
+                          </m:ctrlPr>
+                        </m:radPr>
+                        <m:deg>
+                          <m:r>
+                            <m:rPr>
+                              <m:brk m:alnAt="7"/>
+                            </m:rPr>
+                            <a:rPr lang="en-US" sz="3200" i="1">
+                              <a:latin typeface="Cambria Math" panose="02040503050406030204" pitchFamily="18" charset="0"/>
+                            </a:rPr>
+                            <m:t>𝑛</m:t>
+                          </m:r>
+                        </m:deg>
+                        <m:e>
+                          <m:limLow>
+                            <m:limLowPr>
+                              <m:ctrlPr>
+                                <a:rPr lang="pt-BR" sz="3200" i="1">
+                                  <a:latin typeface="Cambria Math" panose="02040503050406030204" pitchFamily="18" charset="0"/>
+                                </a:rPr>
+                              </m:ctrlPr>
+                            </m:limLowPr>
+                            <m:e>
+                              <m:r>
+                                <m:rPr>
+                                  <m:sty m:val="p"/>
+                                </m:rPr>
+                                <a:rPr lang="pt-BR" sz="3200">
+                                  <a:latin typeface="Cambria Math" panose="02040503050406030204" pitchFamily="18" charset="0"/>
+                                </a:rPr>
+                                <m:t>lim</m:t>
+                              </m:r>
+                            </m:e>
+                            <m:lim>
+                              <m:r>
+                                <a:rPr lang="en-US" sz="3200" i="1">
+                                  <a:latin typeface="Cambria Math" panose="02040503050406030204" pitchFamily="18" charset="0"/>
+                                  <a:ea typeface="Cambria Math" panose="02040503050406030204" pitchFamily="18" charset="0"/>
+                                </a:rPr>
+                                <m:t>𝑥</m:t>
+                              </m:r>
+                              <m:r>
+                                <a:rPr lang="pt-BR" sz="3200" i="1">
+                                  <a:latin typeface="Cambria Math" panose="02040503050406030204" pitchFamily="18" charset="0"/>
+                                </a:rPr>
+                                <m:t>→</m:t>
+                              </m:r>
+                              <m:r>
+                                <a:rPr lang="en-US" sz="3200" i="1">
+                                  <a:latin typeface="Cambria Math" panose="02040503050406030204" pitchFamily="18" charset="0"/>
+                                </a:rPr>
+                                <m:t>𝑎</m:t>
+                              </m:r>
+                            </m:lim>
+                          </m:limLow>
+                          <m:r>
+                            <a:rPr lang="en-US" sz="3200" i="1">
+                              <a:solidFill>
+                                <a:srgbClr val="00B050"/>
+                              </a:solidFill>
+                              <a:latin typeface="Cambria Math" panose="02040503050406030204" pitchFamily="18" charset="0"/>
+                            </a:rPr>
+                            <m:t>𝑔</m:t>
+                          </m:r>
+                          <m:d>
+                            <m:dPr>
+                              <m:ctrlPr>
+                                <a:rPr lang="en-US" sz="3200" i="1">
+                                  <a:solidFill>
+                                    <a:srgbClr val="00B050"/>
+                                  </a:solidFill>
+                                  <a:latin typeface="Cambria Math" panose="02040503050406030204" pitchFamily="18" charset="0"/>
+                                </a:rPr>
+                              </m:ctrlPr>
+                            </m:dPr>
+                            <m:e>
+                              <m:r>
+                                <a:rPr lang="en-US" sz="3200" i="1">
+                                  <a:solidFill>
+                                    <a:srgbClr val="FF0000"/>
+                                  </a:solidFill>
+                                  <a:latin typeface="Cambria Math" panose="02040503050406030204" pitchFamily="18" charset="0"/>
+                                </a:rPr>
+                                <m:t>𝑥</m:t>
+                              </m:r>
+                            </m:e>
+                          </m:d>
+                        </m:e>
+                      </m:rad>
+                      <m:r>
+                        <a:rPr lang="en-US" sz="3200" b="0" i="1" smtClean="0">
+                          <a:latin typeface="Cambria Math" panose="02040503050406030204" pitchFamily="18" charset="0"/>
+                        </a:rPr>
+                        <m:t>=</m:t>
+                      </m:r>
+                      <m:limLow>
+                        <m:limLowPr>
+                          <m:ctrlPr>
+                            <a:rPr lang="pt-BR" sz="3200" i="1">
+                              <a:latin typeface="Cambria Math" panose="02040503050406030204" pitchFamily="18" charset="0"/>
+                            </a:rPr>
+                          </m:ctrlPr>
+                        </m:limLowPr>
+                        <m:e>
+                          <m:r>
+                            <m:rPr>
+                              <m:sty m:val="p"/>
+                            </m:rPr>
+                            <a:rPr lang="pt-BR" sz="3200">
+                              <a:latin typeface="Cambria Math" panose="02040503050406030204" pitchFamily="18" charset="0"/>
+                            </a:rPr>
+                            <m:t>lim</m:t>
+                          </m:r>
+                        </m:e>
+                        <m:lim>
+                          <m:r>
+                            <a:rPr lang="en-US" sz="3200" i="1">
+                              <a:latin typeface="Cambria Math" panose="02040503050406030204" pitchFamily="18" charset="0"/>
+                              <a:ea typeface="Cambria Math" panose="02040503050406030204" pitchFamily="18" charset="0"/>
+                            </a:rPr>
+                            <m:t>𝑥</m:t>
+                          </m:r>
+                          <m:r>
+                            <a:rPr lang="pt-BR" sz="3200" i="1">
+                              <a:latin typeface="Cambria Math" panose="02040503050406030204" pitchFamily="18" charset="0"/>
+                            </a:rPr>
+                            <m:t>→</m:t>
+                          </m:r>
+                          <m:r>
+                            <a:rPr lang="en-US" sz="3200" i="1">
+                              <a:latin typeface="Cambria Math" panose="02040503050406030204" pitchFamily="18" charset="0"/>
+                            </a:rPr>
+                            <m:t>𝑎</m:t>
+                          </m:r>
+                        </m:lim>
+                      </m:limLow>
+                      <m:rad>
+                        <m:radPr>
+                          <m:ctrlPr>
+                            <a:rPr lang="en-US" sz="3200" i="1">
+                              <a:latin typeface="Cambria Math" panose="02040503050406030204" pitchFamily="18" charset="0"/>
+                            </a:rPr>
+                          </m:ctrlPr>
+                        </m:radPr>
+                        <m:deg>
+                          <m:r>
+                            <m:rPr>
+                              <m:brk m:alnAt="7"/>
+                            </m:rPr>
+                            <a:rPr lang="en-US" sz="3200" i="1">
+                              <a:latin typeface="Cambria Math" panose="02040503050406030204" pitchFamily="18" charset="0"/>
+                            </a:rPr>
+                            <m:t>𝑛</m:t>
+                          </m:r>
+                        </m:deg>
+                        <m:e>
+                          <m:r>
+                            <a:rPr lang="en-US" sz="3200" i="1">
+                              <a:latin typeface="Cambria Math" panose="02040503050406030204" pitchFamily="18" charset="0"/>
+                            </a:rPr>
+                            <m:t>𝑔</m:t>
+                          </m:r>
+                          <m:d>
+                            <m:dPr>
+                              <m:ctrlPr>
+                                <a:rPr lang="en-US" sz="3200" i="1">
+                                  <a:latin typeface="Cambria Math" panose="02040503050406030204" pitchFamily="18" charset="0"/>
+                                </a:rPr>
+                              </m:ctrlPr>
+                            </m:dPr>
+                            <m:e>
+                              <m:r>
+                                <a:rPr lang="en-US" sz="3200" i="1">
+                                  <a:latin typeface="Cambria Math" panose="02040503050406030204" pitchFamily="18" charset="0"/>
+                                </a:rPr>
+                                <m:t>𝑥</m:t>
+                              </m:r>
+                            </m:e>
+                          </m:d>
+                        </m:e>
+                      </m:rad>
+                    </m:oMath>
+                  </m:oMathPara>
+                </a14:m>
+                <a:endParaRPr lang="en-US" sz="3200" baseline="30000" dirty="0">
+                  <a:solidFill>
+                    <a:schemeClr val="tx1"/>
+                  </a:solidFill>
+                </a:endParaRPr>
+              </a:p>
+            </p:txBody>
+          </p:sp>
+        </mc:Choice>
+        <mc:Fallback>
+          <p:sp>
+            <p:nvSpPr>
+              <p:cNvPr id="4" name="TextBox 3">
+                <a:extLst>
+                  <a:ext uri="{FF2B5EF4-FFF2-40B4-BE49-F238E27FC236}">
+                    <a16:creationId xmlns:a16="http://schemas.microsoft.com/office/drawing/2014/main" id="{291E0543-47E8-4E3B-A54C-15FBE4BA1E0C}"/>
+                  </a:ext>
+                </a:extLst>
+              </p:cNvPr>
+              <p:cNvSpPr txBox="1">
+                <a:spLocks noRot="1" noChangeAspect="1" noMove="1" noResize="1" noEditPoints="1" noAdjustHandles="1" noChangeArrowheads="1" noChangeShapeType="1" noTextEdit="1"/>
+              </p:cNvSpPr>
+              <p:nvPr/>
+            </p:nvSpPr>
+            <p:spPr>
+              <a:xfrm>
+                <a:off x="17721" y="2589914"/>
+                <a:ext cx="9126279" cy="1094467"/>
+              </a:xfrm>
+              <a:prstGeom prst="rect">
+                <a:avLst/>
+              </a:prstGeom>
+              <a:blipFill>
+                <a:blip r:embed="rId3"/>
+                <a:stretch>
+                  <a:fillRect/>
+                </a:stretch>
+              </a:blipFill>
+            </p:spPr>
+            <p:txBody>
+              <a:bodyPr/>
+              <a:lstStyle/>
+              <a:p>
+                <a:r>
+                  <a:rPr lang="en-US">
+                    <a:noFill/>
+                  </a:rPr>
+                  <a:t> </a:t>
+                </a:r>
+              </a:p>
+            </p:txBody>
+          </p:sp>
+        </mc:Fallback>
+      </mc:AlternateContent>
+      <mc:AlternateContent xmlns:mc="http://schemas.openxmlformats.org/markup-compatibility/2006">
+        <mc:Choice xmlns:a14="http://schemas.microsoft.com/office/drawing/2010/main" Requires="a14">
+          <p:sp>
+            <p:nvSpPr>
+              <p:cNvPr id="5" name="TextBox 4">
+                <a:extLst>
+                  <a:ext uri="{FF2B5EF4-FFF2-40B4-BE49-F238E27FC236}">
+                    <a16:creationId xmlns:a16="http://schemas.microsoft.com/office/drawing/2014/main" id="{82AA45DD-274C-4C29-B100-0F75A6424EFD}"/>
+                  </a:ext>
+                </a:extLst>
+              </p:cNvPr>
+              <p:cNvSpPr txBox="1"/>
+              <p:nvPr/>
+            </p:nvSpPr>
+            <p:spPr>
+              <a:xfrm>
+                <a:off x="-152400" y="3943350"/>
+                <a:ext cx="9126279" cy="712887"/>
+              </a:xfrm>
+              <a:prstGeom prst="rect">
+                <a:avLst/>
+              </a:prstGeom>
+              <a:noFill/>
+            </p:spPr>
+            <p:txBody>
+              <a:bodyPr wrap="square" rtlCol="0">
+                <a:spAutoFit/>
+              </a:bodyPr>
+              <a:lstStyle/>
+              <a:p>
+                <a:pPr/>
+                <a14:m>
+                  <m:oMathPara xmlns:m="http://schemas.openxmlformats.org/officeDocument/2006/math">
+                    <m:oMathParaPr>
+                      <m:jc m:val="centerGroup"/>
+                    </m:oMathParaPr>
+                    <m:oMath xmlns:m="http://schemas.openxmlformats.org/officeDocument/2006/math">
+                      <m:r>
+                        <a:rPr lang="en-US" sz="3200" b="0" i="1" smtClean="0">
+                          <a:solidFill>
+                            <a:srgbClr val="C00000"/>
+                          </a:solidFill>
+                          <a:latin typeface="Cambria Math" panose="02040503050406030204" pitchFamily="18" charset="0"/>
+                        </a:rPr>
+                        <m:t>𝑓</m:t>
+                      </m:r>
+                      <m:d>
+                        <m:dPr>
+                          <m:ctrlPr>
+                            <a:rPr lang="en-US" sz="3200" b="0" i="1" smtClean="0">
+                              <a:solidFill>
+                                <a:srgbClr val="C00000"/>
+                              </a:solidFill>
+                              <a:latin typeface="Cambria Math" panose="02040503050406030204" pitchFamily="18" charset="0"/>
+                            </a:rPr>
+                          </m:ctrlPr>
+                        </m:dPr>
+                        <m:e>
+                          <m:r>
+                            <a:rPr lang="en-US" sz="3200" b="0" i="1" smtClean="0">
+                              <a:solidFill>
+                                <a:srgbClr val="00B050"/>
+                              </a:solidFill>
+                              <a:latin typeface="Cambria Math" panose="02040503050406030204" pitchFamily="18" charset="0"/>
+                            </a:rPr>
+                            <m:t>𝑔</m:t>
+                          </m:r>
+                          <m:d>
+                            <m:dPr>
+                              <m:ctrlPr>
+                                <a:rPr lang="en-US" sz="3200" b="0" i="1" smtClean="0">
+                                  <a:solidFill>
+                                    <a:srgbClr val="00B050"/>
+                                  </a:solidFill>
+                                  <a:latin typeface="Cambria Math" panose="02040503050406030204" pitchFamily="18" charset="0"/>
+                                </a:rPr>
+                              </m:ctrlPr>
+                            </m:dPr>
+                            <m:e>
+                              <m:r>
+                                <a:rPr lang="en-US" sz="3200" b="0" i="1" smtClean="0">
+                                  <a:solidFill>
+                                    <a:srgbClr val="FF0000"/>
+                                  </a:solidFill>
+                                  <a:latin typeface="Cambria Math" panose="02040503050406030204" pitchFamily="18" charset="0"/>
+                                </a:rPr>
+                                <m:t>𝑥</m:t>
+                              </m:r>
+                            </m:e>
+                          </m:d>
+                        </m:e>
+                      </m:d>
+                      <m:r>
+                        <a:rPr lang="en-US" sz="3200" b="0" i="1" smtClean="0">
+                          <a:latin typeface="Cambria Math" panose="02040503050406030204" pitchFamily="18" charset="0"/>
+                        </a:rPr>
+                        <m:t>=</m:t>
+                      </m:r>
+                      <m:rad>
+                        <m:radPr>
+                          <m:ctrlPr>
+                            <a:rPr lang="en-US" sz="3200" i="1">
+                              <a:latin typeface="Cambria Math" panose="02040503050406030204" pitchFamily="18" charset="0"/>
+                            </a:rPr>
+                          </m:ctrlPr>
+                        </m:radPr>
+                        <m:deg>
+                          <m:r>
+                            <m:rPr>
+                              <m:brk m:alnAt="7"/>
+                            </m:rPr>
+                            <a:rPr lang="en-US" sz="3200" i="1">
+                              <a:latin typeface="Cambria Math" panose="02040503050406030204" pitchFamily="18" charset="0"/>
+                            </a:rPr>
+                            <m:t>𝑛</m:t>
+                          </m:r>
+                        </m:deg>
+                        <m:e>
+                          <m:r>
+                            <a:rPr lang="en-US" sz="3200" i="1">
+                              <a:latin typeface="Cambria Math" panose="02040503050406030204" pitchFamily="18" charset="0"/>
+                            </a:rPr>
+                            <m:t>𝑔</m:t>
+                          </m:r>
+                          <m:d>
+                            <m:dPr>
+                              <m:ctrlPr>
+                                <a:rPr lang="en-US" sz="3200" i="1">
+                                  <a:latin typeface="Cambria Math" panose="02040503050406030204" pitchFamily="18" charset="0"/>
+                                </a:rPr>
+                              </m:ctrlPr>
+                            </m:dPr>
+                            <m:e>
+                              <m:r>
+                                <a:rPr lang="en-US" sz="3200" i="1">
+                                  <a:latin typeface="Cambria Math" panose="02040503050406030204" pitchFamily="18" charset="0"/>
+                                </a:rPr>
+                                <m:t>𝑥</m:t>
+                              </m:r>
+                            </m:e>
+                          </m:d>
+                        </m:e>
+                      </m:rad>
+                    </m:oMath>
+                  </m:oMathPara>
+                </a14:m>
+                <a:endParaRPr lang="en-US" sz="3200" baseline="30000" dirty="0">
+                  <a:solidFill>
+                    <a:schemeClr val="tx1"/>
+                  </a:solidFill>
+                </a:endParaRPr>
+              </a:p>
+            </p:txBody>
+          </p:sp>
+        </mc:Choice>
+        <mc:Fallback>
+          <p:sp>
+            <p:nvSpPr>
+              <p:cNvPr id="5" name="TextBox 4">
+                <a:extLst>
+                  <a:ext uri="{FF2B5EF4-FFF2-40B4-BE49-F238E27FC236}">
+                    <a16:creationId xmlns:a16="http://schemas.microsoft.com/office/drawing/2014/main" id="{82AA45DD-274C-4C29-B100-0F75A6424EFD}"/>
+                  </a:ext>
+                </a:extLst>
+              </p:cNvPr>
+              <p:cNvSpPr txBox="1">
+                <a:spLocks noRot="1" noChangeAspect="1" noMove="1" noResize="1" noEditPoints="1" noAdjustHandles="1" noChangeArrowheads="1" noChangeShapeType="1" noTextEdit="1"/>
+              </p:cNvSpPr>
+              <p:nvPr/>
+            </p:nvSpPr>
+            <p:spPr>
+              <a:xfrm>
+                <a:off x="-152400" y="3943350"/>
+                <a:ext cx="9126279" cy="712887"/>
+              </a:xfrm>
+              <a:prstGeom prst="rect">
+                <a:avLst/>
+              </a:prstGeom>
+              <a:blipFill>
+                <a:blip r:embed="rId4"/>
+                <a:stretch>
+                  <a:fillRect/>
+                </a:stretch>
+              </a:blipFill>
+            </p:spPr>
+            <p:txBody>
+              <a:bodyPr/>
+              <a:lstStyle/>
+              <a:p>
+                <a:r>
+                  <a:rPr lang="en-US">
+                    <a:noFill/>
+                  </a:rPr>
+                  <a:t> </a:t>
+                </a:r>
+              </a:p>
+            </p:txBody>
+          </p:sp>
+        </mc:Fallback>
+      </mc:AlternateContent>
+      <mc:AlternateContent xmlns:mc="http://schemas.openxmlformats.org/markup-compatibility/2006">
+        <mc:Choice xmlns:a14="http://schemas.microsoft.com/office/drawing/2010/main" Requires="a14">
+          <p:sp>
+            <p:nvSpPr>
+              <p:cNvPr id="6" name="TextBox 5">
+                <a:extLst>
+                  <a:ext uri="{FF2B5EF4-FFF2-40B4-BE49-F238E27FC236}">
+                    <a16:creationId xmlns:a16="http://schemas.microsoft.com/office/drawing/2014/main" id="{221C077D-199E-4205-ACCB-FAA1C0CAEB11}"/>
+                  </a:ext>
+                </a:extLst>
+              </p:cNvPr>
+              <p:cNvSpPr txBox="1"/>
+              <p:nvPr/>
+            </p:nvSpPr>
+            <p:spPr>
+              <a:xfrm>
+                <a:off x="8860" y="279941"/>
+                <a:ext cx="9126279" cy="733342"/>
+              </a:xfrm>
+              <a:prstGeom prst="rect">
+                <a:avLst/>
+              </a:prstGeom>
+              <a:noFill/>
+            </p:spPr>
+            <p:txBody>
+              <a:bodyPr wrap="square" rtlCol="0">
+                <a:spAutoFit/>
+              </a:bodyPr>
+              <a:lstStyle/>
+              <a:p>
+                <a:pPr/>
+                <a14:m>
+                  <m:oMathPara xmlns:m="http://schemas.openxmlformats.org/officeDocument/2006/math">
+                    <m:oMathParaPr>
+                      <m:jc m:val="centerGroup"/>
+                    </m:oMathParaPr>
+                    <m:oMath xmlns:m="http://schemas.openxmlformats.org/officeDocument/2006/math">
+                      <m:r>
+                        <a:rPr lang="en-US" sz="3200" i="1" smtClean="0">
+                          <a:latin typeface="Cambria Math" panose="02040503050406030204" pitchFamily="18" charset="0"/>
+                        </a:rPr>
+                        <m:t>𝑖</m:t>
+                      </m:r>
+                      <m:r>
+                        <a:rPr lang="en-US" sz="3200" b="0" i="1" smtClean="0">
+                          <a:latin typeface="Cambria Math" panose="02040503050406030204" pitchFamily="18" charset="0"/>
+                        </a:rPr>
+                        <m:t>𝑓</m:t>
+                      </m:r>
+                      <m:r>
+                        <a:rPr lang="en-US" sz="3200" b="0" i="1" smtClean="0">
+                          <a:latin typeface="Cambria Math" panose="02040503050406030204" pitchFamily="18" charset="0"/>
+                        </a:rPr>
+                        <m:t> </m:t>
+                      </m:r>
+                      <m:r>
+                        <a:rPr lang="en-US" sz="3200" b="0" i="1" smtClean="0">
+                          <a:solidFill>
+                            <a:srgbClr val="C00000"/>
+                          </a:solidFill>
+                          <a:latin typeface="Cambria Math" panose="02040503050406030204" pitchFamily="18" charset="0"/>
+                        </a:rPr>
+                        <m:t>𝑓</m:t>
+                      </m:r>
+                      <m:r>
+                        <a:rPr lang="en-US" sz="3200" b="0" i="1" smtClean="0">
+                          <a:solidFill>
+                            <a:srgbClr val="C00000"/>
+                          </a:solidFill>
+                          <a:latin typeface="Cambria Math" panose="02040503050406030204" pitchFamily="18" charset="0"/>
+                        </a:rPr>
+                        <m:t> </m:t>
+                      </m:r>
+                      <m:r>
+                        <a:rPr lang="en-US" sz="3200" b="0" i="1" smtClean="0">
+                          <a:solidFill>
+                            <a:schemeClr val="tx1"/>
+                          </a:solidFill>
+                          <a:latin typeface="Cambria Math" panose="02040503050406030204" pitchFamily="18" charset="0"/>
+                        </a:rPr>
+                        <m:t>𝑐𝑜𝑛𝑡𝑖𝑛𝑜𝑢𝑠</m:t>
+                      </m:r>
+                      <m:r>
+                        <a:rPr lang="en-US" sz="3200" b="0" i="1" smtClean="0">
+                          <a:solidFill>
+                            <a:schemeClr val="tx1"/>
+                          </a:solidFill>
+                          <a:latin typeface="Cambria Math" panose="02040503050406030204" pitchFamily="18" charset="0"/>
+                        </a:rPr>
+                        <m:t> </m:t>
+                      </m:r>
+                      <m:r>
+                        <a:rPr lang="en-US" sz="3200" b="0" i="1" smtClean="0">
+                          <a:solidFill>
+                            <a:schemeClr val="tx1"/>
+                          </a:solidFill>
+                          <a:latin typeface="Cambria Math" panose="02040503050406030204" pitchFamily="18" charset="0"/>
+                        </a:rPr>
+                        <m:t>𝑎𝑡</m:t>
+                      </m:r>
+                      <m:r>
+                        <a:rPr lang="en-US" sz="3200" b="0" i="1" smtClean="0">
+                          <a:solidFill>
+                            <a:schemeClr val="tx1"/>
+                          </a:solidFill>
+                          <a:latin typeface="Cambria Math" panose="02040503050406030204" pitchFamily="18" charset="0"/>
+                        </a:rPr>
+                        <m:t> </m:t>
+                      </m:r>
+                      <m:r>
+                        <a:rPr lang="en-US" sz="3200" b="0" i="1" smtClean="0">
+                          <a:solidFill>
+                            <a:schemeClr val="tx1"/>
+                          </a:solidFill>
+                          <a:latin typeface="Cambria Math" panose="02040503050406030204" pitchFamily="18" charset="0"/>
+                        </a:rPr>
+                        <m:t>𝑏</m:t>
+                      </m:r>
+                      <m:r>
+                        <a:rPr lang="en-US" sz="3200" b="0" i="1" smtClean="0">
+                          <a:solidFill>
+                            <a:schemeClr val="tx1"/>
+                          </a:solidFill>
+                          <a:latin typeface="Cambria Math" panose="02040503050406030204" pitchFamily="18" charset="0"/>
+                        </a:rPr>
+                        <m:t> </m:t>
+                      </m:r>
+                      <m:r>
+                        <a:rPr lang="en-US" sz="3200" b="0" i="1" smtClean="0">
+                          <a:solidFill>
+                            <a:schemeClr val="tx1"/>
+                          </a:solidFill>
+                          <a:latin typeface="Cambria Math" panose="02040503050406030204" pitchFamily="18" charset="0"/>
+                        </a:rPr>
+                        <m:t>𝑎𝑛𝑑</m:t>
+                      </m:r>
+                      <m:r>
+                        <a:rPr lang="en-US" sz="3200" b="0" i="1" smtClean="0">
+                          <a:solidFill>
+                            <a:schemeClr val="tx1"/>
+                          </a:solidFill>
+                          <a:latin typeface="Cambria Math" panose="02040503050406030204" pitchFamily="18" charset="0"/>
+                        </a:rPr>
+                        <m:t> </m:t>
+                      </m:r>
+                      <m:limLow>
+                        <m:limLowPr>
+                          <m:ctrlPr>
+                            <a:rPr lang="pt-BR" sz="3200" i="1">
+                              <a:latin typeface="Cambria Math" panose="02040503050406030204" pitchFamily="18" charset="0"/>
+                            </a:rPr>
+                          </m:ctrlPr>
+                        </m:limLowPr>
+                        <m:e>
+                          <m:r>
+                            <m:rPr>
+                              <m:sty m:val="p"/>
+                            </m:rPr>
+                            <a:rPr lang="pt-BR" sz="3200">
+                              <a:latin typeface="Cambria Math" panose="02040503050406030204" pitchFamily="18" charset="0"/>
+                            </a:rPr>
+                            <m:t>lim</m:t>
+                          </m:r>
+                        </m:e>
+                        <m:lim>
+                          <m:r>
+                            <a:rPr lang="en-US" sz="3200" i="1">
+                              <a:latin typeface="Cambria Math" panose="02040503050406030204" pitchFamily="18" charset="0"/>
+                              <a:ea typeface="Cambria Math" panose="02040503050406030204" pitchFamily="18" charset="0"/>
+                            </a:rPr>
+                            <m:t>𝑥</m:t>
+                          </m:r>
+                          <m:r>
+                            <a:rPr lang="pt-BR" sz="3200" i="1">
+                              <a:latin typeface="Cambria Math" panose="02040503050406030204" pitchFamily="18" charset="0"/>
+                            </a:rPr>
+                            <m:t>→</m:t>
+                          </m:r>
+                          <m:r>
+                            <a:rPr lang="en-US" sz="3200" i="1">
+                              <a:latin typeface="Cambria Math" panose="02040503050406030204" pitchFamily="18" charset="0"/>
+                            </a:rPr>
+                            <m:t>𝑎</m:t>
+                          </m:r>
+                        </m:lim>
+                      </m:limLow>
+                      <m:r>
+                        <a:rPr lang="en-US" sz="3200" i="1" smtClean="0">
+                          <a:solidFill>
+                            <a:srgbClr val="00B050"/>
+                          </a:solidFill>
+                          <a:latin typeface="Cambria Math" panose="02040503050406030204" pitchFamily="18" charset="0"/>
+                        </a:rPr>
+                        <m:t>𝑔</m:t>
+                      </m:r>
+                      <m:d>
+                        <m:dPr>
+                          <m:ctrlPr>
+                            <a:rPr lang="en-US" sz="3200" i="1">
+                              <a:solidFill>
+                                <a:srgbClr val="00B050"/>
+                              </a:solidFill>
+                              <a:latin typeface="Cambria Math" panose="02040503050406030204" pitchFamily="18" charset="0"/>
+                            </a:rPr>
+                          </m:ctrlPr>
+                        </m:dPr>
+                        <m:e>
+                          <m:r>
+                            <a:rPr lang="en-US" sz="3200" i="1" smtClean="0">
+                              <a:solidFill>
+                                <a:srgbClr val="FF0000"/>
+                              </a:solidFill>
+                              <a:latin typeface="Cambria Math" panose="02040503050406030204" pitchFamily="18" charset="0"/>
+                            </a:rPr>
+                            <m:t>𝑥</m:t>
+                          </m:r>
+                        </m:e>
+                      </m:d>
+                      <m:r>
+                        <a:rPr lang="en-US" sz="3200" b="0" i="1" smtClean="0">
+                          <a:solidFill>
+                            <a:schemeClr val="tx1"/>
+                          </a:solidFill>
+                          <a:latin typeface="Cambria Math" panose="02040503050406030204" pitchFamily="18" charset="0"/>
+                        </a:rPr>
+                        <m:t>=</m:t>
+                      </m:r>
+                      <m:r>
+                        <a:rPr lang="en-US" sz="3200" b="0" i="1" smtClean="0">
+                          <a:solidFill>
+                            <a:srgbClr val="C00000"/>
+                          </a:solidFill>
+                          <a:latin typeface="Cambria Math" panose="02040503050406030204" pitchFamily="18" charset="0"/>
+                        </a:rPr>
+                        <m:t>𝑓</m:t>
+                      </m:r>
+                      <m:d>
+                        <m:dPr>
+                          <m:ctrlPr>
+                            <a:rPr lang="en-US" sz="3200" b="0" i="1" smtClean="0">
+                              <a:solidFill>
+                                <a:srgbClr val="C00000"/>
+                              </a:solidFill>
+                              <a:latin typeface="Cambria Math" panose="02040503050406030204" pitchFamily="18" charset="0"/>
+                            </a:rPr>
+                          </m:ctrlPr>
+                        </m:dPr>
+                        <m:e>
+                          <m:r>
+                            <a:rPr lang="en-US" sz="3200" b="0" i="1" smtClean="0">
+                              <a:solidFill>
+                                <a:schemeClr val="tx1"/>
+                              </a:solidFill>
+                              <a:latin typeface="Cambria Math" panose="02040503050406030204" pitchFamily="18" charset="0"/>
+                            </a:rPr>
+                            <m:t>𝑏</m:t>
+                          </m:r>
+                        </m:e>
+                      </m:d>
+                      <m:r>
+                        <a:rPr lang="en-US" sz="3200" b="0" i="0" smtClean="0">
+                          <a:solidFill>
+                            <a:schemeClr val="tx1"/>
+                          </a:solidFill>
+                          <a:latin typeface="Cambria Math" panose="02040503050406030204" pitchFamily="18" charset="0"/>
+                        </a:rPr>
+                        <m:t>,</m:t>
+                      </m:r>
+                      <m:r>
+                        <m:rPr>
+                          <m:sty m:val="p"/>
+                        </m:rPr>
+                        <a:rPr lang="en-US" sz="3200" b="0" i="0" smtClean="0">
+                          <a:solidFill>
+                            <a:schemeClr val="tx1"/>
+                          </a:solidFill>
+                          <a:latin typeface="Cambria Math" panose="02040503050406030204" pitchFamily="18" charset="0"/>
+                        </a:rPr>
+                        <m:t>then</m:t>
+                      </m:r>
+                    </m:oMath>
+                  </m:oMathPara>
+                </a14:m>
+                <a:endParaRPr lang="en-US" sz="3200" baseline="30000" dirty="0">
+                  <a:solidFill>
+                    <a:schemeClr val="tx1"/>
+                  </a:solidFill>
+                </a:endParaRPr>
+              </a:p>
+            </p:txBody>
+          </p:sp>
+        </mc:Choice>
+        <mc:Fallback>
+          <p:sp>
+            <p:nvSpPr>
+              <p:cNvPr id="6" name="TextBox 5">
+                <a:extLst>
+                  <a:ext uri="{FF2B5EF4-FFF2-40B4-BE49-F238E27FC236}">
+                    <a16:creationId xmlns:a16="http://schemas.microsoft.com/office/drawing/2014/main" id="{221C077D-199E-4205-ACCB-FAA1C0CAEB11}"/>
+                  </a:ext>
+                </a:extLst>
+              </p:cNvPr>
+              <p:cNvSpPr txBox="1">
+                <a:spLocks noRot="1" noChangeAspect="1" noMove="1" noResize="1" noEditPoints="1" noAdjustHandles="1" noChangeArrowheads="1" noChangeShapeType="1" noTextEdit="1"/>
+              </p:cNvSpPr>
+              <p:nvPr/>
+            </p:nvSpPr>
+            <p:spPr>
+              <a:xfrm>
+                <a:off x="8860" y="279941"/>
+                <a:ext cx="9126279" cy="733342"/>
+              </a:xfrm>
+              <a:prstGeom prst="rect">
+                <a:avLst/>
+              </a:prstGeom>
+              <a:blipFill>
+                <a:blip r:embed="rId5"/>
+                <a:stretch>
+                  <a:fillRect/>
+                </a:stretch>
+              </a:blipFill>
+            </p:spPr>
+            <p:txBody>
+              <a:bodyPr/>
+              <a:lstStyle/>
+              <a:p>
+                <a:r>
+                  <a:rPr lang="en-US">
+                    <a:noFill/>
+                  </a:rPr>
+                  <a:t> </a:t>
+                </a:r>
+              </a:p>
+            </p:txBody>
+          </p:sp>
+        </mc:Fallback>
+      </mc:AlternateContent>
+    </p:spTree>
+    <p:extLst>
+      <p:ext uri="{BB962C8B-B14F-4D97-AF65-F5344CB8AC3E}">
+        <p14:creationId xmlns:p14="http://schemas.microsoft.com/office/powerpoint/2010/main" val="1891718153"/>
+      </p:ext>
+    </p:extLst>
+  </p:cSld>
+  <p:clrMapOvr>
+    <a:masterClrMapping/>
+  </p:clrMapOvr>
+</p:sld>
+</file>
+
+<file path=ppt/slides/slide8.xml><?xml version="1.0" encoding="utf-8"?>
+<p:sld xmlns:a="http://schemas.openxmlformats.org/drawingml/2006/main" xmlns:r="http://schemas.openxmlformats.org/officeDocument/2006/relationships" xmlns:p="http://schemas.openxmlformats.org/presentationml/2006/main">
+  <p:cSld>
+    <p:spTree>
+      <p:nvGrpSpPr>
+        <p:cNvPr id="1" name=""/>
+        <p:cNvGrpSpPr/>
+        <p:nvPr/>
+      </p:nvGrpSpPr>
+      <p:grpSpPr>
+        <a:xfrm>
+          <a:off x="0" y="0"/>
+          <a:ext cx="0" cy="0"/>
+          <a:chOff x="0" y="0"/>
+          <a:chExt cx="0" cy="0"/>
+        </a:xfrm>
+      </p:grpSpPr>
       <mc:AlternateContent xmlns:mc="http://schemas.openxmlformats.org/markup-compatibility/2006" xmlns:a14="http://schemas.microsoft.com/office/drawing/2010/main">
         <mc:Choice Requires="a14">
           <p:sp>
@@ -14828,7 +17122,7 @@
 </p:sld>
 </file>
 
-<file path=ppt/slides/slide8.xml><?xml version="1.0" encoding="utf-8"?>
+<file path=ppt/slides/slide9.xml><?xml version="1.0" encoding="utf-8"?>
 <p:sld xmlns:a="http://schemas.openxmlformats.org/drawingml/2006/main" xmlns:r="http://schemas.openxmlformats.org/officeDocument/2006/relationships" xmlns:p="http://schemas.openxmlformats.org/presentationml/2006/main">
   <p:cSld>
     <p:spTree>
@@ -15603,994 +17897,6 @@
     <p:extLst>
       <p:ext uri="{BB962C8B-B14F-4D97-AF65-F5344CB8AC3E}">
         <p14:creationId xmlns:p14="http://schemas.microsoft.com/office/powerpoint/2010/main" val="4013826561"/>
-      </p:ext>
-    </p:extLst>
-  </p:cSld>
-  <p:clrMapOvr>
-    <a:masterClrMapping/>
-  </p:clrMapOvr>
-</p:sld>
-</file>
-
-<file path=ppt/slides/slide9.xml><?xml version="1.0" encoding="utf-8"?>
-<p:sld xmlns:a="http://schemas.openxmlformats.org/drawingml/2006/main" xmlns:r="http://schemas.openxmlformats.org/officeDocument/2006/relationships" xmlns:p="http://schemas.openxmlformats.org/presentationml/2006/main">
-  <p:cSld>
-    <p:spTree>
-      <p:nvGrpSpPr>
-        <p:cNvPr id="1" name=""/>
-        <p:cNvGrpSpPr/>
-        <p:nvPr/>
-      </p:nvGrpSpPr>
-      <p:grpSpPr>
-        <a:xfrm>
-          <a:off x="0" y="0"/>
-          <a:ext cx="0" cy="0"/>
-          <a:chOff x="0" y="0"/>
-          <a:chExt cx="0" cy="0"/>
-        </a:xfrm>
-      </p:grpSpPr>
-      <mc:AlternateContent xmlns:mc="http://schemas.openxmlformats.org/markup-compatibility/2006" xmlns:a14="http://schemas.microsoft.com/office/drawing/2010/main">
-        <mc:Choice Requires="a14">
-          <p:sp>
-            <p:nvSpPr>
-              <p:cNvPr id="2" name="TextBox 1">
-                <a:extLst>
-                  <a:ext uri="{FF2B5EF4-FFF2-40B4-BE49-F238E27FC236}">
-                    <a16:creationId xmlns:a16="http://schemas.microsoft.com/office/drawing/2014/main" id="{CE2E5516-A1FE-478A-832F-F77A07B6896A}"/>
-                  </a:ext>
-                </a:extLst>
-              </p:cNvPr>
-              <p:cNvSpPr txBox="1"/>
-              <p:nvPr/>
-            </p:nvSpPr>
-            <p:spPr>
-              <a:xfrm>
-                <a:off x="0" y="819150"/>
-                <a:ext cx="9144000" cy="631455"/>
-              </a:xfrm>
-              <a:prstGeom prst="rect">
-                <a:avLst/>
-              </a:prstGeom>
-              <a:noFill/>
-            </p:spPr>
-            <p:txBody>
-              <a:bodyPr wrap="square" lIns="0" tIns="0" rIns="0" bIns="0" rtlCol="0">
-                <a:spAutoFit/>
-              </a:bodyPr>
-              <a:lstStyle/>
-              <a:p>
-                <a:pPr>
-                  <a:lnSpc>
-                    <a:spcPct val="150000"/>
-                  </a:lnSpc>
-                </a:pPr>
-                <a14:m>
-                  <m:oMathPara xmlns:m="http://schemas.openxmlformats.org/officeDocument/2006/math">
-                    <m:oMathParaPr>
-                      <m:jc m:val="centerGroup"/>
-                    </m:oMathParaPr>
-                    <m:oMath xmlns:m="http://schemas.openxmlformats.org/officeDocument/2006/math">
-                      <m:d>
-                        <m:dPr>
-                          <m:begChr m:val="|"/>
-                          <m:ctrlPr>
-                            <a:rPr lang="en-US" sz="2800" b="0" i="1" smtClean="0">
-                              <a:latin typeface="Cambria Math" panose="02040503050406030204" pitchFamily="18" charset="0"/>
-                            </a:rPr>
-                          </m:ctrlPr>
-                        </m:dPr>
-                        <m:e>
-                          <m:d>
-                            <m:dPr>
-                              <m:ctrlPr>
-                                <a:rPr lang="en-US" sz="2800" i="1" smtClean="0">
-                                  <a:latin typeface="Cambria Math" panose="02040503050406030204" pitchFamily="18" charset="0"/>
-                                </a:rPr>
-                              </m:ctrlPr>
-                            </m:dPr>
-                            <m:e>
-                              <m:r>
-                                <a:rPr lang="en-US" sz="2800" i="1" smtClean="0">
-                                  <a:latin typeface="Cambria Math" panose="02040503050406030204" pitchFamily="18" charset="0"/>
-                                </a:rPr>
-                                <m:t>𝑓</m:t>
-                              </m:r>
-                              <m:d>
-                                <m:dPr>
-                                  <m:ctrlPr>
-                                    <a:rPr lang="en-US" sz="2800" i="1">
-                                      <a:latin typeface="Cambria Math" panose="02040503050406030204" pitchFamily="18" charset="0"/>
-                                    </a:rPr>
-                                  </m:ctrlPr>
-                                </m:dPr>
-                                <m:e>
-                                  <m:r>
-                                    <a:rPr lang="en-US" sz="2800" i="1">
-                                      <a:latin typeface="Cambria Math" panose="02040503050406030204" pitchFamily="18" charset="0"/>
-                                    </a:rPr>
-                                    <m:t>𝑥</m:t>
-                                  </m:r>
-                                </m:e>
-                              </m:d>
-                              <m:r>
-                                <a:rPr lang="en-US" sz="2800" b="0" i="1" smtClean="0">
-                                  <a:latin typeface="Cambria Math" panose="02040503050406030204" pitchFamily="18" charset="0"/>
-                                </a:rPr>
-                                <m:t>−</m:t>
-                              </m:r>
-                              <m:r>
-                                <a:rPr lang="en-US" sz="2800" i="1">
-                                  <a:latin typeface="Cambria Math" panose="02040503050406030204" pitchFamily="18" charset="0"/>
-                                </a:rPr>
-                                <m:t>𝐿</m:t>
-                              </m:r>
-                            </m:e>
-                          </m:d>
-                          <m:r>
-                            <a:rPr lang="en-US" sz="2800" b="0" i="1" smtClean="0">
-                              <a:latin typeface="Cambria Math" panose="02040503050406030204" pitchFamily="18" charset="0"/>
-                            </a:rPr>
-                            <m:t>+(</m:t>
-                          </m:r>
-                          <m:r>
-                            <a:rPr lang="en-US" sz="2800" i="1">
-                              <a:latin typeface="Cambria Math" panose="02040503050406030204" pitchFamily="18" charset="0"/>
-                            </a:rPr>
-                            <m:t>𝑔</m:t>
-                          </m:r>
-                          <m:d>
-                            <m:dPr>
-                              <m:ctrlPr>
-                                <a:rPr lang="en-US" sz="2800" i="1">
-                                  <a:latin typeface="Cambria Math" panose="02040503050406030204" pitchFamily="18" charset="0"/>
-                                </a:rPr>
-                              </m:ctrlPr>
-                            </m:dPr>
-                            <m:e>
-                              <m:r>
-                                <a:rPr lang="en-US" sz="2800" i="1">
-                                  <a:latin typeface="Cambria Math" panose="02040503050406030204" pitchFamily="18" charset="0"/>
-                                </a:rPr>
-                                <m:t>𝑥</m:t>
-                              </m:r>
-                            </m:e>
-                          </m:d>
-                          <m:r>
-                            <a:rPr lang="en-US" sz="2800" i="1">
-                              <a:latin typeface="Cambria Math" panose="02040503050406030204" pitchFamily="18" charset="0"/>
-                            </a:rPr>
-                            <m:t>−</m:t>
-                          </m:r>
-                          <m:r>
-                            <a:rPr lang="en-US" sz="2800" i="1">
-                              <a:latin typeface="Cambria Math" panose="02040503050406030204" pitchFamily="18" charset="0"/>
-                            </a:rPr>
-                            <m:t>𝑀</m:t>
-                          </m:r>
-                        </m:e>
-                      </m:d>
-                      <m:r>
-                        <a:rPr lang="en-US" sz="2800" b="0" i="1" smtClean="0">
-                          <a:latin typeface="Cambria Math" panose="02040503050406030204" pitchFamily="18" charset="0"/>
-                        </a:rPr>
-                        <m:t>|</m:t>
-                      </m:r>
-                      <m:r>
-                        <a:rPr lang="en-US" sz="2800" i="1">
-                          <a:latin typeface="Cambria Math" panose="02040503050406030204" pitchFamily="18" charset="0"/>
-                          <a:ea typeface="Cambria Math" panose="02040503050406030204" pitchFamily="18" charset="0"/>
-                        </a:rPr>
-                        <m:t>≤</m:t>
-                      </m:r>
-                      <m:d>
-                        <m:dPr>
-                          <m:begChr m:val="|"/>
-                          <m:endChr m:val="|"/>
-                          <m:ctrlPr>
-                            <a:rPr lang="en-US" sz="2800" i="1">
-                              <a:latin typeface="Cambria Math" panose="02040503050406030204" pitchFamily="18" charset="0"/>
-                            </a:rPr>
-                          </m:ctrlPr>
-                        </m:dPr>
-                        <m:e>
-                          <m:r>
-                            <a:rPr lang="en-US" sz="2800" i="1">
-                              <a:latin typeface="Cambria Math" panose="02040503050406030204" pitchFamily="18" charset="0"/>
-                            </a:rPr>
-                            <m:t>𝑓</m:t>
-                          </m:r>
-                          <m:d>
-                            <m:dPr>
-                              <m:ctrlPr>
-                                <a:rPr lang="en-US" sz="2800" i="1">
-                                  <a:latin typeface="Cambria Math" panose="02040503050406030204" pitchFamily="18" charset="0"/>
-                                </a:rPr>
-                              </m:ctrlPr>
-                            </m:dPr>
-                            <m:e>
-                              <m:r>
-                                <a:rPr lang="en-US" sz="2800" i="1">
-                                  <a:latin typeface="Cambria Math" panose="02040503050406030204" pitchFamily="18" charset="0"/>
-                                </a:rPr>
-                                <m:t>𝑥</m:t>
-                              </m:r>
-                            </m:e>
-                          </m:d>
-                          <m:r>
-                            <a:rPr lang="en-US" sz="2800" i="1">
-                              <a:latin typeface="Cambria Math" panose="02040503050406030204" pitchFamily="18" charset="0"/>
-                            </a:rPr>
-                            <m:t>−</m:t>
-                          </m:r>
-                          <m:r>
-                            <a:rPr lang="en-US" sz="2800" i="1">
-                              <a:latin typeface="Cambria Math" panose="02040503050406030204" pitchFamily="18" charset="0"/>
-                            </a:rPr>
-                            <m:t>𝐿</m:t>
-                          </m:r>
-                        </m:e>
-                      </m:d>
-                      <m:r>
-                        <a:rPr lang="en-US" sz="2800" b="0" i="1" smtClean="0">
-                          <a:latin typeface="Cambria Math" panose="02040503050406030204" pitchFamily="18" charset="0"/>
-                        </a:rPr>
-                        <m:t>+</m:t>
-                      </m:r>
-                      <m:d>
-                        <m:dPr>
-                          <m:begChr m:val="|"/>
-                          <m:endChr m:val="|"/>
-                          <m:ctrlPr>
-                            <a:rPr lang="en-US" sz="2800" i="1">
-                              <a:latin typeface="Cambria Math" panose="02040503050406030204" pitchFamily="18" charset="0"/>
-                            </a:rPr>
-                          </m:ctrlPr>
-                        </m:dPr>
-                        <m:e>
-                          <m:r>
-                            <a:rPr lang="en-US" sz="2800" i="1">
-                              <a:latin typeface="Cambria Math" panose="02040503050406030204" pitchFamily="18" charset="0"/>
-                            </a:rPr>
-                            <m:t>𝑔</m:t>
-                          </m:r>
-                          <m:d>
-                            <m:dPr>
-                              <m:ctrlPr>
-                                <a:rPr lang="en-US" sz="2800" i="1">
-                                  <a:latin typeface="Cambria Math" panose="02040503050406030204" pitchFamily="18" charset="0"/>
-                                </a:rPr>
-                              </m:ctrlPr>
-                            </m:dPr>
-                            <m:e>
-                              <m:r>
-                                <a:rPr lang="en-US" sz="2800" i="1">
-                                  <a:latin typeface="Cambria Math" panose="02040503050406030204" pitchFamily="18" charset="0"/>
-                                </a:rPr>
-                                <m:t>𝑥</m:t>
-                              </m:r>
-                            </m:e>
-                          </m:d>
-                          <m:r>
-                            <a:rPr lang="en-US" sz="2800" i="1">
-                              <a:latin typeface="Cambria Math" panose="02040503050406030204" pitchFamily="18" charset="0"/>
-                            </a:rPr>
-                            <m:t>−</m:t>
-                          </m:r>
-                          <m:r>
-                            <a:rPr lang="en-US" sz="2800" i="1">
-                              <a:latin typeface="Cambria Math" panose="02040503050406030204" pitchFamily="18" charset="0"/>
-                            </a:rPr>
-                            <m:t>𝑀</m:t>
-                          </m:r>
-                        </m:e>
-                      </m:d>
-                    </m:oMath>
-                  </m:oMathPara>
-                </a14:m>
-                <a:endParaRPr lang="en-US" sz="2800" baseline="-25000" dirty="0"/>
-              </a:p>
-            </p:txBody>
-          </p:sp>
-        </mc:Choice>
-        <mc:Fallback xmlns="">
-          <p:sp>
-            <p:nvSpPr>
-              <p:cNvPr id="2" name="TextBox 1">
-                <a:extLst>
-                  <a:ext uri="{FF2B5EF4-FFF2-40B4-BE49-F238E27FC236}">
-                    <a16:creationId xmlns:a16="http://schemas.microsoft.com/office/drawing/2014/main" id="{CE2E5516-A1FE-478A-832F-F77A07B6896A}"/>
-                  </a:ext>
-                </a:extLst>
-              </p:cNvPr>
-              <p:cNvSpPr txBox="1">
-                <a:spLocks noRot="1" noChangeAspect="1" noMove="1" noResize="1" noEditPoints="1" noAdjustHandles="1" noChangeArrowheads="1" noChangeShapeType="1" noTextEdit="1"/>
-              </p:cNvSpPr>
-              <p:nvPr/>
-            </p:nvSpPr>
-            <p:spPr>
-              <a:xfrm>
-                <a:off x="0" y="819150"/>
-                <a:ext cx="9144000" cy="631455"/>
-              </a:xfrm>
-              <a:prstGeom prst="rect">
-                <a:avLst/>
-              </a:prstGeom>
-              <a:blipFill>
-                <a:blip r:embed="rId2"/>
-                <a:stretch>
-                  <a:fillRect/>
-                </a:stretch>
-              </a:blipFill>
-            </p:spPr>
-            <p:txBody>
-              <a:bodyPr/>
-              <a:lstStyle/>
-              <a:p>
-                <a:r>
-                  <a:rPr lang="en-US">
-                    <a:noFill/>
-                  </a:rPr>
-                  <a:t> </a:t>
-                </a:r>
-              </a:p>
-            </p:txBody>
-          </p:sp>
-        </mc:Fallback>
-      </mc:AlternateContent>
-      <mc:AlternateContent xmlns:mc="http://schemas.openxmlformats.org/markup-compatibility/2006" xmlns:a14="http://schemas.microsoft.com/office/drawing/2010/main">
-        <mc:Choice Requires="a14">
-          <p:sp>
-            <p:nvSpPr>
-              <p:cNvPr id="3" name="TextBox 2">
-                <a:extLst>
-                  <a:ext uri="{FF2B5EF4-FFF2-40B4-BE49-F238E27FC236}">
-                    <a16:creationId xmlns:a16="http://schemas.microsoft.com/office/drawing/2014/main" id="{3880D1C4-F3C4-46B2-BCFD-EA64C001DA4C}"/>
-                  </a:ext>
-                </a:extLst>
-              </p:cNvPr>
-              <p:cNvSpPr txBox="1"/>
-              <p:nvPr/>
-            </p:nvSpPr>
-            <p:spPr>
-              <a:xfrm>
-                <a:off x="152400" y="1488948"/>
-                <a:ext cx="5704254" cy="1102738"/>
-              </a:xfrm>
-              <a:prstGeom prst="rect">
-                <a:avLst/>
-              </a:prstGeom>
-              <a:noFill/>
-            </p:spPr>
-            <p:txBody>
-              <a:bodyPr wrap="none" lIns="0" tIns="0" rIns="0" bIns="0" rtlCol="0">
-                <a:spAutoFit/>
-              </a:bodyPr>
-              <a:lstStyle/>
-              <a:p>
-                <a:pPr>
-                  <a:lnSpc>
-                    <a:spcPct val="150000"/>
-                  </a:lnSpc>
-                </a:pPr>
-                <a14:m>
-                  <m:oMathPara xmlns:m="http://schemas.openxmlformats.org/officeDocument/2006/math">
-                    <m:oMathParaPr>
-                      <m:jc m:val="centerGroup"/>
-                    </m:oMathParaPr>
-                    <m:oMath xmlns:m="http://schemas.openxmlformats.org/officeDocument/2006/math">
-                      <m:r>
-                        <a:rPr lang="en-US" sz="2800" b="0" i="1" smtClean="0">
-                          <a:latin typeface="Cambria Math" panose="02040503050406030204" pitchFamily="18" charset="0"/>
-                          <a:ea typeface="Cambria Math" panose="02040503050406030204" pitchFamily="18" charset="0"/>
-                        </a:rPr>
-                        <m:t>∴</m:t>
-                      </m:r>
-                      <m:d>
-                        <m:dPr>
-                          <m:begChr m:val="|"/>
-                          <m:ctrlPr>
-                            <a:rPr lang="en-US" sz="2800" i="1">
-                              <a:latin typeface="Cambria Math" panose="02040503050406030204" pitchFamily="18" charset="0"/>
-                            </a:rPr>
-                          </m:ctrlPr>
-                        </m:dPr>
-                        <m:e>
-                          <m:d>
-                            <m:dPr>
-                              <m:ctrlPr>
-                                <a:rPr lang="en-US" sz="2800" i="1">
-                                  <a:latin typeface="Cambria Math" panose="02040503050406030204" pitchFamily="18" charset="0"/>
-                                </a:rPr>
-                              </m:ctrlPr>
-                            </m:dPr>
-                            <m:e>
-                              <m:r>
-                                <a:rPr lang="en-US" sz="2800" i="1">
-                                  <a:latin typeface="Cambria Math" panose="02040503050406030204" pitchFamily="18" charset="0"/>
-                                </a:rPr>
-                                <m:t>𝑓</m:t>
-                              </m:r>
-                              <m:d>
-                                <m:dPr>
-                                  <m:ctrlPr>
-                                    <a:rPr lang="en-US" sz="2800" i="1">
-                                      <a:latin typeface="Cambria Math" panose="02040503050406030204" pitchFamily="18" charset="0"/>
-                                    </a:rPr>
-                                  </m:ctrlPr>
-                                </m:dPr>
-                                <m:e>
-                                  <m:r>
-                                    <a:rPr lang="en-US" sz="2800" i="1">
-                                      <a:latin typeface="Cambria Math" panose="02040503050406030204" pitchFamily="18" charset="0"/>
-                                    </a:rPr>
-                                    <m:t>𝑥</m:t>
-                                  </m:r>
-                                </m:e>
-                              </m:d>
-                              <m:r>
-                                <a:rPr lang="en-US" sz="2800" i="1">
-                                  <a:latin typeface="Cambria Math" panose="02040503050406030204" pitchFamily="18" charset="0"/>
-                                </a:rPr>
-                                <m:t>−</m:t>
-                              </m:r>
-                              <m:r>
-                                <a:rPr lang="en-US" sz="2800" i="1">
-                                  <a:latin typeface="Cambria Math" panose="02040503050406030204" pitchFamily="18" charset="0"/>
-                                </a:rPr>
-                                <m:t>𝐿</m:t>
-                              </m:r>
-                            </m:e>
-                          </m:d>
-                          <m:r>
-                            <a:rPr lang="en-US" sz="2800" i="1">
-                              <a:latin typeface="Cambria Math" panose="02040503050406030204" pitchFamily="18" charset="0"/>
-                            </a:rPr>
-                            <m:t>+(</m:t>
-                          </m:r>
-                          <m:r>
-                            <a:rPr lang="en-US" sz="2800" i="1">
-                              <a:latin typeface="Cambria Math" panose="02040503050406030204" pitchFamily="18" charset="0"/>
-                            </a:rPr>
-                            <m:t>𝑔</m:t>
-                          </m:r>
-                          <m:d>
-                            <m:dPr>
-                              <m:ctrlPr>
-                                <a:rPr lang="en-US" sz="2800" i="1">
-                                  <a:latin typeface="Cambria Math" panose="02040503050406030204" pitchFamily="18" charset="0"/>
-                                </a:rPr>
-                              </m:ctrlPr>
-                            </m:dPr>
-                            <m:e>
-                              <m:r>
-                                <a:rPr lang="en-US" sz="2800" i="1">
-                                  <a:latin typeface="Cambria Math" panose="02040503050406030204" pitchFamily="18" charset="0"/>
-                                </a:rPr>
-                                <m:t>𝑥</m:t>
-                              </m:r>
-                            </m:e>
-                          </m:d>
-                          <m:r>
-                            <a:rPr lang="en-US" sz="2800" i="1">
-                              <a:latin typeface="Cambria Math" panose="02040503050406030204" pitchFamily="18" charset="0"/>
-                            </a:rPr>
-                            <m:t>−</m:t>
-                          </m:r>
-                          <m:r>
-                            <a:rPr lang="en-US" sz="2800" i="1">
-                              <a:latin typeface="Cambria Math" panose="02040503050406030204" pitchFamily="18" charset="0"/>
-                            </a:rPr>
-                            <m:t>𝑀</m:t>
-                          </m:r>
-                        </m:e>
-                      </m:d>
-                      <m:r>
-                        <a:rPr lang="en-US" sz="2800" i="1">
-                          <a:latin typeface="Cambria Math" panose="02040503050406030204" pitchFamily="18" charset="0"/>
-                        </a:rPr>
-                        <m:t>|&lt;</m:t>
-                      </m:r>
-                      <m:f>
-                        <m:fPr>
-                          <m:ctrlPr>
-                            <a:rPr lang="en-US" sz="2800" i="1">
-                              <a:latin typeface="Cambria Math" panose="02040503050406030204" pitchFamily="18" charset="0"/>
-                            </a:rPr>
-                          </m:ctrlPr>
-                        </m:fPr>
-                        <m:num>
-                          <m:r>
-                            <a:rPr lang="en-US" sz="2800" i="1">
-                              <a:latin typeface="Cambria Math" panose="02040503050406030204" pitchFamily="18" charset="0"/>
-                              <a:ea typeface="Cambria Math" panose="02040503050406030204" pitchFamily="18" charset="0"/>
-                            </a:rPr>
-                            <m:t>𝜀</m:t>
-                          </m:r>
-                        </m:num>
-                        <m:den>
-                          <m:r>
-                            <a:rPr lang="en-US" sz="2800" i="1">
-                              <a:latin typeface="Cambria Math" panose="02040503050406030204" pitchFamily="18" charset="0"/>
-                            </a:rPr>
-                            <m:t>2</m:t>
-                          </m:r>
-                        </m:den>
-                      </m:f>
-                      <m:r>
-                        <a:rPr lang="en-US" sz="2800" b="0" i="1" smtClean="0">
-                          <a:latin typeface="Cambria Math" panose="02040503050406030204" pitchFamily="18" charset="0"/>
-                        </a:rPr>
-                        <m:t>+</m:t>
-                      </m:r>
-                      <m:f>
-                        <m:fPr>
-                          <m:ctrlPr>
-                            <a:rPr lang="en-US" sz="2800" i="1">
-                              <a:latin typeface="Cambria Math" panose="02040503050406030204" pitchFamily="18" charset="0"/>
-                            </a:rPr>
-                          </m:ctrlPr>
-                        </m:fPr>
-                        <m:num>
-                          <m:r>
-                            <a:rPr lang="en-US" sz="2800" i="1">
-                              <a:latin typeface="Cambria Math" panose="02040503050406030204" pitchFamily="18" charset="0"/>
-                              <a:ea typeface="Cambria Math" panose="02040503050406030204" pitchFamily="18" charset="0"/>
-                            </a:rPr>
-                            <m:t>𝜀</m:t>
-                          </m:r>
-                        </m:num>
-                        <m:den>
-                          <m:r>
-                            <a:rPr lang="en-US" sz="2800" i="1">
-                              <a:latin typeface="Cambria Math" panose="02040503050406030204" pitchFamily="18" charset="0"/>
-                            </a:rPr>
-                            <m:t>2</m:t>
-                          </m:r>
-                        </m:den>
-                      </m:f>
-                    </m:oMath>
-                  </m:oMathPara>
-                </a14:m>
-                <a:endParaRPr lang="en-US" sz="2800" baseline="-25000" dirty="0"/>
-              </a:p>
-            </p:txBody>
-          </p:sp>
-        </mc:Choice>
-        <mc:Fallback xmlns="">
-          <p:sp>
-            <p:nvSpPr>
-              <p:cNvPr id="3" name="TextBox 2">
-                <a:extLst>
-                  <a:ext uri="{FF2B5EF4-FFF2-40B4-BE49-F238E27FC236}">
-                    <a16:creationId xmlns:a16="http://schemas.microsoft.com/office/drawing/2014/main" id="{3880D1C4-F3C4-46B2-BCFD-EA64C001DA4C}"/>
-                  </a:ext>
-                </a:extLst>
-              </p:cNvPr>
-              <p:cNvSpPr txBox="1">
-                <a:spLocks noRot="1" noChangeAspect="1" noMove="1" noResize="1" noEditPoints="1" noAdjustHandles="1" noChangeArrowheads="1" noChangeShapeType="1" noTextEdit="1"/>
-              </p:cNvSpPr>
-              <p:nvPr/>
-            </p:nvSpPr>
-            <p:spPr>
-              <a:xfrm>
-                <a:off x="152400" y="1488948"/>
-                <a:ext cx="5704254" cy="1102738"/>
-              </a:xfrm>
-              <a:prstGeom prst="rect">
-                <a:avLst/>
-              </a:prstGeom>
-              <a:blipFill>
-                <a:blip r:embed="rId3"/>
-                <a:stretch>
-                  <a:fillRect/>
-                </a:stretch>
-              </a:blipFill>
-            </p:spPr>
-            <p:txBody>
-              <a:bodyPr/>
-              <a:lstStyle/>
-              <a:p>
-                <a:r>
-                  <a:rPr lang="en-US">
-                    <a:noFill/>
-                  </a:rPr>
-                  <a:t> </a:t>
-                </a:r>
-              </a:p>
-            </p:txBody>
-          </p:sp>
-        </mc:Fallback>
-      </mc:AlternateContent>
-      <mc:AlternateContent xmlns:mc="http://schemas.openxmlformats.org/markup-compatibility/2006" xmlns:a14="http://schemas.microsoft.com/office/drawing/2010/main">
-        <mc:Choice Requires="a14">
-          <p:sp>
-            <p:nvSpPr>
-              <p:cNvPr id="4" name="TextBox 3">
-                <a:extLst>
-                  <a:ext uri="{FF2B5EF4-FFF2-40B4-BE49-F238E27FC236}">
-                    <a16:creationId xmlns:a16="http://schemas.microsoft.com/office/drawing/2014/main" id="{BED2F3AE-FEE6-4DF5-95F5-0410850435E2}"/>
-                  </a:ext>
-                </a:extLst>
-              </p:cNvPr>
-              <p:cNvSpPr txBox="1"/>
-              <p:nvPr/>
-            </p:nvSpPr>
-            <p:spPr>
-              <a:xfrm>
-                <a:off x="152400" y="2724150"/>
-                <a:ext cx="259686" cy="631455"/>
-              </a:xfrm>
-              <a:prstGeom prst="rect">
-                <a:avLst/>
-              </a:prstGeom>
-              <a:noFill/>
-            </p:spPr>
-            <p:txBody>
-              <a:bodyPr wrap="none" lIns="0" tIns="0" rIns="0" bIns="0" rtlCol="0">
-                <a:spAutoFit/>
-              </a:bodyPr>
-              <a:lstStyle/>
-              <a:p>
-                <a:pPr>
-                  <a:lnSpc>
-                    <a:spcPct val="150000"/>
-                  </a:lnSpc>
-                </a:pPr>
-                <a14:m>
-                  <m:oMathPara xmlns:m="http://schemas.openxmlformats.org/officeDocument/2006/math">
-                    <m:oMathParaPr>
-                      <m:jc m:val="centerGroup"/>
-                    </m:oMathParaPr>
-                    <m:oMath xmlns:m="http://schemas.openxmlformats.org/officeDocument/2006/math">
-                      <m:r>
-                        <a:rPr lang="en-US" sz="2800" b="0" i="1" smtClean="0">
-                          <a:latin typeface="Cambria Math" panose="02040503050406030204" pitchFamily="18" charset="0"/>
-                          <a:ea typeface="Cambria Math" panose="02040503050406030204" pitchFamily="18" charset="0"/>
-                        </a:rPr>
-                        <m:t>∴</m:t>
-                      </m:r>
-                    </m:oMath>
-                  </m:oMathPara>
-                </a14:m>
-                <a:endParaRPr lang="en-US" sz="2800" baseline="-25000" dirty="0"/>
-              </a:p>
-            </p:txBody>
-          </p:sp>
-        </mc:Choice>
-        <mc:Fallback xmlns="">
-          <p:sp>
-            <p:nvSpPr>
-              <p:cNvPr id="4" name="TextBox 3">
-                <a:extLst>
-                  <a:ext uri="{FF2B5EF4-FFF2-40B4-BE49-F238E27FC236}">
-                    <a16:creationId xmlns:a16="http://schemas.microsoft.com/office/drawing/2014/main" id="{BED2F3AE-FEE6-4DF5-95F5-0410850435E2}"/>
-                  </a:ext>
-                </a:extLst>
-              </p:cNvPr>
-              <p:cNvSpPr txBox="1">
-                <a:spLocks noRot="1" noChangeAspect="1" noMove="1" noResize="1" noEditPoints="1" noAdjustHandles="1" noChangeArrowheads="1" noChangeShapeType="1" noTextEdit="1"/>
-              </p:cNvSpPr>
-              <p:nvPr/>
-            </p:nvSpPr>
-            <p:spPr>
-              <a:xfrm>
-                <a:off x="152400" y="2724150"/>
-                <a:ext cx="259686" cy="631455"/>
-              </a:xfrm>
-              <a:prstGeom prst="rect">
-                <a:avLst/>
-              </a:prstGeom>
-              <a:blipFill>
-                <a:blip r:embed="rId4"/>
-                <a:stretch>
-                  <a:fillRect/>
-                </a:stretch>
-              </a:blipFill>
-            </p:spPr>
-            <p:txBody>
-              <a:bodyPr/>
-              <a:lstStyle/>
-              <a:p>
-                <a:r>
-                  <a:rPr lang="en-US">
-                    <a:noFill/>
-                  </a:rPr>
-                  <a:t> </a:t>
-                </a:r>
-              </a:p>
-            </p:txBody>
-          </p:sp>
-        </mc:Fallback>
-      </mc:AlternateContent>
-      <mc:AlternateContent xmlns:mc="http://schemas.openxmlformats.org/markup-compatibility/2006" xmlns:a14="http://schemas.microsoft.com/office/drawing/2010/main">
-        <mc:Choice Requires="a14">
-          <p:sp>
-            <p:nvSpPr>
-              <p:cNvPr id="5" name="TextBox 4">
-                <a:extLst>
-                  <a:ext uri="{FF2B5EF4-FFF2-40B4-BE49-F238E27FC236}">
-                    <a16:creationId xmlns:a16="http://schemas.microsoft.com/office/drawing/2014/main" id="{936135F0-9534-486F-962B-5A83233BF173}"/>
-                  </a:ext>
-                </a:extLst>
-              </p:cNvPr>
-              <p:cNvSpPr txBox="1"/>
-              <p:nvPr/>
-            </p:nvSpPr>
-            <p:spPr>
-              <a:xfrm>
-                <a:off x="1768187" y="2876550"/>
-                <a:ext cx="5607625" cy="1834477"/>
-              </a:xfrm>
-              <a:prstGeom prst="rect">
-                <a:avLst/>
-              </a:prstGeom>
-              <a:noFill/>
-            </p:spPr>
-            <p:txBody>
-              <a:bodyPr wrap="none" lIns="0" tIns="0" rIns="0" bIns="0" rtlCol="0">
-                <a:spAutoFit/>
-              </a:bodyPr>
-              <a:lstStyle/>
-              <a:p>
-                <a:pPr>
-                  <a:lnSpc>
-                    <a:spcPct val="200000"/>
-                  </a:lnSpc>
-                </a:pPr>
-                <a14:m>
-                  <m:oMathPara xmlns:m="http://schemas.openxmlformats.org/officeDocument/2006/math">
-                    <m:oMathParaPr>
-                      <m:jc m:val="centerGroup"/>
-                    </m:oMathParaPr>
-                    <m:oMath xmlns:m="http://schemas.openxmlformats.org/officeDocument/2006/math">
-                      <m:r>
-                        <a:rPr lang="en-US" sz="2800" b="0" i="1" smtClean="0">
-                          <a:latin typeface="Cambria Math" panose="02040503050406030204" pitchFamily="18" charset="0"/>
-                        </a:rPr>
-                        <m:t>𝑖𝑓</m:t>
-                      </m:r>
-                      <m:r>
-                        <a:rPr lang="en-US" sz="2800" b="0" i="1" smtClean="0">
-                          <a:latin typeface="Cambria Math" panose="02040503050406030204" pitchFamily="18" charset="0"/>
-                        </a:rPr>
-                        <m:t> 0&lt;</m:t>
-                      </m:r>
-                      <m:d>
-                        <m:dPr>
-                          <m:begChr m:val="|"/>
-                          <m:endChr m:val="|"/>
-                          <m:ctrlPr>
-                            <a:rPr lang="en-US" sz="2800" b="0" i="1" smtClean="0">
-                              <a:latin typeface="Cambria Math" panose="02040503050406030204" pitchFamily="18" charset="0"/>
-                            </a:rPr>
-                          </m:ctrlPr>
-                        </m:dPr>
-                        <m:e>
-                          <m:r>
-                            <a:rPr lang="en-US" sz="2800" b="0" i="1" smtClean="0">
-                              <a:latin typeface="Cambria Math" panose="02040503050406030204" pitchFamily="18" charset="0"/>
-                            </a:rPr>
-                            <m:t>𝑥</m:t>
-                          </m:r>
-                          <m:r>
-                            <a:rPr lang="en-US" sz="2800" b="0" i="1" smtClean="0">
-                              <a:latin typeface="Cambria Math" panose="02040503050406030204" pitchFamily="18" charset="0"/>
-                            </a:rPr>
-                            <m:t>−</m:t>
-                          </m:r>
-                          <m:r>
-                            <a:rPr lang="en-US" sz="2800" b="0" i="1" smtClean="0">
-                              <a:latin typeface="Cambria Math" panose="02040503050406030204" pitchFamily="18" charset="0"/>
-                            </a:rPr>
-                            <m:t>𝑎</m:t>
-                          </m:r>
-                        </m:e>
-                      </m:d>
-                      <m:r>
-                        <a:rPr lang="en-US" sz="2800" b="0" i="1" smtClean="0">
-                          <a:latin typeface="Cambria Math" panose="02040503050406030204" pitchFamily="18" charset="0"/>
-                        </a:rPr>
-                        <m:t>&lt;</m:t>
-                      </m:r>
-                      <m:r>
-                        <a:rPr lang="en-US" sz="2800" i="1">
-                          <a:latin typeface="Cambria Math" panose="02040503050406030204" pitchFamily="18" charset="0"/>
-                          <a:ea typeface="Cambria Math" panose="02040503050406030204" pitchFamily="18" charset="0"/>
-                        </a:rPr>
-                        <m:t>𝛿</m:t>
-                      </m:r>
-                    </m:oMath>
-                  </m:oMathPara>
-                </a14:m>
-                <a:endParaRPr lang="en-US" sz="2800" b="0" i="1" dirty="0">
-                  <a:latin typeface="Cambria Math" panose="02040503050406030204" pitchFamily="18" charset="0"/>
-                  <a:ea typeface="Cambria Math" panose="02040503050406030204" pitchFamily="18" charset="0"/>
-                </a:endParaRPr>
-              </a:p>
-              <a:p>
-                <a:pPr>
-                  <a:lnSpc>
-                    <a:spcPct val="200000"/>
-                  </a:lnSpc>
-                </a:pPr>
-                <a14:m>
-                  <m:oMathPara xmlns:m="http://schemas.openxmlformats.org/officeDocument/2006/math">
-                    <m:oMathParaPr>
-                      <m:jc m:val="centerGroup"/>
-                    </m:oMathParaPr>
-                    <m:oMath xmlns:m="http://schemas.openxmlformats.org/officeDocument/2006/math">
-                      <m:r>
-                        <a:rPr lang="en-US" sz="2800" b="0" i="1" smtClean="0">
-                          <a:latin typeface="Cambria Math" panose="02040503050406030204" pitchFamily="18" charset="0"/>
-                        </a:rPr>
-                        <m:t>𝑡h𝑒𝑛</m:t>
-                      </m:r>
-                      <m:r>
-                        <a:rPr lang="en-US" sz="2800" b="0" i="1" smtClean="0">
-                          <a:latin typeface="Cambria Math" panose="02040503050406030204" pitchFamily="18" charset="0"/>
-                        </a:rPr>
-                        <m:t> |</m:t>
-                      </m:r>
-                      <m:d>
-                        <m:dPr>
-                          <m:ctrlPr>
-                            <a:rPr lang="en-US" sz="2800" i="1">
-                              <a:latin typeface="Cambria Math" panose="02040503050406030204" pitchFamily="18" charset="0"/>
-                            </a:rPr>
-                          </m:ctrlPr>
-                        </m:dPr>
-                        <m:e>
-                          <m:r>
-                            <a:rPr lang="en-US" sz="2800" i="1">
-                              <a:latin typeface="Cambria Math" panose="02040503050406030204" pitchFamily="18" charset="0"/>
-                            </a:rPr>
-                            <m:t>𝑓</m:t>
-                          </m:r>
-                          <m:d>
-                            <m:dPr>
-                              <m:ctrlPr>
-                                <a:rPr lang="en-US" sz="2800" i="1">
-                                  <a:latin typeface="Cambria Math" panose="02040503050406030204" pitchFamily="18" charset="0"/>
-                                </a:rPr>
-                              </m:ctrlPr>
-                            </m:dPr>
-                            <m:e>
-                              <m:r>
-                                <a:rPr lang="en-US" sz="2800" i="1">
-                                  <a:latin typeface="Cambria Math" panose="02040503050406030204" pitchFamily="18" charset="0"/>
-                                </a:rPr>
-                                <m:t>𝑥</m:t>
-                              </m:r>
-                            </m:e>
-                          </m:d>
-                          <m:r>
-                            <a:rPr lang="en-US" sz="2800" i="1">
-                              <a:latin typeface="Cambria Math" panose="02040503050406030204" pitchFamily="18" charset="0"/>
-                            </a:rPr>
-                            <m:t>+</m:t>
-                          </m:r>
-                          <m:r>
-                            <a:rPr lang="en-US" sz="2800" i="1">
-                              <a:latin typeface="Cambria Math" panose="02040503050406030204" pitchFamily="18" charset="0"/>
-                            </a:rPr>
-                            <m:t>𝑔</m:t>
-                          </m:r>
-                          <m:d>
-                            <m:dPr>
-                              <m:ctrlPr>
-                                <a:rPr lang="en-US" sz="2800" i="1">
-                                  <a:latin typeface="Cambria Math" panose="02040503050406030204" pitchFamily="18" charset="0"/>
-                                </a:rPr>
-                              </m:ctrlPr>
-                            </m:dPr>
-                            <m:e>
-                              <m:r>
-                                <a:rPr lang="en-US" sz="2800" i="1">
-                                  <a:latin typeface="Cambria Math" panose="02040503050406030204" pitchFamily="18" charset="0"/>
-                                </a:rPr>
-                                <m:t>𝑥</m:t>
-                              </m:r>
-                            </m:e>
-                          </m:d>
-                        </m:e>
-                      </m:d>
-                      <m:r>
-                        <a:rPr lang="en-US" sz="2800" i="1">
-                          <a:latin typeface="Cambria Math" panose="02040503050406030204" pitchFamily="18" charset="0"/>
-                        </a:rPr>
-                        <m:t>−(</m:t>
-                      </m:r>
-                      <m:r>
-                        <a:rPr lang="en-US" sz="2800" i="1">
-                          <a:latin typeface="Cambria Math" panose="02040503050406030204" pitchFamily="18" charset="0"/>
-                        </a:rPr>
-                        <m:t>𝐿</m:t>
-                      </m:r>
-                      <m:r>
-                        <a:rPr lang="en-US" sz="2800" i="1">
-                          <a:latin typeface="Cambria Math" panose="02040503050406030204" pitchFamily="18" charset="0"/>
-                        </a:rPr>
-                        <m:t>+</m:t>
-                      </m:r>
-                      <m:r>
-                        <a:rPr lang="en-US" sz="2800" i="1">
-                          <a:latin typeface="Cambria Math" panose="02040503050406030204" pitchFamily="18" charset="0"/>
-                        </a:rPr>
-                        <m:t>𝑀</m:t>
-                      </m:r>
-                      <m:r>
-                        <a:rPr lang="en-US" sz="2800" i="1">
-                          <a:latin typeface="Cambria Math" panose="02040503050406030204" pitchFamily="18" charset="0"/>
-                        </a:rPr>
-                        <m:t>)|&lt;</m:t>
-                      </m:r>
-                      <m:r>
-                        <a:rPr lang="en-US" sz="2800" i="1">
-                          <a:latin typeface="Cambria Math" panose="02040503050406030204" pitchFamily="18" charset="0"/>
-                          <a:ea typeface="Cambria Math" panose="02040503050406030204" pitchFamily="18" charset="0"/>
-                        </a:rPr>
-                        <m:t>𝜀</m:t>
-                      </m:r>
-                    </m:oMath>
-                  </m:oMathPara>
-                </a14:m>
-                <a:endParaRPr lang="en-US" sz="2800" i="1" dirty="0">
-                  <a:latin typeface="Cambria Math" panose="02040503050406030204" pitchFamily="18" charset="0"/>
-                  <a:ea typeface="Cambria Math" panose="02040503050406030204" pitchFamily="18" charset="0"/>
-                </a:endParaRPr>
-              </a:p>
-            </p:txBody>
-          </p:sp>
-        </mc:Choice>
-        <mc:Fallback xmlns="">
-          <p:sp>
-            <p:nvSpPr>
-              <p:cNvPr id="5" name="TextBox 4">
-                <a:extLst>
-                  <a:ext uri="{FF2B5EF4-FFF2-40B4-BE49-F238E27FC236}">
-                    <a16:creationId xmlns:a16="http://schemas.microsoft.com/office/drawing/2014/main" id="{936135F0-9534-486F-962B-5A83233BF173}"/>
-                  </a:ext>
-                </a:extLst>
-              </p:cNvPr>
-              <p:cNvSpPr txBox="1">
-                <a:spLocks noRot="1" noChangeAspect="1" noMove="1" noResize="1" noEditPoints="1" noAdjustHandles="1" noChangeArrowheads="1" noChangeShapeType="1" noTextEdit="1"/>
-              </p:cNvSpPr>
-              <p:nvPr/>
-            </p:nvSpPr>
-            <p:spPr>
-              <a:xfrm>
-                <a:off x="1768187" y="2876550"/>
-                <a:ext cx="5607625" cy="1834477"/>
-              </a:xfrm>
-              <a:prstGeom prst="rect">
-                <a:avLst/>
-              </a:prstGeom>
-              <a:blipFill>
-                <a:blip r:embed="rId5"/>
-                <a:stretch>
-                  <a:fillRect/>
-                </a:stretch>
-              </a:blipFill>
-            </p:spPr>
-            <p:txBody>
-              <a:bodyPr/>
-              <a:lstStyle/>
-              <a:p>
-                <a:r>
-                  <a:rPr lang="en-US">
-                    <a:noFill/>
-                  </a:rPr>
-                  <a:t> </a:t>
-                </a:r>
-              </a:p>
-            </p:txBody>
-          </p:sp>
-        </mc:Fallback>
-      </mc:AlternateContent>
-    </p:spTree>
-    <p:extLst>
-      <p:ext uri="{BB962C8B-B14F-4D97-AF65-F5344CB8AC3E}">
-        <p14:creationId xmlns:p14="http://schemas.microsoft.com/office/powerpoint/2010/main" val="3333010632"/>
       </p:ext>
     </p:extLst>
   </p:cSld>

--- a/calculus/limits/limit.pptx
+++ b/calculus/limits/limit.pptx
@@ -15112,8 +15112,8 @@
             </p:nvSpPr>
             <p:spPr>
               <a:xfrm>
-                <a:off x="17721" y="1307518"/>
-                <a:ext cx="9126279" cy="768608"/>
+                <a:off x="17721" y="1581150"/>
+                <a:ext cx="9126279" cy="788357"/>
               </a:xfrm>
               <a:prstGeom prst="rect">
                 <a:avLst/>
@@ -15156,9 +15156,8 @@
                           <m:r>
                             <a:rPr lang="en-US" sz="3200" b="0" i="1" smtClean="0">
                               <a:latin typeface="Cambria Math" panose="02040503050406030204" pitchFamily="18" charset="0"/>
-                              <a:ea typeface="Cambria Math" panose="02040503050406030204" pitchFamily="18" charset="0"/>
-                            </a:rPr>
-                            <m:t>𝑥</m:t>
+                            </a:rPr>
+                            <m:t>𝑦</m:t>
                           </m:r>
                           <m:r>
                             <a:rPr lang="pt-BR" sz="3200" i="1">
@@ -15170,7 +15169,7 @@
                             <a:rPr lang="en-US" sz="3200" b="0" i="1" smtClean="0">
                               <a:latin typeface="Cambria Math" panose="02040503050406030204" pitchFamily="18" charset="0"/>
                             </a:rPr>
-                            <m:t>𝑎</m:t>
+                            <m:t>𝑏</m:t>
                           </m:r>
                         </m:lim>
                       </m:limLow>
@@ -15198,35 +15197,12 @@
                           <m:r>
                             <a:rPr lang="en-US" sz="3200" b="0" i="1" smtClean="0">
                               <a:solidFill>
-                                <a:srgbClr val="00B050"/>
+                                <a:schemeClr val="tx1"/>
                               </a:solidFill>
                               <a:latin typeface="Cambria Math" panose="02040503050406030204" pitchFamily="18" charset="0"/>
                             </a:rPr>
-                            <m:t>𝑔</m:t>
-                          </m:r>
-                          <m:d>
-                            <m:dPr>
-                              <m:ctrlPr>
-                                <a:rPr lang="en-US" sz="3200" b="0" i="1" smtClean="0">
-                                  <a:solidFill>
-                                    <a:srgbClr val="00B050"/>
-                                  </a:solidFill>
-                                  <a:latin typeface="Cambria Math" panose="02040503050406030204" pitchFamily="18" charset="0"/>
-                                </a:rPr>
-                              </m:ctrlPr>
-                            </m:dPr>
-                            <m:e>
-                              <m:r>
-                                <a:rPr lang="en-US" sz="3200" b="0" i="1" smtClean="0">
-                                  <a:solidFill>
-                                    <a:srgbClr val="FF0000"/>
-                                  </a:solidFill>
-                                  <a:latin typeface="Cambria Math" panose="02040503050406030204" pitchFamily="18" charset="0"/>
-                                </a:rPr>
-                                <m:t>𝑥</m:t>
-                              </m:r>
-                            </m:e>
-                          </m:d>
+                            <m:t>𝑦</m:t>
+                          </m:r>
                         </m:e>
                       </m:d>
                       <m:r>
@@ -15296,495 +15272,14 @@
             </p:nvSpPr>
             <p:spPr>
               <a:xfrm>
-                <a:off x="17721" y="1307518"/>
-                <a:ext cx="9126279" cy="768608"/>
+                <a:off x="17721" y="1581150"/>
+                <a:ext cx="9126279" cy="788357"/>
               </a:xfrm>
               <a:prstGeom prst="rect">
                 <a:avLst/>
               </a:prstGeom>
               <a:blipFill>
                 <a:blip r:embed="rId2"/>
-                <a:stretch>
-                  <a:fillRect/>
-                </a:stretch>
-              </a:blipFill>
-            </p:spPr>
-            <p:txBody>
-              <a:bodyPr/>
-              <a:lstStyle/>
-              <a:p>
-                <a:r>
-                  <a:rPr lang="en-US">
-                    <a:noFill/>
-                  </a:rPr>
-                  <a:t> </a:t>
-                </a:r>
-              </a:p>
-            </p:txBody>
-          </p:sp>
-        </mc:Fallback>
-      </mc:AlternateContent>
-      <mc:AlternateContent xmlns:mc="http://schemas.openxmlformats.org/markup-compatibility/2006">
-        <mc:Choice xmlns:a14="http://schemas.microsoft.com/office/drawing/2010/main" Requires="a14">
-          <p:sp>
-            <p:nvSpPr>
-              <p:cNvPr id="4" name="TextBox 3">
-                <a:extLst>
-                  <a:ext uri="{FF2B5EF4-FFF2-40B4-BE49-F238E27FC236}">
-                    <a16:creationId xmlns:a16="http://schemas.microsoft.com/office/drawing/2014/main" id="{291E0543-47E8-4E3B-A54C-15FBE4BA1E0C}"/>
-                  </a:ext>
-                </a:extLst>
-              </p:cNvPr>
-              <p:cNvSpPr txBox="1"/>
-              <p:nvPr/>
-            </p:nvSpPr>
-            <p:spPr>
-              <a:xfrm>
-                <a:off x="17721" y="2589914"/>
-                <a:ext cx="9126279" cy="1094467"/>
-              </a:xfrm>
-              <a:prstGeom prst="rect">
-                <a:avLst/>
-              </a:prstGeom>
-              <a:noFill/>
-            </p:spPr>
-            <p:txBody>
-              <a:bodyPr wrap="square" rtlCol="0">
-                <a:spAutoFit/>
-              </a:bodyPr>
-              <a:lstStyle/>
-              <a:p>
-                <a:pPr/>
-                <a14:m>
-                  <m:oMathPara xmlns:m="http://schemas.openxmlformats.org/officeDocument/2006/math">
-                    <m:oMathParaPr>
-                      <m:jc m:val="centerGroup"/>
-                    </m:oMathParaPr>
-                    <m:oMath xmlns:m="http://schemas.openxmlformats.org/officeDocument/2006/math">
-                      <m:rad>
-                        <m:radPr>
-                          <m:ctrlPr>
-                            <a:rPr lang="en-US" sz="3200" i="1">
-                              <a:latin typeface="Cambria Math" panose="02040503050406030204" pitchFamily="18" charset="0"/>
-                            </a:rPr>
-                          </m:ctrlPr>
-                        </m:radPr>
-                        <m:deg>
-                          <m:r>
-                            <m:rPr>
-                              <m:brk m:alnAt="7"/>
-                            </m:rPr>
-                            <a:rPr lang="en-US" sz="3200" i="1">
-                              <a:latin typeface="Cambria Math" panose="02040503050406030204" pitchFamily="18" charset="0"/>
-                            </a:rPr>
-                            <m:t>𝑛</m:t>
-                          </m:r>
-                        </m:deg>
-                        <m:e>
-                          <m:limLow>
-                            <m:limLowPr>
-                              <m:ctrlPr>
-                                <a:rPr lang="pt-BR" sz="3200" i="1">
-                                  <a:latin typeface="Cambria Math" panose="02040503050406030204" pitchFamily="18" charset="0"/>
-                                </a:rPr>
-                              </m:ctrlPr>
-                            </m:limLowPr>
-                            <m:e>
-                              <m:r>
-                                <m:rPr>
-                                  <m:sty m:val="p"/>
-                                </m:rPr>
-                                <a:rPr lang="pt-BR" sz="3200">
-                                  <a:latin typeface="Cambria Math" panose="02040503050406030204" pitchFamily="18" charset="0"/>
-                                </a:rPr>
-                                <m:t>lim</m:t>
-                              </m:r>
-                            </m:e>
-                            <m:lim>
-                              <m:r>
-                                <a:rPr lang="en-US" sz="3200" i="1">
-                                  <a:latin typeface="Cambria Math" panose="02040503050406030204" pitchFamily="18" charset="0"/>
-                                  <a:ea typeface="Cambria Math" panose="02040503050406030204" pitchFamily="18" charset="0"/>
-                                </a:rPr>
-                                <m:t>𝑥</m:t>
-                              </m:r>
-                              <m:r>
-                                <a:rPr lang="pt-BR" sz="3200" i="1">
-                                  <a:latin typeface="Cambria Math" panose="02040503050406030204" pitchFamily="18" charset="0"/>
-                                </a:rPr>
-                                <m:t>→</m:t>
-                              </m:r>
-                              <m:r>
-                                <a:rPr lang="en-US" sz="3200" i="1">
-                                  <a:latin typeface="Cambria Math" panose="02040503050406030204" pitchFamily="18" charset="0"/>
-                                </a:rPr>
-                                <m:t>𝑎</m:t>
-                              </m:r>
-                            </m:lim>
-                          </m:limLow>
-                          <m:r>
-                            <a:rPr lang="en-US" sz="3200" i="1">
-                              <a:solidFill>
-                                <a:srgbClr val="00B050"/>
-                              </a:solidFill>
-                              <a:latin typeface="Cambria Math" panose="02040503050406030204" pitchFamily="18" charset="0"/>
-                            </a:rPr>
-                            <m:t>𝑔</m:t>
-                          </m:r>
-                          <m:d>
-                            <m:dPr>
-                              <m:ctrlPr>
-                                <a:rPr lang="en-US" sz="3200" i="1">
-                                  <a:solidFill>
-                                    <a:srgbClr val="00B050"/>
-                                  </a:solidFill>
-                                  <a:latin typeface="Cambria Math" panose="02040503050406030204" pitchFamily="18" charset="0"/>
-                                </a:rPr>
-                              </m:ctrlPr>
-                            </m:dPr>
-                            <m:e>
-                              <m:r>
-                                <a:rPr lang="en-US" sz="3200" i="1">
-                                  <a:solidFill>
-                                    <a:srgbClr val="FF0000"/>
-                                  </a:solidFill>
-                                  <a:latin typeface="Cambria Math" panose="02040503050406030204" pitchFamily="18" charset="0"/>
-                                </a:rPr>
-                                <m:t>𝑥</m:t>
-                              </m:r>
-                            </m:e>
-                          </m:d>
-                        </m:e>
-                      </m:rad>
-                      <m:r>
-                        <a:rPr lang="en-US" sz="3200" b="0" i="1" smtClean="0">
-                          <a:latin typeface="Cambria Math" panose="02040503050406030204" pitchFamily="18" charset="0"/>
-                        </a:rPr>
-                        <m:t>=</m:t>
-                      </m:r>
-                      <m:limLow>
-                        <m:limLowPr>
-                          <m:ctrlPr>
-                            <a:rPr lang="pt-BR" sz="3200" i="1">
-                              <a:latin typeface="Cambria Math" panose="02040503050406030204" pitchFamily="18" charset="0"/>
-                            </a:rPr>
-                          </m:ctrlPr>
-                        </m:limLowPr>
-                        <m:e>
-                          <m:r>
-                            <m:rPr>
-                              <m:sty m:val="p"/>
-                            </m:rPr>
-                            <a:rPr lang="pt-BR" sz="3200">
-                              <a:latin typeface="Cambria Math" panose="02040503050406030204" pitchFamily="18" charset="0"/>
-                            </a:rPr>
-                            <m:t>lim</m:t>
-                          </m:r>
-                        </m:e>
-                        <m:lim>
-                          <m:r>
-                            <a:rPr lang="en-US" sz="3200" i="1">
-                              <a:latin typeface="Cambria Math" panose="02040503050406030204" pitchFamily="18" charset="0"/>
-                              <a:ea typeface="Cambria Math" panose="02040503050406030204" pitchFamily="18" charset="0"/>
-                            </a:rPr>
-                            <m:t>𝑥</m:t>
-                          </m:r>
-                          <m:r>
-                            <a:rPr lang="pt-BR" sz="3200" i="1">
-                              <a:latin typeface="Cambria Math" panose="02040503050406030204" pitchFamily="18" charset="0"/>
-                            </a:rPr>
-                            <m:t>→</m:t>
-                          </m:r>
-                          <m:r>
-                            <a:rPr lang="en-US" sz="3200" i="1">
-                              <a:latin typeface="Cambria Math" panose="02040503050406030204" pitchFamily="18" charset="0"/>
-                            </a:rPr>
-                            <m:t>𝑎</m:t>
-                          </m:r>
-                        </m:lim>
-                      </m:limLow>
-                      <m:rad>
-                        <m:radPr>
-                          <m:ctrlPr>
-                            <a:rPr lang="en-US" sz="3200" i="1">
-                              <a:latin typeface="Cambria Math" panose="02040503050406030204" pitchFamily="18" charset="0"/>
-                            </a:rPr>
-                          </m:ctrlPr>
-                        </m:radPr>
-                        <m:deg>
-                          <m:r>
-                            <m:rPr>
-                              <m:brk m:alnAt="7"/>
-                            </m:rPr>
-                            <a:rPr lang="en-US" sz="3200" i="1">
-                              <a:latin typeface="Cambria Math" panose="02040503050406030204" pitchFamily="18" charset="0"/>
-                            </a:rPr>
-                            <m:t>𝑛</m:t>
-                          </m:r>
-                        </m:deg>
-                        <m:e>
-                          <m:r>
-                            <a:rPr lang="en-US" sz="3200" i="1">
-                              <a:latin typeface="Cambria Math" panose="02040503050406030204" pitchFamily="18" charset="0"/>
-                            </a:rPr>
-                            <m:t>𝑔</m:t>
-                          </m:r>
-                          <m:d>
-                            <m:dPr>
-                              <m:ctrlPr>
-                                <a:rPr lang="en-US" sz="3200" i="1">
-                                  <a:latin typeface="Cambria Math" panose="02040503050406030204" pitchFamily="18" charset="0"/>
-                                </a:rPr>
-                              </m:ctrlPr>
-                            </m:dPr>
-                            <m:e>
-                              <m:r>
-                                <a:rPr lang="en-US" sz="3200" i="1">
-                                  <a:latin typeface="Cambria Math" panose="02040503050406030204" pitchFamily="18" charset="0"/>
-                                </a:rPr>
-                                <m:t>𝑥</m:t>
-                              </m:r>
-                            </m:e>
-                          </m:d>
-                        </m:e>
-                      </m:rad>
-                    </m:oMath>
-                  </m:oMathPara>
-                </a14:m>
-                <a:endParaRPr lang="en-US" sz="3200" baseline="30000" dirty="0">
-                  <a:solidFill>
-                    <a:schemeClr val="tx1"/>
-                  </a:solidFill>
-                </a:endParaRPr>
-              </a:p>
-            </p:txBody>
-          </p:sp>
-        </mc:Choice>
-        <mc:Fallback>
-          <p:sp>
-            <p:nvSpPr>
-              <p:cNvPr id="4" name="TextBox 3">
-                <a:extLst>
-                  <a:ext uri="{FF2B5EF4-FFF2-40B4-BE49-F238E27FC236}">
-                    <a16:creationId xmlns:a16="http://schemas.microsoft.com/office/drawing/2014/main" id="{291E0543-47E8-4E3B-A54C-15FBE4BA1E0C}"/>
-                  </a:ext>
-                </a:extLst>
-              </p:cNvPr>
-              <p:cNvSpPr txBox="1">
-                <a:spLocks noRot="1" noChangeAspect="1" noMove="1" noResize="1" noEditPoints="1" noAdjustHandles="1" noChangeArrowheads="1" noChangeShapeType="1" noTextEdit="1"/>
-              </p:cNvSpPr>
-              <p:nvPr/>
-            </p:nvSpPr>
-            <p:spPr>
-              <a:xfrm>
-                <a:off x="17721" y="2589914"/>
-                <a:ext cx="9126279" cy="1094467"/>
-              </a:xfrm>
-              <a:prstGeom prst="rect">
-                <a:avLst/>
-              </a:prstGeom>
-              <a:blipFill>
-                <a:blip r:embed="rId3"/>
-                <a:stretch>
-                  <a:fillRect/>
-                </a:stretch>
-              </a:blipFill>
-            </p:spPr>
-            <p:txBody>
-              <a:bodyPr/>
-              <a:lstStyle/>
-              <a:p>
-                <a:r>
-                  <a:rPr lang="en-US">
-                    <a:noFill/>
-                  </a:rPr>
-                  <a:t> </a:t>
-                </a:r>
-              </a:p>
-            </p:txBody>
-          </p:sp>
-        </mc:Fallback>
-      </mc:AlternateContent>
-      <mc:AlternateContent xmlns:mc="http://schemas.openxmlformats.org/markup-compatibility/2006">
-        <mc:Choice xmlns:a14="http://schemas.microsoft.com/office/drawing/2010/main" Requires="a14">
-          <p:sp>
-            <p:nvSpPr>
-              <p:cNvPr id="5" name="TextBox 4">
-                <a:extLst>
-                  <a:ext uri="{FF2B5EF4-FFF2-40B4-BE49-F238E27FC236}">
-                    <a16:creationId xmlns:a16="http://schemas.microsoft.com/office/drawing/2014/main" id="{82AA45DD-274C-4C29-B100-0F75A6424EFD}"/>
-                  </a:ext>
-                </a:extLst>
-              </p:cNvPr>
-              <p:cNvSpPr txBox="1"/>
-              <p:nvPr/>
-            </p:nvSpPr>
-            <p:spPr>
-              <a:xfrm>
-                <a:off x="-152400" y="3943350"/>
-                <a:ext cx="9126279" cy="712887"/>
-              </a:xfrm>
-              <a:prstGeom prst="rect">
-                <a:avLst/>
-              </a:prstGeom>
-              <a:noFill/>
-            </p:spPr>
-            <p:txBody>
-              <a:bodyPr wrap="square" rtlCol="0">
-                <a:spAutoFit/>
-              </a:bodyPr>
-              <a:lstStyle/>
-              <a:p>
-                <a:pPr/>
-                <a14:m>
-                  <m:oMathPara xmlns:m="http://schemas.openxmlformats.org/officeDocument/2006/math">
-                    <m:oMathParaPr>
-                      <m:jc m:val="centerGroup"/>
-                    </m:oMathParaPr>
-                    <m:oMath xmlns:m="http://schemas.openxmlformats.org/officeDocument/2006/math">
-                      <m:r>
-                        <a:rPr lang="en-US" sz="3200" b="0" i="1" smtClean="0">
-                          <a:solidFill>
-                            <a:srgbClr val="C00000"/>
-                          </a:solidFill>
-                          <a:latin typeface="Cambria Math" panose="02040503050406030204" pitchFamily="18" charset="0"/>
-                        </a:rPr>
-                        <m:t>𝑓</m:t>
-                      </m:r>
-                      <m:d>
-                        <m:dPr>
-                          <m:ctrlPr>
-                            <a:rPr lang="en-US" sz="3200" b="0" i="1" smtClean="0">
-                              <a:solidFill>
-                                <a:srgbClr val="C00000"/>
-                              </a:solidFill>
-                              <a:latin typeface="Cambria Math" panose="02040503050406030204" pitchFamily="18" charset="0"/>
-                            </a:rPr>
-                          </m:ctrlPr>
-                        </m:dPr>
-                        <m:e>
-                          <m:r>
-                            <a:rPr lang="en-US" sz="3200" b="0" i="1" smtClean="0">
-                              <a:solidFill>
-                                <a:srgbClr val="00B050"/>
-                              </a:solidFill>
-                              <a:latin typeface="Cambria Math" panose="02040503050406030204" pitchFamily="18" charset="0"/>
-                            </a:rPr>
-                            <m:t>𝑔</m:t>
-                          </m:r>
-                          <m:d>
-                            <m:dPr>
-                              <m:ctrlPr>
-                                <a:rPr lang="en-US" sz="3200" b="0" i="1" smtClean="0">
-                                  <a:solidFill>
-                                    <a:srgbClr val="00B050"/>
-                                  </a:solidFill>
-                                  <a:latin typeface="Cambria Math" panose="02040503050406030204" pitchFamily="18" charset="0"/>
-                                </a:rPr>
-                              </m:ctrlPr>
-                            </m:dPr>
-                            <m:e>
-                              <m:r>
-                                <a:rPr lang="en-US" sz="3200" b="0" i="1" smtClean="0">
-                                  <a:solidFill>
-                                    <a:srgbClr val="FF0000"/>
-                                  </a:solidFill>
-                                  <a:latin typeface="Cambria Math" panose="02040503050406030204" pitchFamily="18" charset="0"/>
-                                </a:rPr>
-                                <m:t>𝑥</m:t>
-                              </m:r>
-                            </m:e>
-                          </m:d>
-                        </m:e>
-                      </m:d>
-                      <m:r>
-                        <a:rPr lang="en-US" sz="3200" b="0" i="1" smtClean="0">
-                          <a:latin typeface="Cambria Math" panose="02040503050406030204" pitchFamily="18" charset="0"/>
-                        </a:rPr>
-                        <m:t>=</m:t>
-                      </m:r>
-                      <m:rad>
-                        <m:radPr>
-                          <m:ctrlPr>
-                            <a:rPr lang="en-US" sz="3200" i="1">
-                              <a:latin typeface="Cambria Math" panose="02040503050406030204" pitchFamily="18" charset="0"/>
-                            </a:rPr>
-                          </m:ctrlPr>
-                        </m:radPr>
-                        <m:deg>
-                          <m:r>
-                            <m:rPr>
-                              <m:brk m:alnAt="7"/>
-                            </m:rPr>
-                            <a:rPr lang="en-US" sz="3200" i="1">
-                              <a:latin typeface="Cambria Math" panose="02040503050406030204" pitchFamily="18" charset="0"/>
-                            </a:rPr>
-                            <m:t>𝑛</m:t>
-                          </m:r>
-                        </m:deg>
-                        <m:e>
-                          <m:r>
-                            <a:rPr lang="en-US" sz="3200" i="1">
-                              <a:latin typeface="Cambria Math" panose="02040503050406030204" pitchFamily="18" charset="0"/>
-                            </a:rPr>
-                            <m:t>𝑔</m:t>
-                          </m:r>
-                          <m:d>
-                            <m:dPr>
-                              <m:ctrlPr>
-                                <a:rPr lang="en-US" sz="3200" i="1">
-                                  <a:latin typeface="Cambria Math" panose="02040503050406030204" pitchFamily="18" charset="0"/>
-                                </a:rPr>
-                              </m:ctrlPr>
-                            </m:dPr>
-                            <m:e>
-                              <m:r>
-                                <a:rPr lang="en-US" sz="3200" i="1">
-                                  <a:latin typeface="Cambria Math" panose="02040503050406030204" pitchFamily="18" charset="0"/>
-                                </a:rPr>
-                                <m:t>𝑥</m:t>
-                              </m:r>
-                            </m:e>
-                          </m:d>
-                        </m:e>
-                      </m:rad>
-                    </m:oMath>
-                  </m:oMathPara>
-                </a14:m>
-                <a:endParaRPr lang="en-US" sz="3200" baseline="30000" dirty="0">
-                  <a:solidFill>
-                    <a:schemeClr val="tx1"/>
-                  </a:solidFill>
-                </a:endParaRPr>
-              </a:p>
-            </p:txBody>
-          </p:sp>
-        </mc:Choice>
-        <mc:Fallback>
-          <p:sp>
-            <p:nvSpPr>
-              <p:cNvPr id="5" name="TextBox 4">
-                <a:extLst>
-                  <a:ext uri="{FF2B5EF4-FFF2-40B4-BE49-F238E27FC236}">
-                    <a16:creationId xmlns:a16="http://schemas.microsoft.com/office/drawing/2014/main" id="{82AA45DD-274C-4C29-B100-0F75A6424EFD}"/>
-                  </a:ext>
-                </a:extLst>
-              </p:cNvPr>
-              <p:cNvSpPr txBox="1">
-                <a:spLocks noRot="1" noChangeAspect="1" noMove="1" noResize="1" noEditPoints="1" noAdjustHandles="1" noChangeArrowheads="1" noChangeShapeType="1" noTextEdit="1"/>
-              </p:cNvSpPr>
-              <p:nvPr/>
-            </p:nvSpPr>
-            <p:spPr>
-              <a:xfrm>
-                <a:off x="-152400" y="3943350"/>
-                <a:ext cx="9126279" cy="712887"/>
-              </a:xfrm>
-              <a:prstGeom prst="rect">
-                <a:avLst/>
-              </a:prstGeom>
-              <a:blipFill>
-                <a:blip r:embed="rId4"/>
                 <a:stretch>
                   <a:fillRect/>
                 </a:stretch>
@@ -16015,7 +15510,7 @@
                           <m:r>
                             <a:rPr lang="en-US" sz="3200" i="1" smtClean="0">
                               <a:solidFill>
-                                <a:srgbClr val="FF0000"/>
+                                <a:schemeClr val="tx1"/>
                               </a:solidFill>
                               <a:latin typeface="Cambria Math" panose="02040503050406030204" pitchFamily="18" charset="0"/>
                             </a:rPr>
@@ -16074,21 +15569,18 @@
                         <m:t>,</m:t>
                       </m:r>
                       <m:r>
-                        <m:rPr>
-                          <m:sty m:val="p"/>
-                        </m:rPr>
-                        <a:rPr lang="en-US" sz="3200" b="0" i="0" smtClean="0">
+                        <a:rPr lang="en-US" sz="3200" b="0" i="1" smtClean="0">
                           <a:solidFill>
                             <a:schemeClr val="tx1"/>
                           </a:solidFill>
                           <a:latin typeface="Cambria Math" panose="02040503050406030204" pitchFamily="18" charset="0"/>
                         </a:rPr>
-                        <m:t>then</m:t>
+                        <m:t>𝑡h𝑒𝑛</m:t>
                       </m:r>
                     </m:oMath>
                   </m:oMathPara>
                 </a14:m>
-                <a:endParaRPr lang="en-US" sz="3200" baseline="30000" dirty="0">
+                <a:endParaRPr lang="en-US" sz="3200" i="1" baseline="30000" dirty="0">
                   <a:solidFill>
                     <a:schemeClr val="tx1"/>
                   </a:solidFill>
@@ -16116,6 +15608,586 @@
               <a:xfrm>
                 <a:off x="8860" y="279941"/>
                 <a:ext cx="9126279" cy="733342"/>
+              </a:xfrm>
+              <a:prstGeom prst="rect">
+                <a:avLst/>
+              </a:prstGeom>
+              <a:blipFill>
+                <a:blip r:embed="rId3"/>
+                <a:stretch>
+                  <a:fillRect/>
+                </a:stretch>
+              </a:blipFill>
+            </p:spPr>
+            <p:txBody>
+              <a:bodyPr/>
+              <a:lstStyle/>
+              <a:p>
+                <a:r>
+                  <a:rPr lang="en-US">
+                    <a:noFill/>
+                  </a:rPr>
+                  <a:t> </a:t>
+                </a:r>
+              </a:p>
+            </p:txBody>
+          </p:sp>
+        </mc:Fallback>
+      </mc:AlternateContent>
+      <mc:AlternateContent xmlns:mc="http://schemas.openxmlformats.org/markup-compatibility/2006">
+        <mc:Choice xmlns:a14="http://schemas.microsoft.com/office/drawing/2010/main" Requires="a14">
+          <p:sp>
+            <p:nvSpPr>
+              <p:cNvPr id="7" name="TextBox 6">
+                <a:extLst>
+                  <a:ext uri="{FF2B5EF4-FFF2-40B4-BE49-F238E27FC236}">
+                    <a16:creationId xmlns:a16="http://schemas.microsoft.com/office/drawing/2014/main" id="{26AD0200-A5F8-4ADE-B56E-06365B470693}"/>
+                  </a:ext>
+                </a:extLst>
+              </p:cNvPr>
+              <p:cNvSpPr txBox="1"/>
+              <p:nvPr/>
+            </p:nvSpPr>
+            <p:spPr>
+              <a:xfrm>
+                <a:off x="304800" y="3067375"/>
+                <a:ext cx="3425233" cy="982770"/>
+              </a:xfrm>
+              <a:prstGeom prst="rect">
+                <a:avLst/>
+              </a:prstGeom>
+              <a:noFill/>
+            </p:spPr>
+            <p:txBody>
+              <a:bodyPr wrap="none" lIns="0" tIns="0" rIns="0" bIns="0" rtlCol="0">
+                <a:spAutoFit/>
+              </a:bodyPr>
+              <a:lstStyle/>
+              <a:p>
+                <a:pPr>
+                  <a:lnSpc>
+                    <a:spcPct val="150000"/>
+                  </a:lnSpc>
+                </a:pPr>
+                <a14:m>
+                  <m:oMathPara xmlns:m="http://schemas.openxmlformats.org/officeDocument/2006/math">
+                    <m:oMathParaPr>
+                      <m:jc m:val="centerGroup"/>
+                    </m:oMathParaPr>
+                    <m:oMath xmlns:m="http://schemas.openxmlformats.org/officeDocument/2006/math">
+                      <m:r>
+                        <a:rPr lang="en-US" sz="2000" b="0" i="1" smtClean="0">
+                          <a:latin typeface="Cambria Math" panose="02040503050406030204" pitchFamily="18" charset="0"/>
+                        </a:rPr>
+                        <m:t>𝑖𝑓</m:t>
+                      </m:r>
+                      <m:r>
+                        <a:rPr lang="en-US" sz="2000" b="0" i="1" smtClean="0">
+                          <a:latin typeface="Cambria Math" panose="02040503050406030204" pitchFamily="18" charset="0"/>
+                        </a:rPr>
+                        <m:t> 0&lt;</m:t>
+                      </m:r>
+                      <m:d>
+                        <m:dPr>
+                          <m:begChr m:val="|"/>
+                          <m:endChr m:val="|"/>
+                          <m:ctrlPr>
+                            <a:rPr lang="en-US" sz="2000" b="0" i="1" smtClean="0">
+                              <a:latin typeface="Cambria Math" panose="02040503050406030204" pitchFamily="18" charset="0"/>
+                            </a:rPr>
+                          </m:ctrlPr>
+                        </m:dPr>
+                        <m:e>
+                          <m:r>
+                            <a:rPr lang="en-US" sz="2000" b="0" i="1" smtClean="0">
+                              <a:latin typeface="Cambria Math" panose="02040503050406030204" pitchFamily="18" charset="0"/>
+                            </a:rPr>
+                            <m:t>𝑥</m:t>
+                          </m:r>
+                          <m:r>
+                            <a:rPr lang="en-US" sz="2000" b="0" i="1" smtClean="0">
+                              <a:latin typeface="Cambria Math" panose="02040503050406030204" pitchFamily="18" charset="0"/>
+                            </a:rPr>
+                            <m:t>−</m:t>
+                          </m:r>
+                          <m:r>
+                            <a:rPr lang="en-US" sz="2000" b="0" i="1" smtClean="0">
+                              <a:latin typeface="Cambria Math" panose="02040503050406030204" pitchFamily="18" charset="0"/>
+                            </a:rPr>
+                            <m:t>𝑎</m:t>
+                          </m:r>
+                        </m:e>
+                      </m:d>
+                      <m:r>
+                        <a:rPr lang="en-US" sz="2000" b="0" i="1" smtClean="0">
+                          <a:latin typeface="Cambria Math" panose="02040503050406030204" pitchFamily="18" charset="0"/>
+                        </a:rPr>
+                        <m:t>&lt;</m:t>
+                      </m:r>
+                      <m:r>
+                        <a:rPr lang="en-US" sz="2000" i="1">
+                          <a:latin typeface="Cambria Math" panose="02040503050406030204" pitchFamily="18" charset="0"/>
+                          <a:ea typeface="Cambria Math" panose="02040503050406030204" pitchFamily="18" charset="0"/>
+                        </a:rPr>
+                        <m:t>𝛿</m:t>
+                      </m:r>
+                    </m:oMath>
+                  </m:oMathPara>
+                </a14:m>
+                <a:endParaRPr lang="en-US" sz="2000" b="0" i="1" dirty="0">
+                  <a:latin typeface="Cambria Math" panose="02040503050406030204" pitchFamily="18" charset="0"/>
+                  <a:ea typeface="Cambria Math" panose="02040503050406030204" pitchFamily="18" charset="0"/>
+                </a:endParaRPr>
+              </a:p>
+              <a:p>
+                <a:pPr>
+                  <a:lnSpc>
+                    <a:spcPct val="150000"/>
+                  </a:lnSpc>
+                </a:pPr>
+                <a14:m>
+                  <m:oMathPara xmlns:m="http://schemas.openxmlformats.org/officeDocument/2006/math">
+                    <m:oMathParaPr>
+                      <m:jc m:val="centerGroup"/>
+                    </m:oMathParaPr>
+                    <m:oMath xmlns:m="http://schemas.openxmlformats.org/officeDocument/2006/math">
+                      <m:r>
+                        <a:rPr lang="en-US" sz="2000" b="0" i="1" smtClean="0">
+                          <a:latin typeface="Cambria Math" panose="02040503050406030204" pitchFamily="18" charset="0"/>
+                        </a:rPr>
+                        <m:t>𝑡h𝑒𝑛</m:t>
+                      </m:r>
+                      <m:r>
+                        <a:rPr lang="en-US" sz="2000" b="0" i="1" smtClean="0">
+                          <a:latin typeface="Cambria Math" panose="02040503050406030204" pitchFamily="18" charset="0"/>
+                        </a:rPr>
+                        <m:t> 0&lt;</m:t>
+                      </m:r>
+                      <m:d>
+                        <m:dPr>
+                          <m:begChr m:val="|"/>
+                          <m:endChr m:val="|"/>
+                          <m:ctrlPr>
+                            <a:rPr lang="en-US" sz="2000" b="0" i="1" smtClean="0">
+                              <a:latin typeface="Cambria Math" panose="02040503050406030204" pitchFamily="18" charset="0"/>
+                            </a:rPr>
+                          </m:ctrlPr>
+                        </m:dPr>
+                        <m:e>
+                          <m:r>
+                            <a:rPr lang="en-US" sz="2000" i="1">
+                              <a:solidFill>
+                                <a:srgbClr val="C00000"/>
+                              </a:solidFill>
+                              <a:latin typeface="Cambria Math" panose="02040503050406030204" pitchFamily="18" charset="0"/>
+                            </a:rPr>
+                            <m:t>𝑓</m:t>
+                          </m:r>
+                          <m:d>
+                            <m:dPr>
+                              <m:ctrlPr>
+                                <a:rPr lang="en-US" sz="2000" i="1">
+                                  <a:solidFill>
+                                    <a:srgbClr val="C00000"/>
+                                  </a:solidFill>
+                                  <a:latin typeface="Cambria Math" panose="02040503050406030204" pitchFamily="18" charset="0"/>
+                                </a:rPr>
+                              </m:ctrlPr>
+                            </m:dPr>
+                            <m:e>
+                              <m:r>
+                                <a:rPr lang="en-US" sz="2000" i="1">
+                                  <a:solidFill>
+                                    <a:srgbClr val="00B050"/>
+                                  </a:solidFill>
+                                  <a:latin typeface="Cambria Math" panose="02040503050406030204" pitchFamily="18" charset="0"/>
+                                </a:rPr>
+                                <m:t>𝑔</m:t>
+                              </m:r>
+                              <m:d>
+                                <m:dPr>
+                                  <m:ctrlPr>
+                                    <a:rPr lang="en-US" sz="2000" i="1">
+                                      <a:solidFill>
+                                        <a:srgbClr val="00B050"/>
+                                      </a:solidFill>
+                                      <a:latin typeface="Cambria Math" panose="02040503050406030204" pitchFamily="18" charset="0"/>
+                                    </a:rPr>
+                                  </m:ctrlPr>
+                                </m:dPr>
+                                <m:e>
+                                  <m:r>
+                                    <a:rPr lang="en-US" sz="2000" i="1" smtClean="0">
+                                      <a:solidFill>
+                                        <a:schemeClr val="tx1"/>
+                                      </a:solidFill>
+                                      <a:latin typeface="Cambria Math" panose="02040503050406030204" pitchFamily="18" charset="0"/>
+                                    </a:rPr>
+                                    <m:t>𝑥</m:t>
+                                  </m:r>
+                                </m:e>
+                              </m:d>
+                            </m:e>
+                          </m:d>
+                          <m:r>
+                            <a:rPr lang="en-US" sz="2000" b="0" i="1" smtClean="0">
+                              <a:latin typeface="Cambria Math" panose="02040503050406030204" pitchFamily="18" charset="0"/>
+                            </a:rPr>
+                            <m:t>−</m:t>
+                          </m:r>
+                          <m:r>
+                            <a:rPr lang="en-US" sz="2000" i="1">
+                              <a:solidFill>
+                                <a:srgbClr val="C00000"/>
+                              </a:solidFill>
+                              <a:latin typeface="Cambria Math" panose="02040503050406030204" pitchFamily="18" charset="0"/>
+                            </a:rPr>
+                            <m:t>𝑓</m:t>
+                          </m:r>
+                          <m:d>
+                            <m:dPr>
+                              <m:ctrlPr>
+                                <a:rPr lang="en-US" sz="2000" i="1">
+                                  <a:solidFill>
+                                    <a:srgbClr val="C00000"/>
+                                  </a:solidFill>
+                                  <a:latin typeface="Cambria Math" panose="02040503050406030204" pitchFamily="18" charset="0"/>
+                                </a:rPr>
+                              </m:ctrlPr>
+                            </m:dPr>
+                            <m:e>
+                              <m:r>
+                                <a:rPr lang="en-US" sz="2000" i="1">
+                                  <a:latin typeface="Cambria Math" panose="02040503050406030204" pitchFamily="18" charset="0"/>
+                                </a:rPr>
+                                <m:t>𝑏</m:t>
+                              </m:r>
+                            </m:e>
+                          </m:d>
+                        </m:e>
+                      </m:d>
+                      <m:r>
+                        <a:rPr lang="en-US" sz="2000" b="0" i="1" smtClean="0">
+                          <a:latin typeface="Cambria Math" panose="02040503050406030204" pitchFamily="18" charset="0"/>
+                        </a:rPr>
+                        <m:t>&lt;</m:t>
+                      </m:r>
+                      <m:r>
+                        <a:rPr lang="en-US" sz="2000" i="1">
+                          <a:latin typeface="Cambria Math" panose="02040503050406030204" pitchFamily="18" charset="0"/>
+                          <a:ea typeface="Cambria Math" panose="02040503050406030204" pitchFamily="18" charset="0"/>
+                        </a:rPr>
+                        <m:t>𝜀</m:t>
+                      </m:r>
+                    </m:oMath>
+                  </m:oMathPara>
+                </a14:m>
+                <a:endParaRPr lang="en-US" sz="2000" baseline="-25000" dirty="0"/>
+              </a:p>
+            </p:txBody>
+          </p:sp>
+        </mc:Choice>
+        <mc:Fallback>
+          <p:sp>
+            <p:nvSpPr>
+              <p:cNvPr id="7" name="TextBox 6">
+                <a:extLst>
+                  <a:ext uri="{FF2B5EF4-FFF2-40B4-BE49-F238E27FC236}">
+                    <a16:creationId xmlns:a16="http://schemas.microsoft.com/office/drawing/2014/main" id="{26AD0200-A5F8-4ADE-B56E-06365B470693}"/>
+                  </a:ext>
+                </a:extLst>
+              </p:cNvPr>
+              <p:cNvSpPr txBox="1">
+                <a:spLocks noRot="1" noChangeAspect="1" noMove="1" noResize="1" noEditPoints="1" noAdjustHandles="1" noChangeArrowheads="1" noChangeShapeType="1" noTextEdit="1"/>
+              </p:cNvSpPr>
+              <p:nvPr/>
+            </p:nvSpPr>
+            <p:spPr>
+              <a:xfrm>
+                <a:off x="304800" y="3067375"/>
+                <a:ext cx="3425233" cy="982770"/>
+              </a:xfrm>
+              <a:prstGeom prst="rect">
+                <a:avLst/>
+              </a:prstGeom>
+              <a:blipFill>
+                <a:blip r:embed="rId4"/>
+                <a:stretch>
+                  <a:fillRect/>
+                </a:stretch>
+              </a:blipFill>
+            </p:spPr>
+            <p:txBody>
+              <a:bodyPr/>
+              <a:lstStyle/>
+              <a:p>
+                <a:r>
+                  <a:rPr lang="en-US">
+                    <a:noFill/>
+                  </a:rPr>
+                  <a:t> </a:t>
+                </a:r>
+              </a:p>
+            </p:txBody>
+          </p:sp>
+        </mc:Fallback>
+      </mc:AlternateContent>
+      <mc:AlternateContent xmlns:mc="http://schemas.openxmlformats.org/markup-compatibility/2006">
+        <mc:Choice xmlns:a14="http://schemas.microsoft.com/office/drawing/2010/main" Requires="a14">
+          <p:sp>
+            <p:nvSpPr>
+              <p:cNvPr id="8" name="TextBox 7">
+                <a:extLst>
+                  <a:ext uri="{FF2B5EF4-FFF2-40B4-BE49-F238E27FC236}">
+                    <a16:creationId xmlns:a16="http://schemas.microsoft.com/office/drawing/2014/main" id="{756FBDC0-5797-4544-A181-7877B1DF0238}"/>
+                  </a:ext>
+                </a:extLst>
+              </p:cNvPr>
+              <p:cNvSpPr txBox="1"/>
+              <p:nvPr/>
+            </p:nvSpPr>
+            <p:spPr>
+              <a:xfrm>
+                <a:off x="4046221" y="3067375"/>
+                <a:ext cx="4249433" cy="1277786"/>
+              </a:xfrm>
+              <a:prstGeom prst="rect">
+                <a:avLst/>
+              </a:prstGeom>
+              <a:noFill/>
+            </p:spPr>
+            <p:txBody>
+              <a:bodyPr wrap="none" lIns="0" tIns="0" rIns="0" bIns="0" rtlCol="0">
+                <a:spAutoFit/>
+              </a:bodyPr>
+              <a:lstStyle/>
+              <a:p>
+                <a:pPr>
+                  <a:lnSpc>
+                    <a:spcPct val="150000"/>
+                  </a:lnSpc>
+                </a:pPr>
+                <a14:m>
+                  <m:oMathPara xmlns:m="http://schemas.openxmlformats.org/officeDocument/2006/math">
+                    <m:oMathParaPr>
+                      <m:jc m:val="centerGroup"/>
+                    </m:oMathParaPr>
+                    <m:oMath xmlns:m="http://schemas.openxmlformats.org/officeDocument/2006/math">
+                      <m:r>
+                        <a:rPr lang="en-US" sz="2800" b="0" i="1" smtClean="0">
+                          <a:latin typeface="Cambria Math" panose="02040503050406030204" pitchFamily="18" charset="0"/>
+                        </a:rPr>
+                        <m:t>𝑖𝑓</m:t>
+                      </m:r>
+                      <m:r>
+                        <a:rPr lang="en-US" sz="2800" b="0" i="1" smtClean="0">
+                          <a:latin typeface="Cambria Math" panose="02040503050406030204" pitchFamily="18" charset="0"/>
+                        </a:rPr>
+                        <m:t> 0&lt;</m:t>
+                      </m:r>
+                      <m:d>
+                        <m:dPr>
+                          <m:begChr m:val="|"/>
+                          <m:endChr m:val="|"/>
+                          <m:ctrlPr>
+                            <a:rPr lang="en-US" sz="2800" b="0" i="1" smtClean="0">
+                              <a:latin typeface="Cambria Math" panose="02040503050406030204" pitchFamily="18" charset="0"/>
+                            </a:rPr>
+                          </m:ctrlPr>
+                        </m:dPr>
+                        <m:e>
+                          <m:r>
+                            <a:rPr lang="en-US" sz="2800" b="0" i="1" smtClean="0">
+                              <a:latin typeface="Cambria Math" panose="02040503050406030204" pitchFamily="18" charset="0"/>
+                            </a:rPr>
+                            <m:t>𝑦</m:t>
+                          </m:r>
+                          <m:r>
+                            <a:rPr lang="en-US" sz="2800" b="0" i="1" smtClean="0">
+                              <a:latin typeface="Cambria Math" panose="02040503050406030204" pitchFamily="18" charset="0"/>
+                            </a:rPr>
+                            <m:t>−</m:t>
+                          </m:r>
+                          <m:r>
+                            <a:rPr lang="en-US" sz="2800" b="0" i="1" smtClean="0">
+                              <a:latin typeface="Cambria Math" panose="02040503050406030204" pitchFamily="18" charset="0"/>
+                            </a:rPr>
+                            <m:t>𝑏</m:t>
+                          </m:r>
+                        </m:e>
+                      </m:d>
+                      <m:r>
+                        <a:rPr lang="en-US" sz="2800" b="0" i="1" smtClean="0">
+                          <a:latin typeface="Cambria Math" panose="02040503050406030204" pitchFamily="18" charset="0"/>
+                        </a:rPr>
+                        <m:t>&lt;</m:t>
+                      </m:r>
+                      <m:r>
+                        <a:rPr lang="en-US" sz="2800" i="1">
+                          <a:latin typeface="Cambria Math" panose="02040503050406030204" pitchFamily="18" charset="0"/>
+                          <a:ea typeface="Cambria Math" panose="02040503050406030204" pitchFamily="18" charset="0"/>
+                        </a:rPr>
+                        <m:t>𝛿</m:t>
+                      </m:r>
+                      <m:r>
+                        <a:rPr lang="en-US" sz="2800" b="0" i="1" baseline="-25000" smtClean="0">
+                          <a:latin typeface="Cambria Math" panose="02040503050406030204" pitchFamily="18" charset="0"/>
+                          <a:ea typeface="Cambria Math" panose="02040503050406030204" pitchFamily="18" charset="0"/>
+                        </a:rPr>
+                        <m:t>1</m:t>
+                      </m:r>
+                    </m:oMath>
+                  </m:oMathPara>
+                </a14:m>
+                <a:endParaRPr lang="en-US" sz="2800" b="0" i="1" baseline="-25000" dirty="0">
+                  <a:latin typeface="Cambria Math" panose="02040503050406030204" pitchFamily="18" charset="0"/>
+                  <a:ea typeface="Cambria Math" panose="02040503050406030204" pitchFamily="18" charset="0"/>
+                </a:endParaRPr>
+              </a:p>
+              <a:p>
+                <a:pPr>
+                  <a:lnSpc>
+                    <a:spcPct val="150000"/>
+                  </a:lnSpc>
+                </a:pPr>
+                <a14:m>
+                  <m:oMathPara xmlns:m="http://schemas.openxmlformats.org/officeDocument/2006/math">
+                    <m:oMathParaPr>
+                      <m:jc m:val="centerGroup"/>
+                    </m:oMathParaPr>
+                    <m:oMath xmlns:m="http://schemas.openxmlformats.org/officeDocument/2006/math">
+                      <m:r>
+                        <a:rPr lang="en-US" sz="2800" b="0" i="1" smtClean="0">
+                          <a:latin typeface="Cambria Math" panose="02040503050406030204" pitchFamily="18" charset="0"/>
+                        </a:rPr>
+                        <m:t>𝑡h𝑒𝑛</m:t>
+                      </m:r>
+                      <m:r>
+                        <a:rPr lang="en-US" sz="2800" b="0" i="1" smtClean="0">
+                          <a:latin typeface="Cambria Math" panose="02040503050406030204" pitchFamily="18" charset="0"/>
+                        </a:rPr>
+                        <m:t> 0&lt;</m:t>
+                      </m:r>
+                      <m:d>
+                        <m:dPr>
+                          <m:begChr m:val="|"/>
+                          <m:endChr m:val="|"/>
+                          <m:ctrlPr>
+                            <a:rPr lang="en-US" sz="2800" b="0" i="1" smtClean="0">
+                              <a:latin typeface="Cambria Math" panose="02040503050406030204" pitchFamily="18" charset="0"/>
+                            </a:rPr>
+                          </m:ctrlPr>
+                        </m:dPr>
+                        <m:e>
+                          <m:r>
+                            <a:rPr lang="en-US" sz="2800" i="1">
+                              <a:solidFill>
+                                <a:srgbClr val="C00000"/>
+                              </a:solidFill>
+                              <a:latin typeface="Cambria Math" panose="02040503050406030204" pitchFamily="18" charset="0"/>
+                            </a:rPr>
+                            <m:t>𝑓</m:t>
+                          </m:r>
+                          <m:d>
+                            <m:dPr>
+                              <m:ctrlPr>
+                                <a:rPr lang="en-US" sz="2800" i="1">
+                                  <a:solidFill>
+                                    <a:srgbClr val="C00000"/>
+                                  </a:solidFill>
+                                  <a:latin typeface="Cambria Math" panose="02040503050406030204" pitchFamily="18" charset="0"/>
+                                </a:rPr>
+                              </m:ctrlPr>
+                            </m:dPr>
+                            <m:e>
+                              <m:r>
+                                <a:rPr lang="en-US" sz="2800" b="0" i="1" smtClean="0">
+                                  <a:solidFill>
+                                    <a:schemeClr val="tx1"/>
+                                  </a:solidFill>
+                                  <a:latin typeface="Cambria Math" panose="02040503050406030204" pitchFamily="18" charset="0"/>
+                                </a:rPr>
+                                <m:t>𝑦</m:t>
+                              </m:r>
+                            </m:e>
+                          </m:d>
+                          <m:r>
+                            <a:rPr lang="en-US" sz="2800" b="0" i="1" smtClean="0">
+                              <a:latin typeface="Cambria Math" panose="02040503050406030204" pitchFamily="18" charset="0"/>
+                            </a:rPr>
+                            <m:t>−</m:t>
+                          </m:r>
+                          <m:r>
+                            <a:rPr lang="en-US" sz="2800" i="1">
+                              <a:solidFill>
+                                <a:srgbClr val="C00000"/>
+                              </a:solidFill>
+                              <a:latin typeface="Cambria Math" panose="02040503050406030204" pitchFamily="18" charset="0"/>
+                            </a:rPr>
+                            <m:t>𝑓</m:t>
+                          </m:r>
+                          <m:d>
+                            <m:dPr>
+                              <m:ctrlPr>
+                                <a:rPr lang="en-US" sz="2800" i="1">
+                                  <a:solidFill>
+                                    <a:srgbClr val="C00000"/>
+                                  </a:solidFill>
+                                  <a:latin typeface="Cambria Math" panose="02040503050406030204" pitchFamily="18" charset="0"/>
+                                </a:rPr>
+                              </m:ctrlPr>
+                            </m:dPr>
+                            <m:e>
+                              <m:r>
+                                <a:rPr lang="en-US" sz="2800" i="1">
+                                  <a:latin typeface="Cambria Math" panose="02040503050406030204" pitchFamily="18" charset="0"/>
+                                </a:rPr>
+                                <m:t>𝑏</m:t>
+                              </m:r>
+                            </m:e>
+                          </m:d>
+                        </m:e>
+                      </m:d>
+                      <m:r>
+                        <a:rPr lang="en-US" sz="2800" b="0" i="1" smtClean="0">
+                          <a:latin typeface="Cambria Math" panose="02040503050406030204" pitchFamily="18" charset="0"/>
+                        </a:rPr>
+                        <m:t>&lt;</m:t>
+                      </m:r>
+                      <m:r>
+                        <a:rPr lang="en-US" sz="2800" i="1">
+                          <a:latin typeface="Cambria Math" panose="02040503050406030204" pitchFamily="18" charset="0"/>
+                          <a:ea typeface="Cambria Math" panose="02040503050406030204" pitchFamily="18" charset="0"/>
+                        </a:rPr>
+                        <m:t>𝜀</m:t>
+                      </m:r>
+                    </m:oMath>
+                  </m:oMathPara>
+                </a14:m>
+                <a:endParaRPr lang="en-US" sz="2800" baseline="-25000" dirty="0"/>
+              </a:p>
+            </p:txBody>
+          </p:sp>
+        </mc:Choice>
+        <mc:Fallback>
+          <p:sp>
+            <p:nvSpPr>
+              <p:cNvPr id="8" name="TextBox 7">
+                <a:extLst>
+                  <a:ext uri="{FF2B5EF4-FFF2-40B4-BE49-F238E27FC236}">
+                    <a16:creationId xmlns:a16="http://schemas.microsoft.com/office/drawing/2014/main" id="{756FBDC0-5797-4544-A181-7877B1DF0238}"/>
+                  </a:ext>
+                </a:extLst>
+              </p:cNvPr>
+              <p:cNvSpPr txBox="1">
+                <a:spLocks noRot="1" noChangeAspect="1" noMove="1" noResize="1" noEditPoints="1" noAdjustHandles="1" noChangeArrowheads="1" noChangeShapeType="1" noTextEdit="1"/>
+              </p:cNvSpPr>
+              <p:nvPr/>
+            </p:nvSpPr>
+            <p:spPr>
+              <a:xfrm>
+                <a:off x="4046221" y="3067375"/>
+                <a:ext cx="4249433" cy="1277786"/>
               </a:xfrm>
               <a:prstGeom prst="rect">
                 <a:avLst/>

--- a/calculus/limits/limit.pptx
+++ b/calculus/limits/limit.pptx
@@ -15113,7 +15113,7 @@
             <p:spPr>
               <a:xfrm>
                 <a:off x="17721" y="1581150"/>
-                <a:ext cx="9126279" cy="788357"/>
+                <a:ext cx="4554279" cy="788357"/>
               </a:xfrm>
               <a:prstGeom prst="rect">
                 <a:avLst/>
@@ -15273,7 +15273,7 @@
             <p:spPr>
               <a:xfrm>
                 <a:off x="17721" y="1581150"/>
-                <a:ext cx="9126279" cy="788357"/>
+                <a:ext cx="4554279" cy="788357"/>
               </a:xfrm>
               <a:prstGeom prst="rect">
                 <a:avLst/>
@@ -15650,8 +15650,8 @@
             </p:nvSpPr>
             <p:spPr>
               <a:xfrm>
-                <a:off x="304800" y="3067375"/>
-                <a:ext cx="3425233" cy="982770"/>
+                <a:off x="820389" y="3257550"/>
+                <a:ext cx="3907415" cy="1277786"/>
               </a:xfrm>
               <a:prstGeom prst="rect">
                 <a:avLst/>
@@ -15676,13 +15676,13 @@
                     </m:oMathParaPr>
                     <m:oMath xmlns:m="http://schemas.openxmlformats.org/officeDocument/2006/math">
                       <m:r>
-                        <a:rPr lang="en-US" sz="2000" b="0" i="1" smtClean="0">
+                        <a:rPr lang="en-US" sz="2800" b="0" i="1" smtClean="0">
                           <a:latin typeface="Cambria Math" panose="02040503050406030204" pitchFamily="18" charset="0"/>
                         </a:rPr>
                         <m:t>𝑖𝑓</m:t>
                       </m:r>
                       <m:r>
-                        <a:rPr lang="en-US" sz="2000" b="0" i="1" smtClean="0">
+                        <a:rPr lang="en-US" sz="2800" b="0" i="1" smtClean="0">
                           <a:latin typeface="Cambria Math" panose="02040503050406030204" pitchFamily="18" charset="0"/>
                         </a:rPr>
                         <m:t> 0&lt;</m:t>
@@ -15692,26 +15692,26 @@
                           <m:begChr m:val="|"/>
                           <m:endChr m:val="|"/>
                           <m:ctrlPr>
-                            <a:rPr lang="en-US" sz="2000" b="0" i="1" smtClean="0">
+                            <a:rPr lang="en-US" sz="2800" b="0" i="1" smtClean="0">
                               <a:latin typeface="Cambria Math" panose="02040503050406030204" pitchFamily="18" charset="0"/>
                             </a:rPr>
                           </m:ctrlPr>
                         </m:dPr>
                         <m:e>
                           <m:r>
-                            <a:rPr lang="en-US" sz="2000" b="0" i="1" smtClean="0">
+                            <a:rPr lang="en-US" sz="2800" b="0" i="1" smtClean="0">
                               <a:latin typeface="Cambria Math" panose="02040503050406030204" pitchFamily="18" charset="0"/>
                             </a:rPr>
                             <m:t>𝑥</m:t>
                           </m:r>
                           <m:r>
-                            <a:rPr lang="en-US" sz="2000" b="0" i="1" smtClean="0">
+                            <a:rPr lang="en-US" sz="2800" b="0" i="1" smtClean="0">
                               <a:latin typeface="Cambria Math" panose="02040503050406030204" pitchFamily="18" charset="0"/>
                             </a:rPr>
                             <m:t>−</m:t>
                           </m:r>
                           <m:r>
-                            <a:rPr lang="en-US" sz="2000" b="0" i="1" smtClean="0">
+                            <a:rPr lang="en-US" sz="2800" b="0" i="1" smtClean="0">
                               <a:latin typeface="Cambria Math" panose="02040503050406030204" pitchFamily="18" charset="0"/>
                             </a:rPr>
                             <m:t>𝑎</m:t>
@@ -15719,13 +15719,13 @@
                         </m:e>
                       </m:d>
                       <m:r>
-                        <a:rPr lang="en-US" sz="2000" b="0" i="1" smtClean="0">
+                        <a:rPr lang="en-US" sz="2800" b="0" i="1" smtClean="0">
                           <a:latin typeface="Cambria Math" panose="02040503050406030204" pitchFamily="18" charset="0"/>
                         </a:rPr>
                         <m:t>&lt;</m:t>
                       </m:r>
                       <m:r>
-                        <a:rPr lang="en-US" sz="2000" i="1">
+                        <a:rPr lang="en-US" sz="2800" i="1">
                           <a:latin typeface="Cambria Math" panose="02040503050406030204" pitchFamily="18" charset="0"/>
                           <a:ea typeface="Cambria Math" panose="02040503050406030204" pitchFamily="18" charset="0"/>
                         </a:rPr>
@@ -15734,7 +15734,7 @@
                     </m:oMath>
                   </m:oMathPara>
                 </a14:m>
-                <a:endParaRPr lang="en-US" sz="2000" b="0" i="1" dirty="0">
+                <a:endParaRPr lang="en-US" sz="2800" b="0" i="1" dirty="0">
                   <a:latin typeface="Cambria Math" panose="02040503050406030204" pitchFamily="18" charset="0"/>
                   <a:ea typeface="Cambria Math" panose="02040503050406030204" pitchFamily="18" charset="0"/>
                 </a:endParaRPr>
@@ -15752,13 +15752,13 @@
                     </m:oMathParaPr>
                     <m:oMath xmlns:m="http://schemas.openxmlformats.org/officeDocument/2006/math">
                       <m:r>
-                        <a:rPr lang="en-US" sz="2000" b="0" i="1" smtClean="0">
+                        <a:rPr lang="en-US" sz="2800" b="0" i="1" smtClean="0">
                           <a:latin typeface="Cambria Math" panose="02040503050406030204" pitchFamily="18" charset="0"/>
                         </a:rPr>
                         <m:t>𝑡h𝑒𝑛</m:t>
                       </m:r>
                       <m:r>
-                        <a:rPr lang="en-US" sz="2000" b="0" i="1" smtClean="0">
+                        <a:rPr lang="en-US" sz="2800" b="0" i="1" smtClean="0">
                           <a:latin typeface="Cambria Math" panose="02040503050406030204" pitchFamily="18" charset="0"/>
                         </a:rPr>
                         <m:t> 0&lt;</m:t>
@@ -15768,27 +15768,27 @@
                           <m:begChr m:val="|"/>
                           <m:endChr m:val="|"/>
                           <m:ctrlPr>
-                            <a:rPr lang="en-US" sz="2000" b="0" i="1" smtClean="0">
+                            <a:rPr lang="en-US" sz="2800" b="0" i="1" smtClean="0">
                               <a:latin typeface="Cambria Math" panose="02040503050406030204" pitchFamily="18" charset="0"/>
                             </a:rPr>
                           </m:ctrlPr>
                         </m:dPr>
                         <m:e>
                           <m:r>
-                            <a:rPr lang="en-US" sz="2000" i="1">
+                            <a:rPr lang="en-US" sz="2800" i="1">
                               <a:solidFill>
-                                <a:srgbClr val="C00000"/>
+                                <a:srgbClr val="00B050"/>
                               </a:solidFill>
                               <a:latin typeface="Cambria Math" panose="02040503050406030204" pitchFamily="18" charset="0"/>
                             </a:rPr>
-                            <m:t>𝑓</m:t>
+                            <m:t>𝑔</m:t>
                           </m:r>
                           <m:d>
                             <m:dPr>
                               <m:ctrlPr>
-                                <a:rPr lang="en-US" sz="2000" i="1">
+                                <a:rPr lang="en-US" sz="2800" i="1">
                                   <a:solidFill>
-                                    <a:srgbClr val="C00000"/>
+                                    <a:srgbClr val="00B050"/>
                                   </a:solidFill>
                                   <a:latin typeface="Cambria Math" panose="02040503050406030204" pitchFamily="18" charset="0"/>
                                 </a:rPr>
@@ -15796,93 +15796,54 @@
                             </m:dPr>
                             <m:e>
                               <m:r>
-                                <a:rPr lang="en-US" sz="2000" i="1">
-                                  <a:solidFill>
-                                    <a:srgbClr val="00B050"/>
-                                  </a:solidFill>
-                                  <a:latin typeface="Cambria Math" panose="02040503050406030204" pitchFamily="18" charset="0"/>
-                                </a:rPr>
-                                <m:t>𝑔</m:t>
-                              </m:r>
-                              <m:d>
-                                <m:dPr>
-                                  <m:ctrlPr>
-                                    <a:rPr lang="en-US" sz="2000" i="1">
-                                      <a:solidFill>
-                                        <a:srgbClr val="00B050"/>
-                                      </a:solidFill>
-                                      <a:latin typeface="Cambria Math" panose="02040503050406030204" pitchFamily="18" charset="0"/>
-                                    </a:rPr>
-                                  </m:ctrlPr>
-                                </m:dPr>
-                                <m:e>
-                                  <m:r>
-                                    <a:rPr lang="en-US" sz="2000" i="1" smtClean="0">
-                                      <a:solidFill>
-                                        <a:schemeClr val="tx1"/>
-                                      </a:solidFill>
-                                      <a:latin typeface="Cambria Math" panose="02040503050406030204" pitchFamily="18" charset="0"/>
-                                    </a:rPr>
-                                    <m:t>𝑥</m:t>
-                                  </m:r>
-                                </m:e>
-                              </m:d>
-                            </m:e>
-                          </m:d>
-                          <m:r>
-                            <a:rPr lang="en-US" sz="2000" b="0" i="1" smtClean="0">
-                              <a:latin typeface="Cambria Math" panose="02040503050406030204" pitchFamily="18" charset="0"/>
-                            </a:rPr>
-                            <m:t>−</m:t>
-                          </m:r>
-                          <m:r>
-                            <a:rPr lang="en-US" sz="2000" i="1">
-                              <a:solidFill>
-                                <a:srgbClr val="C00000"/>
-                              </a:solidFill>
-                              <a:latin typeface="Cambria Math" panose="02040503050406030204" pitchFamily="18" charset="0"/>
-                            </a:rPr>
-                            <m:t>𝑓</m:t>
-                          </m:r>
-                          <m:d>
-                            <m:dPr>
-                              <m:ctrlPr>
-                                <a:rPr lang="en-US" sz="2000" i="1">
-                                  <a:solidFill>
-                                    <a:srgbClr val="C00000"/>
-                                  </a:solidFill>
-                                  <a:latin typeface="Cambria Math" panose="02040503050406030204" pitchFamily="18" charset="0"/>
-                                </a:rPr>
-                              </m:ctrlPr>
-                            </m:dPr>
-                            <m:e>
-                              <m:r>
-                                <a:rPr lang="en-US" sz="2000" i="1">
-                                  <a:latin typeface="Cambria Math" panose="02040503050406030204" pitchFamily="18" charset="0"/>
-                                </a:rPr>
-                                <m:t>𝑏</m:t>
+                                <a:rPr lang="en-US" sz="2800" i="1">
+                                  <a:latin typeface="Cambria Math" panose="02040503050406030204" pitchFamily="18" charset="0"/>
+                                </a:rPr>
+                                <m:t>𝑥</m:t>
                               </m:r>
                             </m:e>
                           </m:d>
+                          <m:r>
+                            <a:rPr lang="en-US" sz="2800" b="0" i="1" smtClean="0">
+                              <a:latin typeface="Cambria Math" panose="02040503050406030204" pitchFamily="18" charset="0"/>
+                            </a:rPr>
+                            <m:t>−</m:t>
+                          </m:r>
+                          <m:r>
+                            <a:rPr lang="en-US" sz="2800" b="0" i="1" smtClean="0">
+                              <a:solidFill>
+                                <a:schemeClr val="tx1"/>
+                              </a:solidFill>
+                              <a:latin typeface="Cambria Math" panose="02040503050406030204" pitchFamily="18" charset="0"/>
+                            </a:rPr>
+                            <m:t>𝑏</m:t>
+                          </m:r>
                         </m:e>
                       </m:d>
                       <m:r>
-                        <a:rPr lang="en-US" sz="2000" b="0" i="1" smtClean="0">
+                        <a:rPr lang="en-US" sz="2800" b="0" i="1" smtClean="0">
                           <a:latin typeface="Cambria Math" panose="02040503050406030204" pitchFamily="18" charset="0"/>
                         </a:rPr>
                         <m:t>&lt;</m:t>
                       </m:r>
                       <m:r>
-                        <a:rPr lang="en-US" sz="2000" i="1">
+                        <a:rPr lang="en-US" sz="2800" i="1">
                           <a:latin typeface="Cambria Math" panose="02040503050406030204" pitchFamily="18" charset="0"/>
                           <a:ea typeface="Cambria Math" panose="02040503050406030204" pitchFamily="18" charset="0"/>
                         </a:rPr>
-                        <m:t>𝜀</m:t>
+                        <m:t>𝛿</m:t>
+                      </m:r>
+                      <m:r>
+                        <a:rPr lang="en-US" sz="2800" i="1" baseline="-25000">
+                          <a:latin typeface="Cambria Math" panose="02040503050406030204" pitchFamily="18" charset="0"/>
+                          <a:ea typeface="Cambria Math" panose="02040503050406030204" pitchFamily="18" charset="0"/>
+                        </a:rPr>
+                        <m:t>1</m:t>
                       </m:r>
                     </m:oMath>
                   </m:oMathPara>
                 </a14:m>
-                <a:endParaRPr lang="en-US" sz="2000" baseline="-25000" dirty="0"/>
+                <a:endParaRPr lang="en-US" sz="2800" baseline="-25000" dirty="0"/>
               </a:p>
             </p:txBody>
           </p:sp>
@@ -15904,8 +15865,8 @@
             </p:nvSpPr>
             <p:spPr>
               <a:xfrm>
-                <a:off x="304800" y="3067375"/>
-                <a:ext cx="3425233" cy="982770"/>
+                <a:off x="820389" y="3257550"/>
+                <a:ext cx="3907415" cy="1277786"/>
               </a:xfrm>
               <a:prstGeom prst="rect">
                 <a:avLst/>
@@ -15948,8 +15909,8 @@
             </p:nvSpPr>
             <p:spPr>
               <a:xfrm>
-                <a:off x="4046221" y="3067375"/>
-                <a:ext cx="4249433" cy="1277786"/>
+                <a:off x="5131449" y="1434090"/>
+                <a:ext cx="3643626" cy="1082476"/>
               </a:xfrm>
               <a:prstGeom prst="rect">
                 <a:avLst/>
@@ -15974,13 +15935,13 @@
                     </m:oMathParaPr>
                     <m:oMath xmlns:m="http://schemas.openxmlformats.org/officeDocument/2006/math">
                       <m:r>
-                        <a:rPr lang="en-US" sz="2800" b="0" i="1" smtClean="0">
+                        <a:rPr lang="en-US" sz="2400" b="0" i="1" smtClean="0">
                           <a:latin typeface="Cambria Math" panose="02040503050406030204" pitchFamily="18" charset="0"/>
                         </a:rPr>
                         <m:t>𝑖𝑓</m:t>
                       </m:r>
                       <m:r>
-                        <a:rPr lang="en-US" sz="2800" b="0" i="1" smtClean="0">
+                        <a:rPr lang="en-US" sz="2400" b="0" i="1" smtClean="0">
                           <a:latin typeface="Cambria Math" panose="02040503050406030204" pitchFamily="18" charset="0"/>
                         </a:rPr>
                         <m:t> 0&lt;</m:t>
@@ -15990,26 +15951,26 @@
                           <m:begChr m:val="|"/>
                           <m:endChr m:val="|"/>
                           <m:ctrlPr>
-                            <a:rPr lang="en-US" sz="2800" b="0" i="1" smtClean="0">
+                            <a:rPr lang="en-US" sz="2400" b="0" i="1" smtClean="0">
                               <a:latin typeface="Cambria Math" panose="02040503050406030204" pitchFamily="18" charset="0"/>
                             </a:rPr>
                           </m:ctrlPr>
                         </m:dPr>
                         <m:e>
                           <m:r>
-                            <a:rPr lang="en-US" sz="2800" b="0" i="1" smtClean="0">
+                            <a:rPr lang="en-US" sz="2400" b="0" i="1" smtClean="0">
                               <a:latin typeface="Cambria Math" panose="02040503050406030204" pitchFamily="18" charset="0"/>
                             </a:rPr>
                             <m:t>𝑦</m:t>
                           </m:r>
                           <m:r>
-                            <a:rPr lang="en-US" sz="2800" b="0" i="1" smtClean="0">
+                            <a:rPr lang="en-US" sz="2400" b="0" i="1" smtClean="0">
                               <a:latin typeface="Cambria Math" panose="02040503050406030204" pitchFamily="18" charset="0"/>
                             </a:rPr>
                             <m:t>−</m:t>
                           </m:r>
                           <m:r>
-                            <a:rPr lang="en-US" sz="2800" b="0" i="1" smtClean="0">
+                            <a:rPr lang="en-US" sz="2400" b="0" i="1" smtClean="0">
                               <a:latin typeface="Cambria Math" panose="02040503050406030204" pitchFamily="18" charset="0"/>
                             </a:rPr>
                             <m:t>𝑏</m:t>
@@ -16017,20 +15978,20 @@
                         </m:e>
                       </m:d>
                       <m:r>
-                        <a:rPr lang="en-US" sz="2800" b="0" i="1" smtClean="0">
+                        <a:rPr lang="en-US" sz="2400" b="0" i="1" smtClean="0">
                           <a:latin typeface="Cambria Math" panose="02040503050406030204" pitchFamily="18" charset="0"/>
                         </a:rPr>
                         <m:t>&lt;</m:t>
                       </m:r>
                       <m:r>
-                        <a:rPr lang="en-US" sz="2800" i="1">
+                        <a:rPr lang="en-US" sz="2400" i="1">
                           <a:latin typeface="Cambria Math" panose="02040503050406030204" pitchFamily="18" charset="0"/>
                           <a:ea typeface="Cambria Math" panose="02040503050406030204" pitchFamily="18" charset="0"/>
                         </a:rPr>
                         <m:t>𝛿</m:t>
                       </m:r>
                       <m:r>
-                        <a:rPr lang="en-US" sz="2800" b="0" i="1" baseline="-25000" smtClean="0">
+                        <a:rPr lang="en-US" sz="2400" b="0" i="1" baseline="-25000" smtClean="0">
                           <a:latin typeface="Cambria Math" panose="02040503050406030204" pitchFamily="18" charset="0"/>
                           <a:ea typeface="Cambria Math" panose="02040503050406030204" pitchFamily="18" charset="0"/>
                         </a:rPr>
@@ -16039,7 +16000,7 @@
                     </m:oMath>
                   </m:oMathPara>
                 </a14:m>
-                <a:endParaRPr lang="en-US" sz="2800" b="0" i="1" baseline="-25000" dirty="0">
+                <a:endParaRPr lang="en-US" sz="2400" b="0" i="1" baseline="-25000" dirty="0">
                   <a:latin typeface="Cambria Math" panose="02040503050406030204" pitchFamily="18" charset="0"/>
                   <a:ea typeface="Cambria Math" panose="02040503050406030204" pitchFamily="18" charset="0"/>
                 </a:endParaRPr>
@@ -16057,13 +16018,13 @@
                     </m:oMathParaPr>
                     <m:oMath xmlns:m="http://schemas.openxmlformats.org/officeDocument/2006/math">
                       <m:r>
-                        <a:rPr lang="en-US" sz="2800" b="0" i="1" smtClean="0">
+                        <a:rPr lang="en-US" sz="2400" b="0" i="1" smtClean="0">
                           <a:latin typeface="Cambria Math" panose="02040503050406030204" pitchFamily="18" charset="0"/>
                         </a:rPr>
                         <m:t>𝑡h𝑒𝑛</m:t>
                       </m:r>
                       <m:r>
-                        <a:rPr lang="en-US" sz="2800" b="0" i="1" smtClean="0">
+                        <a:rPr lang="en-US" sz="2400" b="0" i="1" smtClean="0">
                           <a:latin typeface="Cambria Math" panose="02040503050406030204" pitchFamily="18" charset="0"/>
                         </a:rPr>
                         <m:t> 0&lt;</m:t>
@@ -16073,14 +16034,14 @@
                           <m:begChr m:val="|"/>
                           <m:endChr m:val="|"/>
                           <m:ctrlPr>
-                            <a:rPr lang="en-US" sz="2800" b="0" i="1" smtClean="0">
+                            <a:rPr lang="en-US" sz="2400" b="0" i="1" smtClean="0">
                               <a:latin typeface="Cambria Math" panose="02040503050406030204" pitchFamily="18" charset="0"/>
                             </a:rPr>
                           </m:ctrlPr>
                         </m:dPr>
                         <m:e>
                           <m:r>
-                            <a:rPr lang="en-US" sz="2800" i="1">
+                            <a:rPr lang="en-US" sz="2400" i="1">
                               <a:solidFill>
                                 <a:srgbClr val="C00000"/>
                               </a:solidFill>
@@ -16091,7 +16052,7 @@
                           <m:d>
                             <m:dPr>
                               <m:ctrlPr>
-                                <a:rPr lang="en-US" sz="2800" i="1">
+                                <a:rPr lang="en-US" sz="2400" i="1">
                                   <a:solidFill>
                                     <a:srgbClr val="C00000"/>
                                   </a:solidFill>
@@ -16101,7 +16062,7 @@
                             </m:dPr>
                             <m:e>
                               <m:r>
-                                <a:rPr lang="en-US" sz="2800" b="0" i="1" smtClean="0">
+                                <a:rPr lang="en-US" sz="2400" b="0" i="1" smtClean="0">
                                   <a:solidFill>
                                     <a:schemeClr val="tx1"/>
                                   </a:solidFill>
@@ -16112,13 +16073,13 @@
                             </m:e>
                           </m:d>
                           <m:r>
-                            <a:rPr lang="en-US" sz="2800" b="0" i="1" smtClean="0">
+                            <a:rPr lang="en-US" sz="2400" b="0" i="1" smtClean="0">
                               <a:latin typeface="Cambria Math" panose="02040503050406030204" pitchFamily="18" charset="0"/>
                             </a:rPr>
                             <m:t>−</m:t>
                           </m:r>
                           <m:r>
-                            <a:rPr lang="en-US" sz="2800" i="1">
+                            <a:rPr lang="en-US" sz="2400" i="1">
                               <a:solidFill>
                                 <a:srgbClr val="C00000"/>
                               </a:solidFill>
@@ -16129,7 +16090,7 @@
                           <m:d>
                             <m:dPr>
                               <m:ctrlPr>
-                                <a:rPr lang="en-US" sz="2800" i="1">
+                                <a:rPr lang="en-US" sz="2400" i="1">
                                   <a:solidFill>
                                     <a:srgbClr val="C00000"/>
                                   </a:solidFill>
@@ -16139,7 +16100,7 @@
                             </m:dPr>
                             <m:e>
                               <m:r>
-                                <a:rPr lang="en-US" sz="2800" i="1">
+                                <a:rPr lang="en-US" sz="2400" i="1">
                                   <a:latin typeface="Cambria Math" panose="02040503050406030204" pitchFamily="18" charset="0"/>
                                 </a:rPr>
                                 <m:t>𝑏</m:t>
@@ -16149,13 +16110,13 @@
                         </m:e>
                       </m:d>
                       <m:r>
-                        <a:rPr lang="en-US" sz="2800" b="0" i="1" smtClean="0">
+                        <a:rPr lang="en-US" sz="2400" b="0" i="1" smtClean="0">
                           <a:latin typeface="Cambria Math" panose="02040503050406030204" pitchFamily="18" charset="0"/>
                         </a:rPr>
                         <m:t>&lt;</m:t>
                       </m:r>
                       <m:r>
-                        <a:rPr lang="en-US" sz="2800" i="1">
+                        <a:rPr lang="en-US" sz="2400" i="1">
                           <a:latin typeface="Cambria Math" panose="02040503050406030204" pitchFamily="18" charset="0"/>
                           <a:ea typeface="Cambria Math" panose="02040503050406030204" pitchFamily="18" charset="0"/>
                         </a:rPr>
@@ -16164,7 +16125,7 @@
                     </m:oMath>
                   </m:oMathPara>
                 </a14:m>
-                <a:endParaRPr lang="en-US" sz="2800" baseline="-25000" dirty="0"/>
+                <a:endParaRPr lang="en-US" sz="2400" baseline="-25000" dirty="0"/>
               </a:p>
             </p:txBody>
           </p:sp>
@@ -16186,8 +16147,8 @@
             </p:nvSpPr>
             <p:spPr>
               <a:xfrm>
-                <a:off x="4046221" y="3067375"/>
-                <a:ext cx="4249433" cy="1277786"/>
+                <a:off x="5131449" y="1434090"/>
+                <a:ext cx="3643626" cy="1082476"/>
               </a:xfrm>
               <a:prstGeom prst="rect">
                 <a:avLst/>
